--- a/gpu/EE817 Lecture 13 Sparse Matrix-Vector Multiplication.pptx
+++ b/gpu/EE817 Lecture 13 Sparse Matrix-Vector Multiplication.pptx
@@ -185,7 +185,7 @@
   </p:defaultTextStyle>
   <p:extLst>
     <p:ext uri="{EFAFB233-063F-42B5-8137-9DF3F51BA10A}">
-      <p15:sldGuideLst xmlns="" xmlns:p15="http://schemas.microsoft.com/office/powerpoint/2012/main">
+      <p15:sldGuideLst xmlns:p15="http://schemas.microsoft.com/office/powerpoint/2012/main">
         <p15:guide id="1" orient="horz" pos="2160">
           <p15:clr>
             <a:srgbClr val="A4A3A4"/>
@@ -200,6 +200,10 @@
     </p:ext>
   </p:extLst>
 </p:presentation>
+</file>
+
+<file path=ppt/revisionInfo.xml><?xml version="1.0" encoding="utf-8"?>
+<p1510:revInfo xmlns:a="http://schemas.openxmlformats.org/drawingml/2006/main" xmlns:r="http://schemas.openxmlformats.org/officeDocument/2006/relationships" xmlns:p1510="http://schemas.microsoft.com/office/powerpoint/2015/10/main"/>
 </file>
 
 <file path=ppt/handoutMasters/handoutMaster1.xml><?xml version="1.0" encoding="utf-8"?>
@@ -284,7 +288,7 @@
           <a:p>
             <a:fld id="{0958D145-3F61-4970-8B92-DDA610F3EB4F}" type="datetimeFigureOut">
               <a:rPr lang="ko-KR" altLang="en-US" smtClean="0"/>
-              <a:t>2017-05-16</a:t>
+              <a:t>2017-05-28</a:t>
             </a:fld>
             <a:endParaRPr lang="ko-KR" altLang="en-US"/>
           </a:p>
@@ -479,7 +483,7 @@
               <a:pPr>
                 <a:defRPr/>
               </a:pPr>
-              <a:t>2017-05-16</a:t>
+              <a:t>2017-05-28</a:t>
             </a:fld>
             <a:endParaRPr lang="ko-KR" altLang="en-US"/>
           </a:p>
@@ -546,38 +550,37 @@
           <a:p>
             <a:pPr lvl="0"/>
             <a:r>
-              <a:rPr lang="ko-KR" altLang="en-US" noProof="0" smtClean="0"/>
+              <a:rPr lang="ko-KR" altLang="en-US" noProof="0"/>
               <a:t>마스터 텍스트 스타일을 편집합니다</a:t>
             </a:r>
           </a:p>
           <a:p>
             <a:pPr lvl="1"/>
             <a:r>
-              <a:rPr lang="ko-KR" altLang="en-US" noProof="0" smtClean="0"/>
+              <a:rPr lang="ko-KR" altLang="en-US" noProof="0"/>
               <a:t>둘째 수준</a:t>
             </a:r>
           </a:p>
           <a:p>
             <a:pPr lvl="2"/>
             <a:r>
-              <a:rPr lang="ko-KR" altLang="en-US" noProof="0" smtClean="0"/>
+              <a:rPr lang="ko-KR" altLang="en-US" noProof="0"/>
               <a:t>셋째 수준</a:t>
             </a:r>
           </a:p>
           <a:p>
             <a:pPr lvl="3"/>
             <a:r>
-              <a:rPr lang="ko-KR" altLang="en-US" noProof="0" smtClean="0"/>
+              <a:rPr lang="ko-KR" altLang="en-US" noProof="0"/>
               <a:t>넷째 수준</a:t>
             </a:r>
           </a:p>
           <a:p>
             <a:pPr lvl="4"/>
             <a:r>
-              <a:rPr lang="ko-KR" altLang="en-US" noProof="0" smtClean="0"/>
+              <a:rPr lang="ko-KR" altLang="en-US" noProof="0"/>
               <a:t>다섯째 수준</a:t>
             </a:r>
-            <a:endParaRPr lang="ko-KR" altLang="en-US" noProof="0"/>
           </a:p>
         </p:txBody>
       </p:sp>
@@ -1058,6 +1061,96 @@
               <a:pPr>
                 <a:defRPr/>
               </a:pPr>
+              <a:t>22</a:t>
+            </a:fld>
+            <a:endParaRPr lang="ko-KR" altLang="en-US"/>
+          </a:p>
+        </p:txBody>
+      </p:sp>
+    </p:spTree>
+    <p:extLst>
+      <p:ext uri="{BB962C8B-B14F-4D97-AF65-F5344CB8AC3E}">
+        <p14:creationId xmlns:p14="http://schemas.microsoft.com/office/powerpoint/2010/main" val="2235430392"/>
+      </p:ext>
+    </p:extLst>
+  </p:cSld>
+  <p:clrMapOvr>
+    <a:masterClrMapping/>
+  </p:clrMapOvr>
+</p:notes>
+</file>
+
+<file path=ppt/notesSlides/notesSlide4.xml><?xml version="1.0" encoding="utf-8"?>
+<p:notes xmlns:a="http://schemas.openxmlformats.org/drawingml/2006/main" xmlns:r="http://schemas.openxmlformats.org/officeDocument/2006/relationships" xmlns:p="http://schemas.openxmlformats.org/presentationml/2006/main">
+  <p:cSld>
+    <p:spTree>
+      <p:nvGrpSpPr>
+        <p:cNvPr id="1" name=""/>
+        <p:cNvGrpSpPr/>
+        <p:nvPr/>
+      </p:nvGrpSpPr>
+      <p:grpSpPr>
+        <a:xfrm>
+          <a:off x="0" y="0"/>
+          <a:ext cx="0" cy="0"/>
+          <a:chOff x="0" y="0"/>
+          <a:chExt cx="0" cy="0"/>
+        </a:xfrm>
+      </p:grpSpPr>
+      <p:sp>
+        <p:nvSpPr>
+          <p:cNvPr id="2" name="슬라이드 이미지 개체 틀 1"/>
+          <p:cNvSpPr>
+            <a:spLocks noGrp="1" noRot="1" noChangeAspect="1"/>
+          </p:cNvSpPr>
+          <p:nvPr>
+            <p:ph type="sldImg"/>
+          </p:nvPr>
+        </p:nvSpPr>
+        <p:spPr/>
+      </p:sp>
+      <p:sp>
+        <p:nvSpPr>
+          <p:cNvPr id="3" name="슬라이드 노트 개체 틀 2"/>
+          <p:cNvSpPr>
+            <a:spLocks noGrp="1"/>
+          </p:cNvSpPr>
+          <p:nvPr>
+            <p:ph type="body" idx="1"/>
+          </p:nvPr>
+        </p:nvSpPr>
+        <p:spPr/>
+        <p:txBody>
+          <a:bodyPr/>
+          <a:lstStyle/>
+          <a:p>
+            <a:endParaRPr lang="ko-KR" altLang="en-US" dirty="0"/>
+          </a:p>
+        </p:txBody>
+      </p:sp>
+      <p:sp>
+        <p:nvSpPr>
+          <p:cNvPr id="4" name="슬라이드 번호 개체 틀 3"/>
+          <p:cNvSpPr>
+            <a:spLocks noGrp="1"/>
+          </p:cNvSpPr>
+          <p:nvPr>
+            <p:ph type="sldNum" sz="quarter" idx="10"/>
+          </p:nvPr>
+        </p:nvSpPr>
+        <p:spPr/>
+        <p:txBody>
+          <a:bodyPr/>
+          <a:lstStyle/>
+          <a:p>
+            <a:pPr>
+              <a:defRPr/>
+            </a:pPr>
+            <a:fld id="{19EA3ECF-0238-4ED3-94B0-5264E6F3A85D}" type="slidenum">
+              <a:rPr lang="ko-KR" altLang="en-US" smtClean="0"/>
+              <a:pPr>
+                <a:defRPr/>
+              </a:pPr>
               <a:t>25</a:t>
             </a:fld>
             <a:endParaRPr lang="ko-KR" altLang="en-US"/>
@@ -1358,7 +1451,7 @@
           </a:lstStyle>
           <a:p>
             <a:r>
-              <a:rPr lang="ko-KR" altLang="en-US" smtClean="0"/>
+              <a:rPr lang="ko-KR" altLang="en-US"/>
               <a:t>마스터 제목 스타일 편집</a:t>
             </a:r>
             <a:endParaRPr lang="en-US"/>
@@ -1488,7 +1581,7 @@
           </a:lstStyle>
           <a:p>
             <a:r>
-              <a:rPr lang="ko-KR" altLang="en-US" smtClean="0"/>
+              <a:rPr lang="ko-KR" altLang="en-US"/>
               <a:t>마스터 부제목 스타일 편집</a:t>
             </a:r>
             <a:endParaRPr lang="en-US"/>
@@ -1522,7 +1615,7 @@
               <a:pPr>
                 <a:defRPr/>
               </a:pPr>
-              <a:t>5/16/2017</a:t>
+              <a:t>5/28/2017</a:t>
             </a:fld>
             <a:endParaRPr lang="en-US" altLang="ko-KR"/>
           </a:p>
@@ -1633,7 +1726,7 @@
           <a:lstStyle/>
           <a:p>
             <a:r>
-              <a:rPr lang="ko-KR" altLang="en-US" smtClean="0"/>
+              <a:rPr lang="ko-KR" altLang="en-US"/>
               <a:t>마스터 제목 스타일 편집</a:t>
             </a:r>
             <a:endParaRPr lang="en-US"/>
@@ -1662,35 +1755,35 @@
           <a:p>
             <a:pPr lvl="0"/>
             <a:r>
-              <a:rPr lang="ko-KR" altLang="en-US" smtClean="0"/>
+              <a:rPr lang="ko-KR" altLang="en-US"/>
               <a:t>마스터 텍스트 스타일을 편집합니다</a:t>
             </a:r>
           </a:p>
           <a:p>
             <a:pPr lvl="1"/>
             <a:r>
-              <a:rPr lang="ko-KR" altLang="en-US" smtClean="0"/>
+              <a:rPr lang="ko-KR" altLang="en-US"/>
               <a:t>둘째 수준</a:t>
             </a:r>
           </a:p>
           <a:p>
             <a:pPr lvl="2"/>
             <a:r>
-              <a:rPr lang="ko-KR" altLang="en-US" smtClean="0"/>
+              <a:rPr lang="ko-KR" altLang="en-US"/>
               <a:t>셋째 수준</a:t>
             </a:r>
           </a:p>
           <a:p>
             <a:pPr lvl="3"/>
             <a:r>
-              <a:rPr lang="ko-KR" altLang="en-US" smtClean="0"/>
+              <a:rPr lang="ko-KR" altLang="en-US"/>
               <a:t>넷째 수준</a:t>
             </a:r>
           </a:p>
           <a:p>
             <a:pPr lvl="4"/>
             <a:r>
-              <a:rPr lang="ko-KR" altLang="en-US" smtClean="0"/>
+              <a:rPr lang="ko-KR" altLang="en-US"/>
               <a:t>다섯째 수준</a:t>
             </a:r>
             <a:endParaRPr lang="en-US"/>
@@ -1724,7 +1817,7 @@
               <a:pPr>
                 <a:defRPr/>
               </a:pPr>
-              <a:t>5/16/2017</a:t>
+              <a:t>5/28/2017</a:t>
             </a:fld>
             <a:endParaRPr lang="en-US" altLang="ko-KR"/>
           </a:p>
@@ -2066,7 +2159,7 @@
           <a:lstStyle/>
           <a:p>
             <a:r>
-              <a:rPr lang="ko-KR" altLang="en-US" smtClean="0"/>
+              <a:rPr lang="ko-KR" altLang="en-US"/>
               <a:t>마스터 제목 스타일 편집</a:t>
             </a:r>
             <a:endParaRPr lang="en-US"/>
@@ -2095,35 +2188,35 @@
           <a:p>
             <a:pPr lvl="0"/>
             <a:r>
-              <a:rPr lang="ko-KR" altLang="en-US" smtClean="0"/>
+              <a:rPr lang="ko-KR" altLang="en-US"/>
               <a:t>마스터 텍스트 스타일을 편집합니다</a:t>
             </a:r>
           </a:p>
           <a:p>
             <a:pPr lvl="1"/>
             <a:r>
-              <a:rPr lang="ko-KR" altLang="en-US" smtClean="0"/>
+              <a:rPr lang="ko-KR" altLang="en-US"/>
               <a:t>둘째 수준</a:t>
             </a:r>
           </a:p>
           <a:p>
             <a:pPr lvl="2"/>
             <a:r>
-              <a:rPr lang="ko-KR" altLang="en-US" smtClean="0"/>
+              <a:rPr lang="ko-KR" altLang="en-US"/>
               <a:t>셋째 수준</a:t>
             </a:r>
           </a:p>
           <a:p>
             <a:pPr lvl="3"/>
             <a:r>
-              <a:rPr lang="ko-KR" altLang="en-US" smtClean="0"/>
+              <a:rPr lang="ko-KR" altLang="en-US"/>
               <a:t>넷째 수준</a:t>
             </a:r>
           </a:p>
           <a:p>
             <a:pPr lvl="4"/>
             <a:r>
-              <a:rPr lang="ko-KR" altLang="en-US" smtClean="0"/>
+              <a:rPr lang="ko-KR" altLang="en-US"/>
               <a:t>다섯째 수준</a:t>
             </a:r>
             <a:endParaRPr lang="en-US"/>
@@ -2157,7 +2250,7 @@
               <a:pPr>
                 <a:defRPr/>
               </a:pPr>
-              <a:t>5/16/2017</a:t>
+              <a:t>5/28/2017</a:t>
             </a:fld>
             <a:endParaRPr lang="en-US" altLang="ko-KR"/>
           </a:p>
@@ -2268,7 +2361,7 @@
           <a:lstStyle/>
           <a:p>
             <a:r>
-              <a:rPr lang="ko-KR" altLang="en-US" smtClean="0"/>
+              <a:rPr lang="ko-KR" altLang="en-US"/>
               <a:t>마스터 제목 스타일 편집</a:t>
             </a:r>
             <a:endParaRPr lang="en-US"/>
@@ -2292,35 +2385,35 @@
           <a:p>
             <a:pPr lvl="0"/>
             <a:r>
-              <a:rPr lang="ko-KR" altLang="en-US" smtClean="0"/>
+              <a:rPr lang="ko-KR" altLang="en-US"/>
               <a:t>마스터 텍스트 스타일을 편집합니다</a:t>
             </a:r>
           </a:p>
           <a:p>
             <a:pPr lvl="1"/>
             <a:r>
-              <a:rPr lang="ko-KR" altLang="en-US" smtClean="0"/>
+              <a:rPr lang="ko-KR" altLang="en-US"/>
               <a:t>둘째 수준</a:t>
             </a:r>
           </a:p>
           <a:p>
             <a:pPr lvl="2"/>
             <a:r>
-              <a:rPr lang="ko-KR" altLang="en-US" smtClean="0"/>
+              <a:rPr lang="ko-KR" altLang="en-US"/>
               <a:t>셋째 수준</a:t>
             </a:r>
           </a:p>
           <a:p>
             <a:pPr lvl="3"/>
             <a:r>
-              <a:rPr lang="ko-KR" altLang="en-US" smtClean="0"/>
+              <a:rPr lang="ko-KR" altLang="en-US"/>
               <a:t>넷째 수준</a:t>
             </a:r>
           </a:p>
           <a:p>
             <a:pPr lvl="4"/>
             <a:r>
-              <a:rPr lang="ko-KR" altLang="en-US" smtClean="0"/>
+              <a:rPr lang="ko-KR" altLang="en-US"/>
               <a:t>다섯째 수준</a:t>
             </a:r>
             <a:endParaRPr lang="en-US"/>
@@ -2354,7 +2447,7 @@
               <a:pPr>
                 <a:defRPr/>
               </a:pPr>
-              <a:t>5/16/2017</a:t>
+              <a:t>5/28/2017</a:t>
             </a:fld>
             <a:endParaRPr lang="en-US" altLang="ko-KR"/>
           </a:p>
@@ -2791,7 +2884,7 @@
           <a:p>
             <a:pPr lvl="0"/>
             <a:r>
-              <a:rPr lang="ko-KR" altLang="en-US" smtClean="0"/>
+              <a:rPr lang="ko-KR" altLang="en-US"/>
               <a:t>마스터 텍스트 스타일을 편집합니다</a:t>
             </a:r>
           </a:p>
@@ -2835,7 +2928,7 @@
           </a:lstStyle>
           <a:p>
             <a:r>
-              <a:rPr lang="ko-KR" altLang="en-US" smtClean="0"/>
+              <a:rPr lang="ko-KR" altLang="en-US"/>
               <a:t>마스터 제목 스타일 편집</a:t>
             </a:r>
             <a:endParaRPr lang="en-US"/>
@@ -2869,7 +2962,7 @@
               <a:pPr>
                 <a:defRPr/>
               </a:pPr>
-              <a:t>5/16/2017</a:t>
+              <a:t>5/28/2017</a:t>
             </a:fld>
             <a:endParaRPr lang="en-US" altLang="ko-KR"/>
           </a:p>
@@ -2980,7 +3073,7 @@
           <a:lstStyle/>
           <a:p>
             <a:r>
-              <a:rPr lang="ko-KR" altLang="en-US" smtClean="0"/>
+              <a:rPr lang="ko-KR" altLang="en-US"/>
               <a:t>마스터 제목 스타일 편집</a:t>
             </a:r>
             <a:endParaRPr lang="en-US"/>
@@ -3037,35 +3130,35 @@
           <a:p>
             <a:pPr lvl="0"/>
             <a:r>
-              <a:rPr lang="ko-KR" altLang="en-US" smtClean="0"/>
+              <a:rPr lang="ko-KR" altLang="en-US"/>
               <a:t>마스터 텍스트 스타일을 편집합니다</a:t>
             </a:r>
           </a:p>
           <a:p>
             <a:pPr lvl="1"/>
             <a:r>
-              <a:rPr lang="ko-KR" altLang="en-US" smtClean="0"/>
+              <a:rPr lang="ko-KR" altLang="en-US"/>
               <a:t>둘째 수준</a:t>
             </a:r>
           </a:p>
           <a:p>
             <a:pPr lvl="2"/>
             <a:r>
-              <a:rPr lang="ko-KR" altLang="en-US" smtClean="0"/>
+              <a:rPr lang="ko-KR" altLang="en-US"/>
               <a:t>셋째 수준</a:t>
             </a:r>
           </a:p>
           <a:p>
             <a:pPr lvl="3"/>
             <a:r>
-              <a:rPr lang="ko-KR" altLang="en-US" smtClean="0"/>
+              <a:rPr lang="ko-KR" altLang="en-US"/>
               <a:t>넷째 수준</a:t>
             </a:r>
           </a:p>
           <a:p>
             <a:pPr lvl="4"/>
             <a:r>
-              <a:rPr lang="ko-KR" altLang="en-US" smtClean="0"/>
+              <a:rPr lang="ko-KR" altLang="en-US"/>
               <a:t>다섯째 수준</a:t>
             </a:r>
             <a:endParaRPr lang="en-US"/>
@@ -3122,35 +3215,35 @@
           <a:p>
             <a:pPr lvl="0"/>
             <a:r>
-              <a:rPr lang="ko-KR" altLang="en-US" smtClean="0"/>
+              <a:rPr lang="ko-KR" altLang="en-US"/>
               <a:t>마스터 텍스트 스타일을 편집합니다</a:t>
             </a:r>
           </a:p>
           <a:p>
             <a:pPr lvl="1"/>
             <a:r>
-              <a:rPr lang="ko-KR" altLang="en-US" smtClean="0"/>
+              <a:rPr lang="ko-KR" altLang="en-US"/>
               <a:t>둘째 수준</a:t>
             </a:r>
           </a:p>
           <a:p>
             <a:pPr lvl="2"/>
             <a:r>
-              <a:rPr lang="ko-KR" altLang="en-US" smtClean="0"/>
+              <a:rPr lang="ko-KR" altLang="en-US"/>
               <a:t>셋째 수준</a:t>
             </a:r>
           </a:p>
           <a:p>
             <a:pPr lvl="3"/>
             <a:r>
-              <a:rPr lang="ko-KR" altLang="en-US" smtClean="0"/>
+              <a:rPr lang="ko-KR" altLang="en-US"/>
               <a:t>넷째 수준</a:t>
             </a:r>
           </a:p>
           <a:p>
             <a:pPr lvl="4"/>
             <a:r>
-              <a:rPr lang="ko-KR" altLang="en-US" smtClean="0"/>
+              <a:rPr lang="ko-KR" altLang="en-US"/>
               <a:t>다섯째 수준</a:t>
             </a:r>
             <a:endParaRPr lang="en-US"/>
@@ -3184,7 +3277,7 @@
               <a:pPr>
                 <a:defRPr/>
               </a:pPr>
-              <a:t>5/16/2017</a:t>
+              <a:t>5/28/2017</a:t>
             </a:fld>
             <a:endParaRPr lang="en-US" altLang="ko-KR"/>
           </a:p>
@@ -3299,7 +3392,7 @@
           </a:lstStyle>
           <a:p>
             <a:r>
-              <a:rPr lang="ko-KR" altLang="en-US" smtClean="0"/>
+              <a:rPr lang="ko-KR" altLang="en-US"/>
               <a:t>마스터 제목 스타일 편집</a:t>
             </a:r>
             <a:endParaRPr lang="en-US"/>
@@ -3392,7 +3485,7 @@
           <a:p>
             <a:pPr lvl="0"/>
             <a:r>
-              <a:rPr lang="ko-KR" altLang="en-US" smtClean="0"/>
+              <a:rPr lang="ko-KR" altLang="en-US"/>
               <a:t>마스터 텍스트 스타일을 편집합니다</a:t>
             </a:r>
           </a:p>
@@ -3448,35 +3541,35 @@
           <a:p>
             <a:pPr lvl="0"/>
             <a:r>
-              <a:rPr lang="ko-KR" altLang="en-US" smtClean="0"/>
+              <a:rPr lang="ko-KR" altLang="en-US"/>
               <a:t>마스터 텍스트 스타일을 편집합니다</a:t>
             </a:r>
           </a:p>
           <a:p>
             <a:pPr lvl="1"/>
             <a:r>
-              <a:rPr lang="ko-KR" altLang="en-US" smtClean="0"/>
+              <a:rPr lang="ko-KR" altLang="en-US"/>
               <a:t>둘째 수준</a:t>
             </a:r>
           </a:p>
           <a:p>
             <a:pPr lvl="2"/>
             <a:r>
-              <a:rPr lang="ko-KR" altLang="en-US" smtClean="0"/>
+              <a:rPr lang="ko-KR" altLang="en-US"/>
               <a:t>셋째 수준</a:t>
             </a:r>
           </a:p>
           <a:p>
             <a:pPr lvl="3"/>
             <a:r>
-              <a:rPr lang="ko-KR" altLang="en-US" smtClean="0"/>
+              <a:rPr lang="ko-KR" altLang="en-US"/>
               <a:t>넷째 수준</a:t>
             </a:r>
           </a:p>
           <a:p>
             <a:pPr lvl="4"/>
             <a:r>
-              <a:rPr lang="ko-KR" altLang="en-US" smtClean="0"/>
+              <a:rPr lang="ko-KR" altLang="en-US"/>
               <a:t>다섯째 수준</a:t>
             </a:r>
             <a:endParaRPr lang="en-US"/>
@@ -3569,7 +3662,7 @@
           <a:p>
             <a:pPr lvl="0"/>
             <a:r>
-              <a:rPr lang="ko-KR" altLang="en-US" smtClean="0"/>
+              <a:rPr lang="ko-KR" altLang="en-US"/>
               <a:t>마스터 텍스트 스타일을 편집합니다</a:t>
             </a:r>
           </a:p>
@@ -3625,35 +3718,35 @@
           <a:p>
             <a:pPr lvl="0"/>
             <a:r>
-              <a:rPr lang="ko-KR" altLang="en-US" smtClean="0"/>
+              <a:rPr lang="ko-KR" altLang="en-US"/>
               <a:t>마스터 텍스트 스타일을 편집합니다</a:t>
             </a:r>
           </a:p>
           <a:p>
             <a:pPr lvl="1"/>
             <a:r>
-              <a:rPr lang="ko-KR" altLang="en-US" smtClean="0"/>
+              <a:rPr lang="ko-KR" altLang="en-US"/>
               <a:t>둘째 수준</a:t>
             </a:r>
           </a:p>
           <a:p>
             <a:pPr lvl="2"/>
             <a:r>
-              <a:rPr lang="ko-KR" altLang="en-US" smtClean="0"/>
+              <a:rPr lang="ko-KR" altLang="en-US"/>
               <a:t>셋째 수준</a:t>
             </a:r>
           </a:p>
           <a:p>
             <a:pPr lvl="3"/>
             <a:r>
-              <a:rPr lang="ko-KR" altLang="en-US" smtClean="0"/>
+              <a:rPr lang="ko-KR" altLang="en-US"/>
               <a:t>넷째 수준</a:t>
             </a:r>
           </a:p>
           <a:p>
             <a:pPr lvl="4"/>
             <a:r>
-              <a:rPr lang="ko-KR" altLang="en-US" smtClean="0"/>
+              <a:rPr lang="ko-KR" altLang="en-US"/>
               <a:t>다섯째 수준</a:t>
             </a:r>
             <a:endParaRPr lang="en-US"/>
@@ -3687,7 +3780,7 @@
               <a:pPr>
                 <a:defRPr/>
               </a:pPr>
-              <a:t>5/16/2017</a:t>
+              <a:t>5/28/2017</a:t>
             </a:fld>
             <a:endParaRPr lang="en-US" altLang="ko-KR"/>
           </a:p>
@@ -4041,7 +4134,7 @@
           </a:lstStyle>
           <a:p>
             <a:r>
-              <a:rPr lang="ko-KR" altLang="en-US" smtClean="0"/>
+              <a:rPr lang="ko-KR" altLang="en-US"/>
               <a:t>마스터 제목 스타일 편집</a:t>
             </a:r>
             <a:endParaRPr lang="en-US"/>
@@ -4075,7 +4168,7 @@
               <a:pPr>
                 <a:defRPr/>
               </a:pPr>
-              <a:t>5/16/2017</a:t>
+              <a:t>5/28/2017</a:t>
             </a:fld>
             <a:endParaRPr lang="en-US" altLang="ko-KR"/>
           </a:p>
@@ -4533,7 +4626,7 @@
               <a:pPr>
                 <a:defRPr/>
               </a:pPr>
-              <a:t>5/16/2017</a:t>
+              <a:t>5/28/2017</a:t>
             </a:fld>
             <a:endParaRPr lang="en-US" altLang="ko-KR"/>
           </a:p>
@@ -4666,7 +4759,7 @@
           </a:lstStyle>
           <a:p>
             <a:r>
-              <a:rPr lang="ko-KR" altLang="en-US" smtClean="0"/>
+              <a:rPr lang="ko-KR" altLang="en-US"/>
               <a:t>마스터 제목 스타일 편집</a:t>
             </a:r>
             <a:endParaRPr lang="en-US"/>
@@ -4741,7 +4834,7 @@
           <a:p>
             <a:pPr lvl="0"/>
             <a:r>
-              <a:rPr lang="ko-KR" altLang="en-US" smtClean="0"/>
+              <a:rPr lang="ko-KR" altLang="en-US"/>
               <a:t>마스터 텍스트 스타일을 편집합니다</a:t>
             </a:r>
           </a:p>
@@ -4769,35 +4862,35 @@
           <a:p>
             <a:pPr lvl="0"/>
             <a:r>
-              <a:rPr lang="ko-KR" altLang="en-US" smtClean="0"/>
+              <a:rPr lang="ko-KR" altLang="en-US"/>
               <a:t>마스터 텍스트 스타일을 편집합니다</a:t>
             </a:r>
           </a:p>
           <a:p>
             <a:pPr lvl="1"/>
             <a:r>
-              <a:rPr lang="ko-KR" altLang="en-US" smtClean="0"/>
+              <a:rPr lang="ko-KR" altLang="en-US"/>
               <a:t>둘째 수준</a:t>
             </a:r>
           </a:p>
           <a:p>
             <a:pPr lvl="2"/>
             <a:r>
-              <a:rPr lang="ko-KR" altLang="en-US" smtClean="0"/>
+              <a:rPr lang="ko-KR" altLang="en-US"/>
               <a:t>셋째 수준</a:t>
             </a:r>
           </a:p>
           <a:p>
             <a:pPr lvl="3"/>
             <a:r>
-              <a:rPr lang="ko-KR" altLang="en-US" smtClean="0"/>
+              <a:rPr lang="ko-KR" altLang="en-US"/>
               <a:t>넷째 수준</a:t>
             </a:r>
           </a:p>
           <a:p>
             <a:pPr lvl="4"/>
             <a:r>
-              <a:rPr lang="ko-KR" altLang="en-US" smtClean="0"/>
+              <a:rPr lang="ko-KR" altLang="en-US"/>
               <a:t>다섯째 수준</a:t>
             </a:r>
             <a:endParaRPr lang="en-US"/>
@@ -4831,7 +4924,7 @@
               <a:pPr>
                 <a:defRPr/>
               </a:pPr>
-              <a:t>5/16/2017</a:t>
+              <a:t>5/28/2017</a:t>
             </a:fld>
             <a:endParaRPr lang="en-US" altLang="ko-KR"/>
           </a:p>
@@ -4964,7 +5057,7 @@
           </a:lstStyle>
           <a:p>
             <a:r>
-              <a:rPr lang="ko-KR" altLang="en-US" smtClean="0"/>
+              <a:rPr lang="ko-KR" altLang="en-US"/>
               <a:t>마스터 제목 스타일 편집</a:t>
             </a:r>
             <a:endParaRPr lang="en-US"/>
@@ -5062,7 +5155,7 @@
           <a:p>
             <a:pPr lvl="0"/>
             <a:r>
-              <a:rPr lang="ko-KR" altLang="en-US" noProof="0" smtClean="0"/>
+              <a:rPr lang="ko-KR" altLang="en-US" noProof="0"/>
               <a:t>그림을 추가하려면 아이콘을 클릭하십시오</a:t>
             </a:r>
             <a:endParaRPr lang="en-US" noProof="0"/>
@@ -5128,7 +5221,7 @@
           <a:p>
             <a:pPr lvl="0"/>
             <a:r>
-              <a:rPr lang="ko-KR" altLang="en-US" smtClean="0"/>
+              <a:rPr lang="ko-KR" altLang="en-US"/>
               <a:t>마스터 텍스트 스타일을 편집합니다</a:t>
             </a:r>
           </a:p>
@@ -5161,7 +5254,7 @@
               <a:pPr>
                 <a:defRPr/>
               </a:pPr>
-              <a:t>5/16/2017</a:t>
+              <a:t>5/28/2017</a:t>
             </a:fld>
             <a:endParaRPr lang="en-US" altLang="ko-KR"/>
           </a:p>
@@ -5542,7 +5635,7 @@
           <a:p>
             <a:pPr lvl="0"/>
             <a:r>
-              <a:rPr lang="ko-KR" altLang="en-US" smtClean="0"/>
+              <a:rPr lang="ko-KR" altLang="en-US"/>
               <a:t>마스터 제목 스타일 편집</a:t>
             </a:r>
           </a:p>
@@ -5600,35 +5693,35 @@
           <a:p>
             <a:pPr lvl="0"/>
             <a:r>
-              <a:rPr lang="ko-KR" altLang="en-US" smtClean="0"/>
+              <a:rPr lang="ko-KR" altLang="en-US"/>
               <a:t>마스터 텍스트 스타일을 편집합니다</a:t>
             </a:r>
           </a:p>
           <a:p>
             <a:pPr lvl="1"/>
             <a:r>
-              <a:rPr lang="ko-KR" altLang="en-US" smtClean="0"/>
+              <a:rPr lang="ko-KR" altLang="en-US"/>
               <a:t>둘째 수준</a:t>
             </a:r>
           </a:p>
           <a:p>
             <a:pPr lvl="2"/>
             <a:r>
-              <a:rPr lang="ko-KR" altLang="en-US" smtClean="0"/>
+              <a:rPr lang="ko-KR" altLang="en-US"/>
               <a:t>셋째 수준</a:t>
             </a:r>
           </a:p>
           <a:p>
             <a:pPr lvl="3"/>
             <a:r>
-              <a:rPr lang="ko-KR" altLang="en-US" smtClean="0"/>
+              <a:rPr lang="ko-KR" altLang="en-US"/>
               <a:t>넷째 수준</a:t>
             </a:r>
           </a:p>
           <a:p>
             <a:pPr lvl="4"/>
             <a:r>
-              <a:rPr lang="ko-KR" altLang="en-US" smtClean="0"/>
+              <a:rPr lang="ko-KR" altLang="en-US"/>
               <a:t>다섯째 수준</a:t>
             </a:r>
           </a:p>
@@ -5679,7 +5772,7 @@
               <a:pPr>
                 <a:defRPr/>
               </a:pPr>
-              <a:t>5/16/2017</a:t>
+              <a:t>5/28/2017</a:t>
             </a:fld>
             <a:endParaRPr lang="en-US" altLang="ko-KR"/>
           </a:p>
@@ -6210,21 +6303,21 @@
           <a:lstStyle/>
           <a:p>
             <a:r>
-              <a:rPr lang="en-US" altLang="ko-KR" dirty="0" smtClean="0"/>
+              <a:rPr lang="en-US" altLang="ko-KR" dirty="0"/>
               <a:t>Lecture 13 </a:t>
             </a:r>
             <a:br>
-              <a:rPr lang="en-US" altLang="ko-KR" dirty="0" smtClean="0"/>
+              <a:rPr lang="en-US" altLang="ko-KR" dirty="0"/>
             </a:br>
             <a:r>
-              <a:rPr lang="en-US" altLang="ko-KR" dirty="0" smtClean="0"/>
+              <a:rPr lang="en-US" altLang="ko-KR" dirty="0"/>
               <a:t>Sparse Matrix-Vector Multiplication</a:t>
             </a:r>
             <a:br>
-              <a:rPr lang="en-US" altLang="ko-KR" dirty="0" smtClean="0"/>
+              <a:rPr lang="en-US" altLang="ko-KR" dirty="0"/>
             </a:br>
             <a:r>
-              <a:rPr lang="en-US" altLang="ko-KR" dirty="0" smtClean="0"/>
+              <a:rPr lang="en-US" altLang="ko-KR" dirty="0"/>
               <a:t>and CUDA Libraries</a:t>
             </a:r>
             <a:endParaRPr lang="ko-KR" altLang="en-US" dirty="0"/>
@@ -6249,13 +6342,13 @@
           <a:lstStyle/>
           <a:p>
             <a:r>
-              <a:rPr lang="en-US" altLang="ko-KR" dirty="0" smtClean="0"/>
+              <a:rPr lang="en-US" altLang="ko-KR" dirty="0"/>
               <a:t>Kyu Ho Park</a:t>
             </a:r>
           </a:p>
           <a:p>
             <a:r>
-              <a:rPr lang="en-US" altLang="ko-KR" dirty="0" smtClean="0"/>
+              <a:rPr lang="en-US" altLang="ko-KR" dirty="0"/>
               <a:t>May 16, 2017</a:t>
             </a:r>
             <a:endParaRPr lang="ko-KR" altLang="en-US" dirty="0"/>
@@ -6285,7 +6378,7 @@
           <a:lstStyle/>
           <a:p>
             <a:r>
-              <a:rPr lang="en-US" altLang="ko-KR" sz="1400" dirty="0" smtClean="0">
+              <a:rPr lang="en-US" altLang="ko-KR" sz="1400" dirty="0">
                 <a:latin typeface="+mn-lt"/>
               </a:rPr>
               <a:t>Ref:</a:t>
@@ -6293,31 +6386,31 @@
           </a:p>
           <a:p>
             <a:r>
-              <a:rPr lang="en-US" altLang="ko-KR" sz="1400" dirty="0" smtClean="0">
+              <a:rPr lang="en-US" altLang="ko-KR" sz="1400" dirty="0">
                 <a:latin typeface="+mn-lt"/>
               </a:rPr>
               <a:t>1.David Kirk and Wen-</a:t>
             </a:r>
             <a:r>
-              <a:rPr lang="en-US" altLang="ko-KR" sz="1400" dirty="0" err="1" smtClean="0">
+              <a:rPr lang="en-US" altLang="ko-KR" sz="1400" dirty="0" err="1">
                 <a:latin typeface="+mn-lt"/>
               </a:rPr>
               <a:t>mei</a:t>
             </a:r>
             <a:r>
-              <a:rPr lang="en-US" altLang="ko-KR" sz="1400" dirty="0" smtClean="0">
+              <a:rPr lang="en-US" altLang="ko-KR" sz="1400" dirty="0">
                 <a:latin typeface="+mn-lt"/>
               </a:rPr>
               <a:t> </a:t>
             </a:r>
             <a:r>
-              <a:rPr lang="en-US" altLang="ko-KR" sz="1400" dirty="0" err="1" smtClean="0">
+              <a:rPr lang="en-US" altLang="ko-KR" sz="1400" dirty="0" err="1">
                 <a:latin typeface="+mn-lt"/>
               </a:rPr>
               <a:t>Hwu</a:t>
             </a:r>
             <a:r>
-              <a:rPr lang="en-US" altLang="ko-KR" sz="1400" dirty="0" smtClean="0">
+              <a:rPr lang="en-US" altLang="ko-KR" sz="1400" dirty="0">
                 <a:latin typeface="+mn-lt"/>
               </a:rPr>
               <a:t>, Programming Massively Parallel Processors, MK and NVIDIA. </a:t>
@@ -6325,19 +6418,19 @@
           </a:p>
           <a:p>
             <a:r>
-              <a:rPr lang="en-US" altLang="ko-KR" sz="1400" dirty="0" smtClean="0">
+              <a:rPr lang="en-US" altLang="ko-KR" sz="1400" dirty="0">
                 <a:latin typeface="+mn-lt"/>
               </a:rPr>
               <a:t>2. </a:t>
             </a:r>
             <a:r>
-              <a:rPr lang="en-US" altLang="ko-KR" sz="1400" smtClean="0">
+              <a:rPr lang="en-US" altLang="ko-KR" sz="1400">
                 <a:latin typeface="+mn-lt"/>
               </a:rPr>
               <a:t>Massimiliano Fatica, </a:t>
             </a:r>
             <a:r>
-              <a:rPr lang="en-US" altLang="ko-KR" sz="1400" dirty="0" smtClean="0">
+              <a:rPr lang="en-US" altLang="ko-KR" sz="1400" dirty="0">
                 <a:latin typeface="+mn-lt"/>
               </a:rPr>
               <a:t>CUDA Libraries and CUDA FORTRAN, NVIDIA</a:t>
@@ -6363,13 +6456,6 @@
   <p:clrMapOvr>
     <a:masterClrMapping/>
   </p:clrMapOvr>
-  <p:timing>
-    <p:tnLst>
-      <p:par>
-        <p:cTn id="1" dur="indefinite" restart="never" nodeType="tmRoot"/>
-      </p:par>
-    </p:tnLst>
-  </p:timing>
 </p:sld>
 </file>
 
@@ -6406,15 +6492,15 @@
           <a:lstStyle/>
           <a:p>
             <a:r>
-              <a:rPr lang="en-US" altLang="ko-KR" dirty="0" smtClean="0"/>
+              <a:rPr lang="en-US" altLang="ko-KR" dirty="0"/>
               <a:t>Parallel </a:t>
             </a:r>
             <a:r>
-              <a:rPr lang="en-US" altLang="ko-KR" dirty="0" err="1" smtClean="0"/>
+              <a:rPr lang="en-US" altLang="ko-KR" dirty="0" err="1"/>
               <a:t>SpMV</a:t>
             </a:r>
             <a:r>
-              <a:rPr lang="en-US" altLang="ko-KR" dirty="0" smtClean="0"/>
+              <a:rPr lang="en-US" altLang="ko-KR" dirty="0"/>
               <a:t> in CUDA</a:t>
             </a:r>
             <a:endParaRPr lang="ko-KR" altLang="en-US" dirty="0"/>
@@ -6578,7 +6664,7 @@
           <a:lstStyle/>
           <a:p>
             <a:r>
-              <a:rPr lang="en-US" altLang="ko-KR" b="1" dirty="0" smtClean="0">
+              <a:rPr lang="en-US" altLang="ko-KR" b="1" dirty="0">
                 <a:latin typeface="+mn-lt"/>
               </a:rPr>
               <a:t>Thread 0</a:t>
@@ -6642,7 +6728,7 @@
           <a:lstStyle/>
           <a:p>
             <a:r>
-              <a:rPr lang="en-US" altLang="ko-KR" b="1" dirty="0" smtClean="0">
+              <a:rPr lang="en-US" altLang="ko-KR" b="1" dirty="0">
                 <a:latin typeface="+mn-lt"/>
               </a:rPr>
               <a:t>Thread 1</a:t>
@@ -6676,13 +6762,13 @@
           <a:lstStyle/>
           <a:p>
             <a:r>
-              <a:rPr lang="en-US" altLang="ko-KR" b="1" smtClean="0">
+              <a:rPr lang="en-US" altLang="ko-KR" b="1">
                 <a:latin typeface="+mn-lt"/>
               </a:rPr>
               <a:t> Thread </a:t>
             </a:r>
             <a:r>
-              <a:rPr lang="en-US" altLang="ko-KR" b="1" dirty="0" smtClean="0">
+              <a:rPr lang="en-US" altLang="ko-KR" b="1" dirty="0">
                 <a:latin typeface="+mn-lt"/>
               </a:rPr>
               <a:t>2</a:t>
@@ -6716,7 +6802,7 @@
           <a:lstStyle/>
           <a:p>
             <a:r>
-              <a:rPr lang="en-US" altLang="ko-KR" b="1" dirty="0" smtClean="0">
+              <a:rPr lang="en-US" altLang="ko-KR" b="1" dirty="0">
                 <a:latin typeface="+mn-lt"/>
               </a:rPr>
               <a:t>Thread 3</a:t>
@@ -6737,13 +6823,6 @@
   <p:clrMapOvr>
     <a:masterClrMapping/>
   </p:clrMapOvr>
-  <p:timing>
-    <p:tnLst>
-      <p:par>
-        <p:cTn id="1" dur="indefinite" restart="never" nodeType="tmRoot"/>
-      </p:par>
-    </p:tnLst>
-  </p:timing>
 </p:sld>
 </file>
 
@@ -6780,15 +6859,15 @@
           <a:lstStyle/>
           <a:p>
             <a:r>
-              <a:rPr lang="en-US" altLang="ko-KR" dirty="0" smtClean="0"/>
+              <a:rPr lang="en-US" altLang="ko-KR" dirty="0"/>
               <a:t>Parallel </a:t>
             </a:r>
             <a:r>
-              <a:rPr lang="en-US" altLang="ko-KR" dirty="0" err="1" smtClean="0"/>
+              <a:rPr lang="en-US" altLang="ko-KR" dirty="0" err="1"/>
               <a:t>SpMV</a:t>
             </a:r>
             <a:r>
-              <a:rPr lang="en-US" altLang="ko-KR" dirty="0" smtClean="0"/>
+              <a:rPr lang="en-US" altLang="ko-KR" dirty="0"/>
               <a:t> in CUDA[1]</a:t>
             </a:r>
             <a:endParaRPr lang="ko-KR" altLang="en-US" dirty="0"/>
@@ -6819,42 +6898,38 @@
             </a:r>
             <a:r>
               <a:rPr lang="en-US" altLang="ko-KR" sz="2000" dirty="0"/>
-              <a:t>1. </a:t>
-            </a:r>
-            <a:r>
-              <a:rPr lang="en-US" altLang="ko-KR" sz="2000" dirty="0" smtClean="0"/>
-              <a:t>__global__ void SPMV(</a:t>
-            </a:r>
-            <a:r>
-              <a:rPr lang="en-US" altLang="ko-KR" sz="2000" dirty="0" err="1" smtClean="0"/>
+              <a:t>1. __global__ void SPMV(</a:t>
+            </a:r>
+            <a:r>
+              <a:rPr lang="en-US" altLang="ko-KR" sz="2000" dirty="0" err="1"/>
               <a:t>int</a:t>
             </a:r>
             <a:r>
-              <a:rPr lang="en-US" altLang="ko-KR" sz="2000" dirty="0" smtClean="0"/>
+              <a:rPr lang="en-US" altLang="ko-KR" sz="2000" dirty="0"/>
               <a:t> </a:t>
             </a:r>
             <a:r>
-              <a:rPr lang="en-US" altLang="ko-KR" sz="2000" dirty="0" err="1" smtClean="0"/>
+              <a:rPr lang="en-US" altLang="ko-KR" sz="2000" dirty="0" err="1"/>
               <a:t>num_rows</a:t>
             </a:r>
             <a:r>
-              <a:rPr lang="en-US" altLang="ko-KR" sz="2000" dirty="0" smtClean="0"/>
+              <a:rPr lang="en-US" altLang="ko-KR" sz="2000" dirty="0"/>
               <a:t>, float *data, </a:t>
             </a:r>
             <a:r>
-              <a:rPr lang="en-US" altLang="ko-KR" sz="2000" dirty="0" err="1" smtClean="0"/>
+              <a:rPr lang="en-US" altLang="ko-KR" sz="2000" dirty="0" err="1"/>
               <a:t>int</a:t>
             </a:r>
             <a:r>
-              <a:rPr lang="en-US" altLang="ko-KR" sz="2000" dirty="0" smtClean="0"/>
+              <a:rPr lang="en-US" altLang="ko-KR" sz="2000" dirty="0"/>
               <a:t> *</a:t>
             </a:r>
             <a:r>
-              <a:rPr lang="en-US" altLang="ko-KR" sz="2000" dirty="0" err="1" smtClean="0"/>
+              <a:rPr lang="en-US" altLang="ko-KR" sz="2000" dirty="0" err="1"/>
               <a:t>col_index</a:t>
             </a:r>
             <a:r>
-              <a:rPr lang="en-US" altLang="ko-KR" sz="2000" dirty="0" smtClean="0"/>
+              <a:rPr lang="en-US" altLang="ko-KR" sz="2000" dirty="0"/>
               <a:t>,</a:t>
             </a:r>
           </a:p>
@@ -6864,29 +6939,24 @@
             </a:pPr>
             <a:r>
               <a:rPr lang="en-US" altLang="ko-KR" sz="2000" dirty="0"/>
-              <a:t>	</a:t>
-            </a:r>
-            <a:r>
-              <a:rPr lang="en-US" altLang="ko-KR" sz="2000" dirty="0" smtClean="0"/>
-              <a:t>	</a:t>
-            </a:r>
-            <a:r>
-              <a:rPr lang="en-US" altLang="ko-KR" sz="2000" dirty="0" err="1" smtClean="0"/>
+              <a:t>		</a:t>
+            </a:r>
+            <a:r>
+              <a:rPr lang="en-US" altLang="ko-KR" sz="2000" dirty="0" err="1"/>
               <a:t>int</a:t>
             </a:r>
             <a:r>
-              <a:rPr lang="en-US" altLang="ko-KR" sz="2000" dirty="0" smtClean="0"/>
+              <a:rPr lang="en-US" altLang="ko-KR" sz="2000" dirty="0"/>
               <a:t> *</a:t>
             </a:r>
             <a:r>
-              <a:rPr lang="en-US" altLang="ko-KR" sz="2000" dirty="0" err="1" smtClean="0"/>
+              <a:rPr lang="en-US" altLang="ko-KR" sz="2000" dirty="0" err="1"/>
               <a:t>row_ptr</a:t>
             </a:r>
             <a:r>
-              <a:rPr lang="en-US" altLang="ko-KR" sz="2000" dirty="0" smtClean="0"/>
+              <a:rPr lang="en-US" altLang="ko-KR" sz="2000" dirty="0"/>
               <a:t>, float *x, float *y) {</a:t>
             </a:r>
-            <a:endParaRPr lang="en-US" altLang="ko-KR" sz="2000" dirty="0"/>
           </a:p>
           <a:p>
             <a:pPr marL="0" indent="0">
@@ -6894,42 +6964,38 @@
             </a:pPr>
             <a:r>
               <a:rPr lang="en-US" altLang="ko-KR" sz="2000" dirty="0"/>
-              <a:t>	2. </a:t>
-            </a:r>
-            <a:r>
-              <a:rPr lang="en-US" altLang="ko-KR" sz="2000" dirty="0" smtClean="0"/>
-              <a:t>  </a:t>
-            </a:r>
-            <a:r>
-              <a:rPr lang="en-US" altLang="ko-KR" sz="2000" dirty="0" err="1" smtClean="0"/>
+              <a:t>	2.   </a:t>
+            </a:r>
+            <a:r>
+              <a:rPr lang="en-US" altLang="ko-KR" sz="2000" dirty="0" err="1"/>
               <a:t>int</a:t>
             </a:r>
             <a:r>
-              <a:rPr lang="en-US" altLang="ko-KR" sz="2000" dirty="0" smtClean="0"/>
+              <a:rPr lang="en-US" altLang="ko-KR" sz="2000" dirty="0"/>
               <a:t> row=</a:t>
             </a:r>
             <a:r>
-              <a:rPr lang="en-US" altLang="ko-KR" sz="2000" dirty="0" err="1" smtClean="0"/>
+              <a:rPr lang="en-US" altLang="ko-KR" sz="2000" dirty="0" err="1"/>
               <a:t>blockIdx.x</a:t>
             </a:r>
             <a:r>
-              <a:rPr lang="en-US" altLang="ko-KR" sz="2000" dirty="0" smtClean="0"/>
+              <a:rPr lang="en-US" altLang="ko-KR" sz="2000" dirty="0"/>
               <a:t>*</a:t>
             </a:r>
             <a:r>
-              <a:rPr lang="en-US" altLang="ko-KR" sz="2000" dirty="0" err="1" smtClean="0"/>
+              <a:rPr lang="en-US" altLang="ko-KR" sz="2000" dirty="0" err="1"/>
               <a:t>blockDim.x</a:t>
             </a:r>
             <a:r>
-              <a:rPr lang="en-US" altLang="ko-KR" sz="2000" dirty="0" smtClean="0"/>
+              <a:rPr lang="en-US" altLang="ko-KR" sz="2000" dirty="0"/>
               <a:t> + </a:t>
             </a:r>
             <a:r>
-              <a:rPr lang="en-US" altLang="ko-KR" sz="2000" dirty="0" err="1" smtClean="0"/>
+              <a:rPr lang="en-US" altLang="ko-KR" sz="2000" dirty="0" err="1"/>
               <a:t>threadIdx.x</a:t>
             </a:r>
             <a:r>
-              <a:rPr lang="en-US" altLang="ko-KR" sz="2000" dirty="0" smtClean="0"/>
+              <a:rPr lang="en-US" altLang="ko-KR" sz="2000" dirty="0"/>
               <a:t>;</a:t>
             </a:r>
           </a:p>
@@ -6939,18 +7005,14 @@
             </a:pPr>
             <a:r>
               <a:rPr lang="en-US" altLang="ko-KR" sz="2000" dirty="0"/>
-              <a:t>	</a:t>
-            </a:r>
-            <a:r>
-              <a:rPr lang="en-US" altLang="ko-KR" sz="2000" dirty="0" smtClean="0"/>
-              <a:t>3.   if(row &lt; </a:t>
-            </a:r>
-            <a:r>
-              <a:rPr lang="en-US" altLang="ko-KR" sz="2000" dirty="0" err="1" smtClean="0"/>
+              <a:t>	3.   if(row &lt; </a:t>
+            </a:r>
+            <a:r>
+              <a:rPr lang="en-US" altLang="ko-KR" sz="2000" dirty="0" err="1"/>
               <a:t>num_rows</a:t>
             </a:r>
             <a:r>
-              <a:rPr lang="en-US" altLang="ko-KR" sz="2000" dirty="0" smtClean="0"/>
+              <a:rPr lang="en-US" altLang="ko-KR" sz="2000" dirty="0"/>
               <a:t>){</a:t>
             </a:r>
           </a:p>
@@ -6960,19 +7022,15 @@
             </a:pPr>
             <a:r>
               <a:rPr lang="en-US" altLang="ko-KR" sz="2000" dirty="0"/>
-              <a:t>	</a:t>
-            </a:r>
-            <a:r>
-              <a:rPr lang="en-US" altLang="ko-KR" sz="2000" dirty="0" smtClean="0"/>
-              <a:t>4.	</a:t>
-            </a:r>
-            <a:r>
-              <a:rPr lang="en-US" altLang="ko-KR" sz="2000" smtClean="0"/>
-              <a:t>float dp=0</a:t>
-            </a:r>
-            <a:r>
-              <a:rPr lang="en-US" altLang="ko-KR" sz="2000" dirty="0" smtClean="0"/>
-              <a:t>;</a:t>
+              <a:t>	4.	float </a:t>
+            </a:r>
+            <a:r>
+              <a:rPr lang="en-US" altLang="ko-KR" sz="2000" dirty="0" err="1"/>
+              <a:t>dp</a:t>
+            </a:r>
+            <a:r>
+              <a:rPr lang="en-US" altLang="ko-KR" sz="2000" dirty="0"/>
+              <a:t>=0;</a:t>
             </a:r>
           </a:p>
           <a:p>
@@ -6981,15 +7039,7 @@
             </a:pPr>
             <a:r>
               <a:rPr lang="en-US" altLang="ko-KR" sz="2000" dirty="0"/>
-              <a:t>	</a:t>
-            </a:r>
-            <a:r>
-              <a:rPr lang="en-US" altLang="ko-KR" sz="2000" dirty="0" smtClean="0"/>
-              <a:t>5. </a:t>
-            </a:r>
-            <a:r>
-              <a:rPr lang="en-US" altLang="ko-KR" sz="2000" dirty="0"/>
-              <a:t>	</a:t>
+              <a:t>	5. 	</a:t>
             </a:r>
             <a:r>
               <a:rPr lang="en-US" altLang="ko-KR" sz="2000" dirty="0" err="1"/>
@@ -7022,15 +7072,7 @@
             </a:pPr>
             <a:r>
               <a:rPr lang="en-US" altLang="ko-KR" sz="2000" dirty="0"/>
-              <a:t>	</a:t>
-            </a:r>
-            <a:r>
-              <a:rPr lang="en-US" altLang="ko-KR" sz="2000" dirty="0" smtClean="0"/>
-              <a:t>6. </a:t>
-            </a:r>
-            <a:r>
-              <a:rPr lang="en-US" altLang="ko-KR" sz="2000" dirty="0"/>
-              <a:t>	</a:t>
+              <a:t>	6. 	</a:t>
             </a:r>
             <a:r>
               <a:rPr lang="en-US" altLang="ko-KR" sz="2000" dirty="0" err="1"/>
@@ -7063,15 +7105,7 @@
             </a:pPr>
             <a:r>
               <a:rPr lang="en-US" altLang="ko-KR" sz="2000" dirty="0"/>
-              <a:t>	</a:t>
-            </a:r>
-            <a:r>
-              <a:rPr lang="en-US" altLang="ko-KR" sz="2000" dirty="0" smtClean="0"/>
-              <a:t>7. </a:t>
-            </a:r>
-            <a:r>
-              <a:rPr lang="en-US" altLang="ko-KR" sz="2000" dirty="0"/>
-              <a:t>	for(</a:t>
+              <a:t>	7. 	for(</a:t>
             </a:r>
             <a:r>
               <a:rPr lang="en-US" altLang="ko-KR" sz="2000" dirty="0" err="1"/>
@@ -7128,27 +7162,15 @@
             </a:pPr>
             <a:r>
               <a:rPr lang="en-US" altLang="ko-KR" sz="2000" dirty="0"/>
-              <a:t>	</a:t>
-            </a:r>
-            <a:r>
-              <a:rPr lang="en-US" altLang="ko-KR" sz="2000" dirty="0" smtClean="0"/>
-              <a:t>8.</a:t>
+              <a:t>	8.		</a:t>
+            </a:r>
+            <a:r>
+              <a:rPr lang="en-US" altLang="ko-KR" sz="2000" dirty="0" err="1"/>
+              <a:t>dp</a:t>
             </a:r>
             <a:r>
               <a:rPr lang="en-US" altLang="ko-KR" sz="2000" dirty="0"/>
-              <a:t>	</a:t>
-            </a:r>
-            <a:r>
-              <a:rPr lang="en-US" altLang="ko-KR" sz="2000"/>
-              <a:t>	</a:t>
-            </a:r>
-            <a:r>
-              <a:rPr lang="en-US" altLang="ko-KR" sz="2000" smtClean="0"/>
-              <a:t>dp </a:t>
-            </a:r>
-            <a:r>
-              <a:rPr lang="en-US" altLang="ko-KR" sz="2000" dirty="0"/>
-              <a:t>+=data[</a:t>
+              <a:t> +=data[</a:t>
             </a:r>
             <a:r>
               <a:rPr lang="en-US" altLang="ko-KR" sz="2000" dirty="0" err="1"/>
@@ -7181,15 +7203,7 @@
             </a:pPr>
             <a:r>
               <a:rPr lang="en-US" altLang="ko-KR" sz="2000" dirty="0"/>
-              <a:t>	</a:t>
-            </a:r>
-            <a:r>
-              <a:rPr lang="en-US" altLang="ko-KR" sz="2000" dirty="0" smtClean="0"/>
-              <a:t>9.</a:t>
-            </a:r>
-            <a:r>
-              <a:rPr lang="en-US" altLang="ko-KR" sz="2000" dirty="0"/>
-              <a:t>	}</a:t>
+              <a:t>	9.	}</a:t>
             </a:r>
           </a:p>
           <a:p>
@@ -7198,22 +7212,10 @@
             </a:pPr>
             <a:r>
               <a:rPr lang="en-US" altLang="ko-KR" sz="2000" dirty="0"/>
-              <a:t>	</a:t>
-            </a:r>
-            <a:r>
-              <a:rPr lang="en-US" altLang="ko-KR" sz="2000" dirty="0" smtClean="0"/>
-              <a:t>10.</a:t>
-            </a:r>
-            <a:r>
-              <a:rPr lang="en-US" altLang="ko-KR" sz="2000" dirty="0"/>
-              <a:t>	y[row</a:t>
-            </a:r>
-            <a:r>
-              <a:rPr lang="en-US" altLang="ko-KR" sz="2000"/>
-              <a:t>]+=</a:t>
-            </a:r>
-            <a:r>
-              <a:rPr lang="en-US" altLang="ko-KR" sz="2000" smtClean="0"/>
+              <a:t>	10.	y[row]+=</a:t>
+            </a:r>
+            <a:r>
+              <a:rPr lang="en-US" altLang="ko-KR" sz="2000" dirty="0" err="1"/>
               <a:t>dp</a:t>
             </a:r>
             <a:r>
@@ -7227,15 +7229,7 @@
             </a:pPr>
             <a:r>
               <a:rPr lang="en-US" altLang="ko-KR" sz="2000" dirty="0"/>
-              <a:t>	</a:t>
-            </a:r>
-            <a:r>
-              <a:rPr lang="en-US" altLang="ko-KR" sz="2000" dirty="0" smtClean="0"/>
-              <a:t>11. </a:t>
-            </a:r>
-            <a:r>
-              <a:rPr lang="en-US" altLang="ko-KR" sz="2000" dirty="0"/>
-              <a:t>}</a:t>
+              <a:t>	11. }</a:t>
             </a:r>
           </a:p>
           <a:p>
@@ -7253,13 +7247,6 @@
   <p:clrMapOvr>
     <a:masterClrMapping/>
   </p:clrMapOvr>
-  <p:timing>
-    <p:tnLst>
-      <p:par>
-        <p:cTn id="1" dur="indefinite" restart="never" nodeType="tmRoot"/>
-      </p:par>
-    </p:tnLst>
-  </p:timing>
 </p:sld>
 </file>
 
@@ -7296,7 +7283,7 @@
           <a:lstStyle/>
           <a:p>
             <a:r>
-              <a:rPr lang="en-US" altLang="ko-KR" dirty="0" smtClean="0"/>
+              <a:rPr lang="en-US" altLang="ko-KR" dirty="0"/>
               <a:t>CSR</a:t>
             </a:r>
             <a:endParaRPr lang="ko-KR" altLang="en-US" dirty="0"/>
@@ -7358,13 +7345,55 @@
                 <a:tableStyleId>{5C22544A-7EE6-4342-B048-85BDC9FD1C3A}</a:tableStyleId>
               </a:tblPr>
               <a:tblGrid>
-                <a:gridCol w="771514"/>
-                <a:gridCol w="771514"/>
-                <a:gridCol w="771514"/>
-                <a:gridCol w="771514"/>
-                <a:gridCol w="771514"/>
-                <a:gridCol w="771514"/>
-                <a:gridCol w="771514"/>
+                <a:gridCol w="771514">
+                  <a:extLst>
+                    <a:ext uri="{9D8B030D-6E8A-4147-A177-3AD203B41FA5}">
+                      <a16:colId xmlns:a16="http://schemas.microsoft.com/office/drawing/2014/main" val="20000"/>
+                    </a:ext>
+                  </a:extLst>
+                </a:gridCol>
+                <a:gridCol w="771514">
+                  <a:extLst>
+                    <a:ext uri="{9D8B030D-6E8A-4147-A177-3AD203B41FA5}">
+                      <a16:colId xmlns:a16="http://schemas.microsoft.com/office/drawing/2014/main" val="20001"/>
+                    </a:ext>
+                  </a:extLst>
+                </a:gridCol>
+                <a:gridCol w="771514">
+                  <a:extLst>
+                    <a:ext uri="{9D8B030D-6E8A-4147-A177-3AD203B41FA5}">
+                      <a16:colId xmlns:a16="http://schemas.microsoft.com/office/drawing/2014/main" val="20002"/>
+                    </a:ext>
+                  </a:extLst>
+                </a:gridCol>
+                <a:gridCol w="771514">
+                  <a:extLst>
+                    <a:ext uri="{9D8B030D-6E8A-4147-A177-3AD203B41FA5}">
+                      <a16:colId xmlns:a16="http://schemas.microsoft.com/office/drawing/2014/main" val="20003"/>
+                    </a:ext>
+                  </a:extLst>
+                </a:gridCol>
+                <a:gridCol w="771514">
+                  <a:extLst>
+                    <a:ext uri="{9D8B030D-6E8A-4147-A177-3AD203B41FA5}">
+                      <a16:colId xmlns:a16="http://schemas.microsoft.com/office/drawing/2014/main" val="20004"/>
+                    </a:ext>
+                  </a:extLst>
+                </a:gridCol>
+                <a:gridCol w="771514">
+                  <a:extLst>
+                    <a:ext uri="{9D8B030D-6E8A-4147-A177-3AD203B41FA5}">
+                      <a16:colId xmlns:a16="http://schemas.microsoft.com/office/drawing/2014/main" val="20005"/>
+                    </a:ext>
+                  </a:extLst>
+                </a:gridCol>
+                <a:gridCol w="771514">
+                  <a:extLst>
+                    <a:ext uri="{9D8B030D-6E8A-4147-A177-3AD203B41FA5}">
+                      <a16:colId xmlns:a16="http://schemas.microsoft.com/office/drawing/2014/main" val="20006"/>
+                    </a:ext>
+                  </a:extLst>
+                </a:gridCol>
               </a:tblGrid>
               <a:tr h="360040">
                 <a:tc>
@@ -7374,7 +7403,7 @@
                     <a:p>
                       <a:pPr latinLnBrk="1"/>
                       <a:r>
-                        <a:rPr lang="en-US" altLang="ko-KR" dirty="0" smtClean="0"/>
+                        <a:rPr lang="en-US" altLang="ko-KR" dirty="0"/>
                         <a:t>1</a:t>
                       </a:r>
                       <a:endParaRPr lang="ko-KR" altLang="en-US" dirty="0"/>
@@ -7393,7 +7422,7 @@
                     <a:p>
                       <a:pPr latinLnBrk="1"/>
                       <a:r>
-                        <a:rPr lang="en-US" altLang="ko-KR" dirty="0" smtClean="0"/>
+                        <a:rPr lang="en-US" altLang="ko-KR" dirty="0"/>
                         <a:t>2</a:t>
                       </a:r>
                       <a:endParaRPr lang="ko-KR" altLang="en-US" dirty="0"/>
@@ -7412,7 +7441,7 @@
                     <a:p>
                       <a:pPr latinLnBrk="1"/>
                       <a:r>
-                        <a:rPr lang="en-US" altLang="ko-KR" dirty="0" smtClean="0"/>
+                        <a:rPr lang="en-US" altLang="ko-KR" dirty="0"/>
                         <a:t>3</a:t>
                       </a:r>
                       <a:endParaRPr lang="ko-KR" altLang="en-US" dirty="0"/>
@@ -7431,7 +7460,7 @@
                     <a:p>
                       <a:pPr latinLnBrk="1"/>
                       <a:r>
-                        <a:rPr lang="en-US" altLang="ko-KR" dirty="0" smtClean="0"/>
+                        <a:rPr lang="en-US" altLang="ko-KR" dirty="0"/>
                         <a:t>4</a:t>
                       </a:r>
                       <a:endParaRPr lang="ko-KR" altLang="en-US" dirty="0"/>
@@ -7450,7 +7479,7 @@
                     <a:p>
                       <a:pPr latinLnBrk="1"/>
                       <a:r>
-                        <a:rPr lang="en-US" altLang="ko-KR" dirty="0" smtClean="0"/>
+                        <a:rPr lang="en-US" altLang="ko-KR" dirty="0"/>
                         <a:t>5</a:t>
                       </a:r>
                       <a:endParaRPr lang="ko-KR" altLang="en-US" dirty="0"/>
@@ -7469,7 +7498,7 @@
                     <a:p>
                       <a:pPr latinLnBrk="1"/>
                       <a:r>
-                        <a:rPr lang="en-US" altLang="ko-KR" dirty="0" smtClean="0"/>
+                        <a:rPr lang="en-US" altLang="ko-KR" dirty="0"/>
                         <a:t>6</a:t>
                       </a:r>
                       <a:endParaRPr lang="ko-KR" altLang="en-US" dirty="0"/>
@@ -7488,7 +7517,7 @@
                     <a:p>
                       <a:pPr latinLnBrk="1"/>
                       <a:r>
-                        <a:rPr lang="en-US" altLang="ko-KR" dirty="0" smtClean="0"/>
+                        <a:rPr lang="en-US" altLang="ko-KR" dirty="0"/>
                         <a:t>7</a:t>
                       </a:r>
                       <a:endParaRPr lang="ko-KR" altLang="en-US" dirty="0"/>
@@ -7500,6 +7529,11 @@
                     </a:solidFill>
                   </a:tcPr>
                 </a:tc>
+                <a:extLst>
+                  <a:ext uri="{0D108BD9-81ED-4DB2-BD59-A6C34878D82A}">
+                    <a16:rowId xmlns:a16="http://schemas.microsoft.com/office/drawing/2014/main" val="10000"/>
+                  </a:ext>
+                </a:extLst>
               </a:tr>
               <a:tr h="360040">
                 <a:tc>
@@ -7509,7 +7543,7 @@
                     <a:p>
                       <a:pPr latinLnBrk="1"/>
                       <a:r>
-                        <a:rPr lang="en-US" altLang="ko-KR" dirty="0" smtClean="0"/>
+                        <a:rPr lang="en-US" altLang="ko-KR" dirty="0"/>
                         <a:t>0</a:t>
                       </a:r>
                       <a:endParaRPr lang="ko-KR" altLang="en-US" dirty="0"/>
@@ -7528,7 +7562,7 @@
                     <a:p>
                       <a:pPr latinLnBrk="1"/>
                       <a:r>
-                        <a:rPr lang="en-US" altLang="ko-KR" dirty="0" smtClean="0"/>
+                        <a:rPr lang="en-US" altLang="ko-KR" dirty="0"/>
                         <a:t>2</a:t>
                       </a:r>
                       <a:endParaRPr lang="ko-KR" altLang="en-US" dirty="0"/>
@@ -7547,7 +7581,7 @@
                     <a:p>
                       <a:pPr latinLnBrk="1"/>
                       <a:r>
-                        <a:rPr lang="en-US" altLang="ko-KR" dirty="0" smtClean="0"/>
+                        <a:rPr lang="en-US" altLang="ko-KR" dirty="0"/>
                         <a:t>1</a:t>
                       </a:r>
                       <a:endParaRPr lang="ko-KR" altLang="en-US" dirty="0"/>
@@ -7566,7 +7600,7 @@
                     <a:p>
                       <a:pPr latinLnBrk="1"/>
                       <a:r>
-                        <a:rPr lang="en-US" altLang="ko-KR" dirty="0" smtClean="0"/>
+                        <a:rPr lang="en-US" altLang="ko-KR" dirty="0"/>
                         <a:t>2</a:t>
                       </a:r>
                       <a:endParaRPr lang="ko-KR" altLang="en-US" dirty="0"/>
@@ -7585,7 +7619,7 @@
                     <a:p>
                       <a:pPr latinLnBrk="1"/>
                       <a:r>
-                        <a:rPr lang="en-US" altLang="ko-KR" dirty="0" smtClean="0"/>
+                        <a:rPr lang="en-US" altLang="ko-KR" dirty="0"/>
                         <a:t>3</a:t>
                       </a:r>
                       <a:endParaRPr lang="ko-KR" altLang="en-US" dirty="0"/>
@@ -7604,7 +7638,7 @@
                     <a:p>
                       <a:pPr latinLnBrk="1"/>
                       <a:r>
-                        <a:rPr lang="en-US" altLang="ko-KR" dirty="0" smtClean="0"/>
+                        <a:rPr lang="en-US" altLang="ko-KR" dirty="0"/>
                         <a:t>0</a:t>
                       </a:r>
                       <a:endParaRPr lang="ko-KR" altLang="en-US" dirty="0"/>
@@ -7623,7 +7657,7 @@
                     <a:p>
                       <a:pPr latinLnBrk="1"/>
                       <a:r>
-                        <a:rPr lang="en-US" altLang="ko-KR" dirty="0" smtClean="0"/>
+                        <a:rPr lang="en-US" altLang="ko-KR" dirty="0"/>
                         <a:t>3</a:t>
                       </a:r>
                       <a:endParaRPr lang="ko-KR" altLang="en-US" dirty="0"/>
@@ -7635,6 +7669,11 @@
                     </a:solidFill>
                   </a:tcPr>
                 </a:tc>
+                <a:extLst>
+                  <a:ext uri="{0D108BD9-81ED-4DB2-BD59-A6C34878D82A}">
+                    <a16:rowId xmlns:a16="http://schemas.microsoft.com/office/drawing/2014/main" val="10001"/>
+                  </a:ext>
+                </a:extLst>
               </a:tr>
             </a:tbl>
           </a:graphicData>
@@ -7665,11 +7704,41 @@
                 <a:tableStyleId>{5C22544A-7EE6-4342-B048-85BDC9FD1C3A}</a:tableStyleId>
               </a:tblPr>
               <a:tblGrid>
-                <a:gridCol w="762000"/>
-                <a:gridCol w="762000"/>
-                <a:gridCol w="762000"/>
-                <a:gridCol w="762000"/>
-                <a:gridCol w="762000"/>
+                <a:gridCol w="762000">
+                  <a:extLst>
+                    <a:ext uri="{9D8B030D-6E8A-4147-A177-3AD203B41FA5}">
+                      <a16:colId xmlns:a16="http://schemas.microsoft.com/office/drawing/2014/main" val="20000"/>
+                    </a:ext>
+                  </a:extLst>
+                </a:gridCol>
+                <a:gridCol w="762000">
+                  <a:extLst>
+                    <a:ext uri="{9D8B030D-6E8A-4147-A177-3AD203B41FA5}">
+                      <a16:colId xmlns:a16="http://schemas.microsoft.com/office/drawing/2014/main" val="20001"/>
+                    </a:ext>
+                  </a:extLst>
+                </a:gridCol>
+                <a:gridCol w="762000">
+                  <a:extLst>
+                    <a:ext uri="{9D8B030D-6E8A-4147-A177-3AD203B41FA5}">
+                      <a16:colId xmlns:a16="http://schemas.microsoft.com/office/drawing/2014/main" val="20002"/>
+                    </a:ext>
+                  </a:extLst>
+                </a:gridCol>
+                <a:gridCol w="762000">
+                  <a:extLst>
+                    <a:ext uri="{9D8B030D-6E8A-4147-A177-3AD203B41FA5}">
+                      <a16:colId xmlns:a16="http://schemas.microsoft.com/office/drawing/2014/main" val="20003"/>
+                    </a:ext>
+                  </a:extLst>
+                </a:gridCol>
+                <a:gridCol w="762000">
+                  <a:extLst>
+                    <a:ext uri="{9D8B030D-6E8A-4147-A177-3AD203B41FA5}">
+                      <a16:colId xmlns:a16="http://schemas.microsoft.com/office/drawing/2014/main" val="20004"/>
+                    </a:ext>
+                  </a:extLst>
+                </a:gridCol>
               </a:tblGrid>
               <a:tr h="370840">
                 <a:tc>
@@ -7679,7 +7748,7 @@
                     <a:p>
                       <a:pPr latinLnBrk="1"/>
                       <a:r>
-                        <a:rPr lang="en-US" altLang="ko-KR" dirty="0" smtClean="0"/>
+                        <a:rPr lang="en-US" altLang="ko-KR" dirty="0"/>
                         <a:t>0</a:t>
                       </a:r>
                       <a:endParaRPr lang="ko-KR" altLang="en-US" dirty="0"/>
@@ -7698,7 +7767,7 @@
                     <a:p>
                       <a:pPr latinLnBrk="1"/>
                       <a:r>
-                        <a:rPr lang="en-US" altLang="ko-KR" dirty="0" smtClean="0"/>
+                        <a:rPr lang="en-US" altLang="ko-KR" dirty="0"/>
                         <a:t>2</a:t>
                       </a:r>
                       <a:endParaRPr lang="ko-KR" altLang="en-US" dirty="0"/>
@@ -7717,7 +7786,7 @@
                     <a:p>
                       <a:pPr latinLnBrk="1"/>
                       <a:r>
-                        <a:rPr lang="en-US" altLang="ko-KR" dirty="0" smtClean="0"/>
+                        <a:rPr lang="en-US" altLang="ko-KR" dirty="0"/>
                         <a:t>2</a:t>
                       </a:r>
                       <a:endParaRPr lang="ko-KR" altLang="en-US" dirty="0"/>
@@ -7736,7 +7805,7 @@
                     <a:p>
                       <a:pPr latinLnBrk="1"/>
                       <a:r>
-                        <a:rPr lang="en-US" altLang="ko-KR" dirty="0" smtClean="0"/>
+                        <a:rPr lang="en-US" altLang="ko-KR" dirty="0"/>
                         <a:t>5</a:t>
                       </a:r>
                       <a:endParaRPr lang="ko-KR" altLang="en-US" dirty="0"/>
@@ -7755,7 +7824,7 @@
                     <a:p>
                       <a:pPr latinLnBrk="1"/>
                       <a:r>
-                        <a:rPr lang="en-US" altLang="ko-KR" dirty="0" smtClean="0"/>
+                        <a:rPr lang="en-US" altLang="ko-KR" dirty="0"/>
                         <a:t>7</a:t>
                       </a:r>
                       <a:endParaRPr lang="ko-KR" altLang="en-US" dirty="0"/>
@@ -7763,6 +7832,11 @@
                   </a:txBody>
                   <a:tcPr/>
                 </a:tc>
+                <a:extLst>
+                  <a:ext uri="{0D108BD9-81ED-4DB2-BD59-A6C34878D82A}">
+                    <a16:rowId xmlns:a16="http://schemas.microsoft.com/office/drawing/2014/main" val="10000"/>
+                  </a:ext>
+                </a:extLst>
               </a:tr>
             </a:tbl>
           </a:graphicData>
@@ -7791,7 +7865,7 @@
           <a:lstStyle/>
           <a:p>
             <a:r>
-              <a:rPr lang="en-US" altLang="ko-KR" dirty="0" smtClean="0"/>
+              <a:rPr lang="en-US" altLang="ko-KR" dirty="0"/>
               <a:t>row 0</a:t>
             </a:r>
             <a:endParaRPr lang="ko-KR" altLang="en-US" dirty="0"/>
@@ -7821,7 +7895,7 @@
           <a:lstStyle/>
           <a:p>
             <a:r>
-              <a:rPr lang="en-US" altLang="ko-KR" dirty="0" smtClean="0"/>
+              <a:rPr lang="en-US" altLang="ko-KR" dirty="0"/>
               <a:t>row2</a:t>
             </a:r>
             <a:endParaRPr lang="ko-KR" altLang="en-US" dirty="0"/>
@@ -7851,7 +7925,7 @@
           <a:lstStyle/>
           <a:p>
             <a:r>
-              <a:rPr lang="en-US" altLang="ko-KR" dirty="0" smtClean="0"/>
+              <a:rPr lang="en-US" altLang="ko-KR" dirty="0"/>
               <a:t>row3</a:t>
             </a:r>
             <a:endParaRPr lang="ko-KR" altLang="en-US" dirty="0"/>
@@ -7917,7 +7991,7 @@
           <a:lstStyle/>
           <a:p>
             <a:r>
-              <a:rPr lang="en-US" altLang="ko-KR" sz="1200" dirty="0" smtClean="0">
+              <a:rPr lang="en-US" altLang="ko-KR" sz="1200" dirty="0">
                 <a:latin typeface="+mn-lt"/>
               </a:rPr>
               <a:t>row0</a:t>
@@ -7951,7 +8025,7 @@
           <a:lstStyle/>
           <a:p>
             <a:r>
-              <a:rPr lang="en-US" altLang="ko-KR" sz="1200" dirty="0" smtClean="0">
+              <a:rPr lang="en-US" altLang="ko-KR" sz="1200" dirty="0">
                 <a:latin typeface="+mn-lt"/>
               </a:rPr>
               <a:t>row1</a:t>
@@ -7985,7 +8059,7 @@
           <a:lstStyle/>
           <a:p>
             <a:r>
-              <a:rPr lang="en-US" altLang="ko-KR" sz="1200" dirty="0" smtClean="0">
+              <a:rPr lang="en-US" altLang="ko-KR" sz="1200" dirty="0">
                 <a:latin typeface="+mn-lt"/>
               </a:rPr>
               <a:t>row2</a:t>
@@ -8019,7 +8093,7 @@
           <a:lstStyle/>
           <a:p>
             <a:r>
-              <a:rPr lang="en-US" altLang="ko-KR" sz="1200" dirty="0" smtClean="0">
+              <a:rPr lang="en-US" altLang="ko-KR" sz="1200" dirty="0">
                 <a:latin typeface="+mn-lt"/>
               </a:rPr>
               <a:t>row3</a:t>
@@ -8053,7 +8127,7 @@
           <a:lstStyle/>
           <a:p>
             <a:r>
-              <a:rPr lang="en-US" altLang="ko-KR" sz="1200" dirty="0" smtClean="0">
+              <a:rPr lang="en-US" altLang="ko-KR" sz="1200" dirty="0">
                 <a:latin typeface="+mn-lt"/>
               </a:rPr>
               <a:t>row4</a:t>
@@ -8161,7 +8235,7 @@
           <a:lstStyle/>
           <a:p>
             <a:r>
-              <a:rPr lang="en-US" altLang="ko-KR" dirty="0" smtClean="0"/>
+              <a:rPr lang="en-US" altLang="ko-KR" dirty="0"/>
               <a:t>data[]</a:t>
             </a:r>
             <a:endParaRPr lang="ko-KR" altLang="en-US" dirty="0"/>
@@ -8191,11 +8265,11 @@
           <a:lstStyle/>
           <a:p>
             <a:r>
-              <a:rPr lang="en-US" altLang="ko-KR" dirty="0" err="1" smtClean="0"/>
+              <a:rPr lang="en-US" altLang="ko-KR" dirty="0" err="1"/>
               <a:t>col_index</a:t>
             </a:r>
             <a:r>
-              <a:rPr lang="en-US" altLang="ko-KR" dirty="0" smtClean="0"/>
+              <a:rPr lang="en-US" altLang="ko-KR" dirty="0"/>
               <a:t>[]</a:t>
             </a:r>
             <a:endParaRPr lang="ko-KR" altLang="en-US" dirty="0"/>
@@ -8225,11 +8299,11 @@
           <a:lstStyle/>
           <a:p>
             <a:r>
-              <a:rPr lang="en-US" altLang="ko-KR" dirty="0" err="1" smtClean="0"/>
+              <a:rPr lang="en-US" altLang="ko-KR" dirty="0" err="1"/>
               <a:t>row_ptr</a:t>
             </a:r>
             <a:r>
-              <a:rPr lang="en-US" altLang="ko-KR" dirty="0" smtClean="0"/>
+              <a:rPr lang="en-US" altLang="ko-KR" dirty="0"/>
               <a:t>[]</a:t>
             </a:r>
             <a:endParaRPr lang="ko-KR" altLang="en-US" dirty="0"/>
@@ -8246,13 +8320,6 @@
   <p:clrMapOvr>
     <a:masterClrMapping/>
   </p:clrMapOvr>
-  <p:timing>
-    <p:tnLst>
-      <p:par>
-        <p:cTn id="1" dur="indefinite" restart="never" nodeType="tmRoot"/>
-      </p:par>
-    </p:tnLst>
-  </p:timing>
 </p:sld>
 </file>
 
@@ -8289,7 +8356,7 @@
           <a:lstStyle/>
           <a:p>
             <a:r>
-              <a:rPr lang="en-US" altLang="ko-KR" smtClean="0"/>
+              <a:rPr lang="en-US" altLang="ko-KR"/>
               <a:t>Parallel SpMV/CSR</a:t>
             </a:r>
             <a:endParaRPr lang="ko-KR" altLang="en-US"/>
@@ -8316,7 +8383,7 @@
               <a:buChar char="Ø"/>
             </a:pPr>
             <a:r>
-              <a:rPr lang="en-US" altLang="ko-KR" smtClean="0"/>
+              <a:rPr lang="en-US" altLang="ko-KR" sz="2000" dirty="0"/>
               <a:t>Simple</a:t>
             </a:r>
           </a:p>
@@ -8326,9 +8393,33 @@
               <a:buChar char="Ø"/>
             </a:pPr>
             <a:r>
-              <a:rPr lang="en-US" altLang="ko-KR" smtClean="0"/>
+              <a:rPr lang="en-US" altLang="ko-KR" sz="2000" dirty="0"/>
               <a:t>Memory access ? </a:t>
             </a:r>
+          </a:p>
+          <a:p>
+            <a:pPr marL="0" indent="0">
+              <a:buNone/>
+            </a:pPr>
+            <a:r>
+              <a:rPr lang="en-US" altLang="ko-KR" sz="2000" dirty="0"/>
+              <a:t> does not make coalesced memory access.</a:t>
+            </a:r>
+          </a:p>
+          <a:p>
+            <a:pPr marL="0" indent="0">
+              <a:buNone/>
+            </a:pPr>
+            <a:r>
+              <a:rPr lang="en-US" altLang="ko-KR" sz="2000" dirty="0"/>
+              <a:t>Cause adjacent threads will be making simultaneous nonadjacent memory accesses.</a:t>
+            </a:r>
+          </a:p>
+          <a:p>
+            <a:pPr marL="0" indent="0">
+              <a:buNone/>
+            </a:pPr>
+            <a:endParaRPr lang="en-US" altLang="ko-KR" sz="2000" dirty="0"/>
           </a:p>
           <a:p>
             <a:pPr>
@@ -8336,10 +8427,42 @@
               <a:buChar char="Ø"/>
             </a:pPr>
             <a:r>
-              <a:rPr lang="en-US" altLang="ko-KR" smtClean="0"/>
+              <a:rPr lang="en-US" altLang="ko-KR" sz="2000" dirty="0"/>
               <a:t>Control Divergence Problem</a:t>
             </a:r>
-            <a:endParaRPr lang="ko-KR" altLang="en-US"/>
+            <a:r>
+              <a:rPr lang="ko-KR" altLang="en-US" sz="2000" dirty="0"/>
+              <a:t> </a:t>
+            </a:r>
+            <a:r>
+              <a:rPr lang="en-US" altLang="ko-KR" sz="2000" dirty="0"/>
+              <a:t>in</a:t>
+            </a:r>
+            <a:r>
+              <a:rPr lang="ko-KR" altLang="en-US" sz="2000" dirty="0"/>
+              <a:t> </a:t>
+            </a:r>
+            <a:r>
+              <a:rPr lang="en-US" altLang="ko-KR" sz="2000" dirty="0"/>
+              <a:t>all</a:t>
+            </a:r>
+            <a:r>
+              <a:rPr lang="ko-KR" altLang="en-US" sz="2000" dirty="0"/>
+              <a:t> </a:t>
+            </a:r>
+            <a:r>
+              <a:rPr lang="en-US" altLang="ko-KR" sz="2000" dirty="0"/>
+              <a:t>warps.</a:t>
+            </a:r>
+          </a:p>
+          <a:p>
+            <a:pPr marL="0" indent="0">
+              <a:buNone/>
+            </a:pPr>
+            <a:r>
+              <a:rPr lang="en-US" altLang="ko-KR" sz="2000" dirty="0"/>
+              <a:t>The number of iterations performed by a thread in the dot product loop depends on the number of nonzero elements in the row assigned to the thread. Since the distribution of nonzero elements among rows can be random, adjacent rows can have varying numbers of nonzero elements.</a:t>
+            </a:r>
           </a:p>
         </p:txBody>
       </p:sp>
@@ -8389,15 +8512,15 @@
           <a:lstStyle/>
           <a:p>
             <a:r>
-              <a:rPr lang="en-US" altLang="ko-KR" dirty="0" smtClean="0"/>
+              <a:rPr lang="en-US" altLang="ko-KR" dirty="0"/>
               <a:t>Parallel </a:t>
             </a:r>
             <a:r>
-              <a:rPr lang="en-US" altLang="ko-KR" dirty="0" err="1" smtClean="0"/>
+              <a:rPr lang="en-US" altLang="ko-KR" dirty="0" err="1"/>
               <a:t>SpMV</a:t>
             </a:r>
             <a:r>
-              <a:rPr lang="en-US" altLang="ko-KR" dirty="0" smtClean="0"/>
+              <a:rPr lang="en-US" altLang="ko-KR" dirty="0"/>
               <a:t> in CUDA</a:t>
             </a:r>
             <a:endParaRPr lang="ko-KR" altLang="en-US" dirty="0"/>
@@ -8561,7 +8684,7 @@
           <a:lstStyle/>
           <a:p>
             <a:r>
-              <a:rPr lang="en-US" altLang="ko-KR" b="1" dirty="0" smtClean="0">
+              <a:rPr lang="en-US" altLang="ko-KR" b="1" dirty="0">
                 <a:latin typeface="+mn-lt"/>
               </a:rPr>
               <a:t>Thread 0</a:t>
@@ -8625,7 +8748,7 @@
           <a:lstStyle/>
           <a:p>
             <a:r>
-              <a:rPr lang="en-US" altLang="ko-KR" b="1" dirty="0" smtClean="0">
+              <a:rPr lang="en-US" altLang="ko-KR" b="1" dirty="0">
                 <a:latin typeface="+mn-lt"/>
               </a:rPr>
               <a:t>Thread 1</a:t>
@@ -8659,13 +8782,13 @@
           <a:lstStyle/>
           <a:p>
             <a:r>
-              <a:rPr lang="en-US" altLang="ko-KR" b="1" smtClean="0">
+              <a:rPr lang="en-US" altLang="ko-KR" b="1">
                 <a:latin typeface="+mn-lt"/>
               </a:rPr>
               <a:t> Thread </a:t>
             </a:r>
             <a:r>
-              <a:rPr lang="en-US" altLang="ko-KR" b="1" dirty="0" smtClean="0">
+              <a:rPr lang="en-US" altLang="ko-KR" b="1" dirty="0">
                 <a:latin typeface="+mn-lt"/>
               </a:rPr>
               <a:t>2</a:t>
@@ -8699,7 +8822,7 @@
           <a:lstStyle/>
           <a:p>
             <a:r>
-              <a:rPr lang="en-US" altLang="ko-KR" b="1" dirty="0" smtClean="0">
+              <a:rPr lang="en-US" altLang="ko-KR" b="1" dirty="0">
                 <a:latin typeface="+mn-lt"/>
               </a:rPr>
               <a:t>Thread 3</a:t>
@@ -8720,13 +8843,6 @@
   <p:clrMapOvr>
     <a:masterClrMapping/>
   </p:clrMapOvr>
-  <p:timing>
-    <p:tnLst>
-      <p:par>
-        <p:cTn id="1" dur="indefinite" restart="never" nodeType="tmRoot"/>
-      </p:par>
-    </p:tnLst>
-  </p:timing>
 </p:sld>
 </file>
 
@@ -8796,9 +8912,27 @@
                 <a:tableStyleId>{5C22544A-7EE6-4342-B048-85BDC9FD1C3A}</a:tableStyleId>
               </a:tblPr>
               <a:tblGrid>
-                <a:gridCol w="771533"/>
-                <a:gridCol w="771533"/>
-                <a:gridCol w="771533"/>
+                <a:gridCol w="771533">
+                  <a:extLst>
+                    <a:ext uri="{9D8B030D-6E8A-4147-A177-3AD203B41FA5}">
+                      <a16:colId xmlns:a16="http://schemas.microsoft.com/office/drawing/2014/main" val="20000"/>
+                    </a:ext>
+                  </a:extLst>
+                </a:gridCol>
+                <a:gridCol w="771533">
+                  <a:extLst>
+                    <a:ext uri="{9D8B030D-6E8A-4147-A177-3AD203B41FA5}">
+                      <a16:colId xmlns:a16="http://schemas.microsoft.com/office/drawing/2014/main" val="20001"/>
+                    </a:ext>
+                  </a:extLst>
+                </a:gridCol>
+                <a:gridCol w="771533">
+                  <a:extLst>
+                    <a:ext uri="{9D8B030D-6E8A-4147-A177-3AD203B41FA5}">
+                      <a16:colId xmlns:a16="http://schemas.microsoft.com/office/drawing/2014/main" val="20002"/>
+                    </a:ext>
+                  </a:extLst>
+                </a:gridCol>
               </a:tblGrid>
               <a:tr h="1051266">
                 <a:tc>
@@ -8808,7 +8942,7 @@
                     <a:p>
                       <a:pPr latinLnBrk="1"/>
                       <a:r>
-                        <a:rPr lang="en-US" altLang="ko-KR" sz="4000" smtClean="0"/>
+                        <a:rPr lang="en-US" altLang="ko-KR" sz="4000"/>
                         <a:t>1</a:t>
                       </a:r>
                       <a:endParaRPr lang="ko-KR" altLang="en-US" sz="4000"/>
@@ -8823,7 +8957,7 @@
                     <a:p>
                       <a:pPr latinLnBrk="1"/>
                       <a:r>
-                        <a:rPr lang="en-US" altLang="ko-KR" sz="4400" smtClean="0"/>
+                        <a:rPr lang="en-US" altLang="ko-KR" sz="4400"/>
                         <a:t>2</a:t>
                       </a:r>
                       <a:endParaRPr lang="ko-KR" altLang="en-US" sz="4400"/>
@@ -8838,7 +8972,7 @@
                     <a:p>
                       <a:pPr latinLnBrk="1"/>
                       <a:r>
-                        <a:rPr lang="en-US" altLang="ko-KR" sz="4400" smtClean="0"/>
+                        <a:rPr lang="en-US" altLang="ko-KR" sz="4400"/>
                         <a:t>*</a:t>
                       </a:r>
                       <a:endParaRPr lang="ko-KR" altLang="en-US" sz="4400"/>
@@ -8846,6 +8980,11 @@
                   </a:txBody>
                   <a:tcPr/>
                 </a:tc>
+                <a:extLst>
+                  <a:ext uri="{0D108BD9-81ED-4DB2-BD59-A6C34878D82A}">
+                    <a16:rowId xmlns:a16="http://schemas.microsoft.com/office/drawing/2014/main" val="10000"/>
+                  </a:ext>
+                </a:extLst>
               </a:tr>
               <a:tr h="1051266">
                 <a:tc>
@@ -8855,7 +8994,7 @@
                     <a:p>
                       <a:pPr latinLnBrk="1"/>
                       <a:r>
-                        <a:rPr lang="en-US" altLang="ko-KR" sz="4400" smtClean="0"/>
+                        <a:rPr lang="en-US" altLang="ko-KR" sz="4400"/>
                         <a:t>*</a:t>
                       </a:r>
                       <a:endParaRPr lang="ko-KR" altLang="en-US" sz="4400"/>
@@ -8870,7 +9009,7 @@
                     <a:p>
                       <a:pPr latinLnBrk="1"/>
                       <a:r>
-                        <a:rPr lang="en-US" altLang="ko-KR" sz="4400" smtClean="0"/>
+                        <a:rPr lang="en-US" altLang="ko-KR" sz="4400"/>
                         <a:t>*</a:t>
                       </a:r>
                       <a:endParaRPr lang="ko-KR" altLang="en-US" sz="4400"/>
@@ -8885,7 +9024,7 @@
                     <a:p>
                       <a:pPr latinLnBrk="1"/>
                       <a:r>
-                        <a:rPr lang="en-US" altLang="ko-KR" sz="4400" smtClean="0"/>
+                        <a:rPr lang="en-US" altLang="ko-KR" sz="4400"/>
                         <a:t>*</a:t>
                       </a:r>
                       <a:endParaRPr lang="ko-KR" altLang="en-US" sz="4400"/>
@@ -8893,6 +9032,11 @@
                   </a:txBody>
                   <a:tcPr/>
                 </a:tc>
+                <a:extLst>
+                  <a:ext uri="{0D108BD9-81ED-4DB2-BD59-A6C34878D82A}">
+                    <a16:rowId xmlns:a16="http://schemas.microsoft.com/office/drawing/2014/main" val="10001"/>
+                  </a:ext>
+                </a:extLst>
               </a:tr>
               <a:tr h="1051266">
                 <a:tc>
@@ -8902,7 +9046,7 @@
                     <a:p>
                       <a:pPr latinLnBrk="1"/>
                       <a:r>
-                        <a:rPr lang="en-US" altLang="ko-KR" sz="4400" smtClean="0"/>
+                        <a:rPr lang="en-US" altLang="ko-KR" sz="4400"/>
                         <a:t>3</a:t>
                       </a:r>
                       <a:endParaRPr lang="ko-KR" altLang="en-US" sz="4400"/>
@@ -8917,7 +9061,7 @@
                     <a:p>
                       <a:pPr latinLnBrk="1"/>
                       <a:r>
-                        <a:rPr lang="en-US" altLang="ko-KR" sz="4400" smtClean="0"/>
+                        <a:rPr lang="en-US" altLang="ko-KR" sz="4400"/>
                         <a:t>4</a:t>
                       </a:r>
                       <a:endParaRPr lang="ko-KR" altLang="en-US" sz="4400"/>
@@ -8932,7 +9076,7 @@
                     <a:p>
                       <a:pPr latinLnBrk="1"/>
                       <a:r>
-                        <a:rPr lang="en-US" altLang="ko-KR" sz="4400" smtClean="0"/>
+                        <a:rPr lang="en-US" altLang="ko-KR" sz="4400"/>
                         <a:t>5</a:t>
                       </a:r>
                       <a:endParaRPr lang="ko-KR" altLang="en-US" sz="4400"/>
@@ -8940,6 +9084,11 @@
                   </a:txBody>
                   <a:tcPr/>
                 </a:tc>
+                <a:extLst>
+                  <a:ext uri="{0D108BD9-81ED-4DB2-BD59-A6C34878D82A}">
+                    <a16:rowId xmlns:a16="http://schemas.microsoft.com/office/drawing/2014/main" val="10002"/>
+                  </a:ext>
+                </a:extLst>
               </a:tr>
               <a:tr h="1051266">
                 <a:tc>
@@ -8949,7 +9098,7 @@
                     <a:p>
                       <a:pPr latinLnBrk="1"/>
                       <a:r>
-                        <a:rPr lang="en-US" altLang="ko-KR" sz="4400" smtClean="0"/>
+                        <a:rPr lang="en-US" altLang="ko-KR" sz="4400"/>
                         <a:t>6</a:t>
                       </a:r>
                       <a:endParaRPr lang="ko-KR" altLang="en-US" sz="4400"/>
@@ -8964,7 +9113,7 @@
                     <a:p>
                       <a:pPr latinLnBrk="1"/>
                       <a:r>
-                        <a:rPr lang="en-US" altLang="ko-KR" sz="4400" smtClean="0"/>
+                        <a:rPr lang="en-US" altLang="ko-KR" sz="4400"/>
                         <a:t>7</a:t>
                       </a:r>
                       <a:endParaRPr lang="ko-KR" altLang="en-US" sz="4400"/>
@@ -8979,7 +9128,7 @@
                     <a:p>
                       <a:pPr latinLnBrk="1"/>
                       <a:r>
-                        <a:rPr lang="en-US" altLang="ko-KR" sz="4400" smtClean="0"/>
+                        <a:rPr lang="en-US" altLang="ko-KR" sz="4400"/>
                         <a:t>*</a:t>
                       </a:r>
                       <a:endParaRPr lang="ko-KR" altLang="en-US" sz="4400"/>
@@ -8987,6 +9136,11 @@
                   </a:txBody>
                   <a:tcPr/>
                 </a:tc>
+                <a:extLst>
+                  <a:ext uri="{0D108BD9-81ED-4DB2-BD59-A6C34878D82A}">
+                    <a16:rowId xmlns:a16="http://schemas.microsoft.com/office/drawing/2014/main" val="10003"/>
+                  </a:ext>
+                </a:extLst>
               </a:tr>
             </a:tbl>
           </a:graphicData>
@@ -9017,10 +9171,34 @@
                 <a:tableStyleId>{5C22544A-7EE6-4342-B048-85BDC9FD1C3A}</a:tableStyleId>
               </a:tblPr>
               <a:tblGrid>
-                <a:gridCol w="1055948"/>
-                <a:gridCol w="1055948"/>
-                <a:gridCol w="1055948"/>
-                <a:gridCol w="1055948"/>
+                <a:gridCol w="1055948">
+                  <a:extLst>
+                    <a:ext uri="{9D8B030D-6E8A-4147-A177-3AD203B41FA5}">
+                      <a16:colId xmlns:a16="http://schemas.microsoft.com/office/drawing/2014/main" val="20000"/>
+                    </a:ext>
+                  </a:extLst>
+                </a:gridCol>
+                <a:gridCol w="1055948">
+                  <a:extLst>
+                    <a:ext uri="{9D8B030D-6E8A-4147-A177-3AD203B41FA5}">
+                      <a16:colId xmlns:a16="http://schemas.microsoft.com/office/drawing/2014/main" val="20001"/>
+                    </a:ext>
+                  </a:extLst>
+                </a:gridCol>
+                <a:gridCol w="1055948">
+                  <a:extLst>
+                    <a:ext uri="{9D8B030D-6E8A-4147-A177-3AD203B41FA5}">
+                      <a16:colId xmlns:a16="http://schemas.microsoft.com/office/drawing/2014/main" val="20002"/>
+                    </a:ext>
+                  </a:extLst>
+                </a:gridCol>
+                <a:gridCol w="1055948">
+                  <a:extLst>
+                    <a:ext uri="{9D8B030D-6E8A-4147-A177-3AD203B41FA5}">
+                      <a16:colId xmlns:a16="http://schemas.microsoft.com/office/drawing/2014/main" val="20003"/>
+                    </a:ext>
+                  </a:extLst>
+                </a:gridCol>
               </a:tblGrid>
               <a:tr h="624069">
                 <a:tc>
@@ -9030,7 +9208,7 @@
                     <a:p>
                       <a:pPr latinLnBrk="1"/>
                       <a:r>
-                        <a:rPr lang="en-US" altLang="ko-KR" sz="4400" smtClean="0"/>
+                        <a:rPr lang="en-US" altLang="ko-KR" sz="4400"/>
                         <a:t>1</a:t>
                       </a:r>
                       <a:endParaRPr lang="ko-KR" altLang="en-US" sz="4400"/>
@@ -9045,7 +9223,7 @@
                     <a:p>
                       <a:pPr latinLnBrk="1"/>
                       <a:r>
-                        <a:rPr lang="en-US" altLang="ko-KR" sz="4400" smtClean="0"/>
+                        <a:rPr lang="en-US" altLang="ko-KR" sz="4400"/>
                         <a:t>*</a:t>
                       </a:r>
                       <a:endParaRPr lang="ko-KR" altLang="en-US" sz="4400"/>
@@ -9060,7 +9238,7 @@
                     <a:p>
                       <a:pPr latinLnBrk="1"/>
                       <a:r>
-                        <a:rPr lang="en-US" altLang="ko-KR" sz="4400" smtClean="0"/>
+                        <a:rPr lang="en-US" altLang="ko-KR" sz="4400"/>
                         <a:t>3</a:t>
                       </a:r>
                       <a:endParaRPr lang="ko-KR" altLang="en-US" sz="4400"/>
@@ -9075,7 +9253,7 @@
                     <a:p>
                       <a:pPr latinLnBrk="1"/>
                       <a:r>
-                        <a:rPr lang="en-US" altLang="ko-KR" sz="4400" smtClean="0"/>
+                        <a:rPr lang="en-US" altLang="ko-KR" sz="4400"/>
                         <a:t>6</a:t>
                       </a:r>
                       <a:endParaRPr lang="ko-KR" altLang="en-US" sz="4400"/>
@@ -9083,6 +9261,11 @@
                   </a:txBody>
                   <a:tcPr/>
                 </a:tc>
+                <a:extLst>
+                  <a:ext uri="{0D108BD9-81ED-4DB2-BD59-A6C34878D82A}">
+                    <a16:rowId xmlns:a16="http://schemas.microsoft.com/office/drawing/2014/main" val="10000"/>
+                  </a:ext>
+                </a:extLst>
               </a:tr>
               <a:tr h="624069">
                 <a:tc>
@@ -9092,7 +9275,7 @@
                     <a:p>
                       <a:pPr latinLnBrk="1"/>
                       <a:r>
-                        <a:rPr lang="en-US" altLang="ko-KR" sz="4400" smtClean="0"/>
+                        <a:rPr lang="en-US" altLang="ko-KR" sz="4400"/>
                         <a:t>2</a:t>
                       </a:r>
                       <a:endParaRPr lang="ko-KR" altLang="en-US" sz="4400"/>
@@ -9107,7 +9290,7 @@
                     <a:p>
                       <a:pPr latinLnBrk="1"/>
                       <a:r>
-                        <a:rPr lang="en-US" altLang="ko-KR" sz="4400" smtClean="0"/>
+                        <a:rPr lang="en-US" altLang="ko-KR" sz="4400"/>
                         <a:t>*</a:t>
                       </a:r>
                       <a:endParaRPr lang="ko-KR" altLang="en-US" sz="4400"/>
@@ -9122,7 +9305,7 @@
                     <a:p>
                       <a:pPr latinLnBrk="1"/>
                       <a:r>
-                        <a:rPr lang="en-US" altLang="ko-KR" sz="4400" smtClean="0"/>
+                        <a:rPr lang="en-US" altLang="ko-KR" sz="4400"/>
                         <a:t>4</a:t>
                       </a:r>
                       <a:endParaRPr lang="ko-KR" altLang="en-US" sz="4400"/>
@@ -9137,7 +9320,7 @@
                     <a:p>
                       <a:pPr latinLnBrk="1"/>
                       <a:r>
-                        <a:rPr lang="en-US" altLang="ko-KR" sz="4400" smtClean="0"/>
+                        <a:rPr lang="en-US" altLang="ko-KR" sz="4400"/>
                         <a:t>7</a:t>
                       </a:r>
                       <a:endParaRPr lang="ko-KR" altLang="en-US" sz="4400"/>
@@ -9145,6 +9328,11 @@
                   </a:txBody>
                   <a:tcPr/>
                 </a:tc>
+                <a:extLst>
+                  <a:ext uri="{0D108BD9-81ED-4DB2-BD59-A6C34878D82A}">
+                    <a16:rowId xmlns:a16="http://schemas.microsoft.com/office/drawing/2014/main" val="10001"/>
+                  </a:ext>
+                </a:extLst>
               </a:tr>
               <a:tr h="624069">
                 <a:tc>
@@ -9154,7 +9342,7 @@
                     <a:p>
                       <a:pPr latinLnBrk="1"/>
                       <a:r>
-                        <a:rPr lang="en-US" altLang="ko-KR" sz="4400" smtClean="0"/>
+                        <a:rPr lang="en-US" altLang="ko-KR" sz="4400"/>
                         <a:t>*</a:t>
                       </a:r>
                       <a:endParaRPr lang="ko-KR" altLang="en-US" sz="4400"/>
@@ -9169,7 +9357,7 @@
                     <a:p>
                       <a:pPr latinLnBrk="1"/>
                       <a:r>
-                        <a:rPr lang="en-US" altLang="ko-KR" sz="4400" smtClean="0"/>
+                        <a:rPr lang="en-US" altLang="ko-KR" sz="4400"/>
                         <a:t>*</a:t>
                       </a:r>
                       <a:endParaRPr lang="ko-KR" altLang="en-US" sz="4400"/>
@@ -9184,7 +9372,7 @@
                     <a:p>
                       <a:pPr latinLnBrk="1"/>
                       <a:r>
-                        <a:rPr lang="en-US" altLang="ko-KR" sz="4400" smtClean="0"/>
+                        <a:rPr lang="en-US" altLang="ko-KR" sz="4400"/>
                         <a:t>5</a:t>
                       </a:r>
                       <a:endParaRPr lang="ko-KR" altLang="en-US" sz="4400"/>
@@ -9199,7 +9387,7 @@
                     <a:p>
                       <a:pPr latinLnBrk="1"/>
                       <a:r>
-                        <a:rPr lang="en-US" altLang="ko-KR" sz="4400" smtClean="0"/>
+                        <a:rPr lang="en-US" altLang="ko-KR" sz="4400"/>
                         <a:t>*</a:t>
                       </a:r>
                       <a:endParaRPr lang="ko-KR" altLang="en-US" sz="4400"/>
@@ -9207,6 +9395,11 @@
                   </a:txBody>
                   <a:tcPr/>
                 </a:tc>
+                <a:extLst>
+                  <a:ext uri="{0D108BD9-81ED-4DB2-BD59-A6C34878D82A}">
+                    <a16:rowId xmlns:a16="http://schemas.microsoft.com/office/drawing/2014/main" val="10002"/>
+                  </a:ext>
+                </a:extLst>
               </a:tr>
             </a:tbl>
           </a:graphicData>
@@ -9302,47 +9495,27 @@
           <a:bodyPr/>
           <a:lstStyle/>
           <a:p>
-            <a:r>
-              <a:rPr lang="en-US" altLang="ko-KR" sz="3600" dirty="0" smtClean="0"/>
-              <a:t/>
-            </a:r>
             <a:br>
-              <a:rPr lang="en-US" altLang="ko-KR" sz="3600" dirty="0" smtClean="0"/>
+              <a:rPr lang="en-US" altLang="ko-KR" sz="3600" dirty="0"/>
             </a:br>
             <a:r>
-              <a:rPr lang="en-US" altLang="ko-KR" sz="3600" b="1" dirty="0" smtClean="0"/>
+              <a:rPr lang="en-US" altLang="ko-KR" sz="3600" b="1" dirty="0"/>
               <a:t>ELL </a:t>
             </a:r>
             <a:r>
-              <a:rPr lang="en-US" altLang="ko-KR" sz="3600" b="1" smtClean="0"/>
-              <a:t>storage </a:t>
-            </a:r>
-            <a:r>
               <a:rPr lang="en-US" altLang="ko-KR" sz="3600" b="1"/>
-              <a:t>format</a:t>
+              <a:t>storage format</a:t>
             </a:r>
             <a:br>
               <a:rPr lang="en-US" altLang="ko-KR" sz="3600" b="1"/>
             </a:br>
             <a:r>
-              <a:rPr lang="en-US" altLang="ko-KR" sz="3600" b="1" smtClean="0"/>
+              <a:rPr lang="en-US" altLang="ko-KR" sz="3600" b="1"/>
               <a:t>(</a:t>
             </a:r>
             <a:r>
-              <a:rPr lang="en-US" altLang="ko-KR" sz="3600" smtClean="0"/>
-              <a:t>Padding </a:t>
-            </a:r>
-            <a:r>
               <a:rPr lang="en-US" altLang="ko-KR" sz="3600"/>
-              <a:t>and </a:t>
-            </a:r>
-            <a:r>
-              <a:rPr lang="en-US" altLang="ko-KR" sz="3600" smtClean="0"/>
-              <a:t>Transposition)</a:t>
-            </a:r>
-            <a:r>
-              <a:rPr lang="en-US" altLang="ko-KR" sz="3600"/>
-              <a:t/>
+              <a:t>Padding and Transposition)</a:t>
             </a:r>
             <a:br>
               <a:rPr lang="en-US" altLang="ko-KR" sz="3600"/>
@@ -9367,7 +9540,7 @@
           <a:lstStyle/>
           <a:p>
             <a:r>
-              <a:rPr lang="en-US" altLang="ko-KR" sz="2800" dirty="0" smtClean="0"/>
+              <a:rPr lang="en-US" altLang="ko-KR" sz="2800" dirty="0"/>
               <a:t>CSR representation:</a:t>
             </a:r>
           </a:p>
@@ -9376,7 +9549,7 @@
               <a:buNone/>
             </a:pPr>
             <a:r>
-              <a:rPr lang="en-US" altLang="ko-KR" sz="2800" dirty="0" smtClean="0"/>
+              <a:rPr lang="en-US" altLang="ko-KR" sz="2800" dirty="0"/>
               <a:t>row0:</a:t>
             </a:r>
             <a:r>
@@ -9384,15 +9557,15 @@
               <a:t>	</a:t>
             </a:r>
             <a:r>
-              <a:rPr lang="en-US" altLang="ko-KR" sz="2800" dirty="0" smtClean="0"/>
+              <a:rPr lang="en-US" altLang="ko-KR" sz="2800" dirty="0"/>
               <a:t>1 2	    0 2		</a:t>
             </a:r>
             <a:r>
-              <a:rPr lang="en-US" altLang="ko-KR" sz="2800" dirty="0" err="1" smtClean="0"/>
+              <a:rPr lang="en-US" altLang="ko-KR" sz="2800" dirty="0" err="1"/>
               <a:t>row_ptr</a:t>
             </a:r>
             <a:r>
-              <a:rPr lang="en-US" altLang="ko-KR" sz="2800" dirty="0" smtClean="0"/>
+              <a:rPr lang="en-US" altLang="ko-KR" sz="2800" dirty="0"/>
               <a:t> =[0,2,2,5,7]</a:t>
             </a:r>
           </a:p>
@@ -9401,16 +9574,8 @@
               <a:buNone/>
             </a:pPr>
             <a:r>
-              <a:rPr lang="en-US" altLang="ko-KR" sz="2800" dirty="0" smtClean="0"/>
-              <a:t>row2:</a:t>
-            </a:r>
-            <a:r>
               <a:rPr lang="en-US" altLang="ko-KR" sz="2800" dirty="0"/>
-              <a:t>	</a:t>
-            </a:r>
-            <a:r>
-              <a:rPr lang="en-US" altLang="ko-KR" sz="2800" dirty="0" smtClean="0"/>
-              <a:t>3 4 5 	    1 2 3</a:t>
+              <a:t>row2:	3 4 5 	    1 2 3</a:t>
             </a:r>
           </a:p>
           <a:p>
@@ -9418,13 +9583,13 @@
               <a:buNone/>
             </a:pPr>
             <a:r>
-              <a:rPr lang="en-US" altLang="ko-KR" sz="2800" dirty="0" smtClean="0"/>
+              <a:rPr lang="en-US" altLang="ko-KR" sz="2800" dirty="0"/>
               <a:t>row3: 6 7         0 3</a:t>
             </a:r>
           </a:p>
           <a:p>
             <a:r>
-              <a:rPr lang="en-US" altLang="ko-KR" sz="2800" dirty="0" smtClean="0"/>
+              <a:rPr lang="en-US" altLang="ko-KR" sz="2800" dirty="0"/>
               <a:t>CSR with padding</a:t>
             </a:r>
           </a:p>
@@ -9433,7 +9598,7 @@
               <a:buNone/>
             </a:pPr>
             <a:r>
-              <a:rPr lang="en-US" altLang="ko-KR" sz="2800" dirty="0" smtClean="0"/>
+              <a:rPr lang="en-US" altLang="ko-KR" sz="2800" dirty="0"/>
               <a:t>row0:  1 2 *	    0 2 *</a:t>
             </a:r>
           </a:p>
@@ -9442,7 +9607,7 @@
               <a:buNone/>
             </a:pPr>
             <a:r>
-              <a:rPr lang="en-US" altLang="ko-KR" sz="2800" dirty="0" smtClean="0"/>
+              <a:rPr lang="en-US" altLang="ko-KR" sz="2800" dirty="0"/>
               <a:t>row1:  * * *      * * *</a:t>
             </a:r>
           </a:p>
@@ -9451,7 +9616,7 @@
               <a:buNone/>
             </a:pPr>
             <a:r>
-              <a:rPr lang="en-US" altLang="ko-KR" sz="2800" dirty="0" smtClean="0"/>
+              <a:rPr lang="en-US" altLang="ko-KR" sz="2800" dirty="0"/>
               <a:t>row2: 3 4 5     1 2 3</a:t>
             </a:r>
           </a:p>
@@ -9460,12 +9625,12 @@
               <a:buNone/>
             </a:pPr>
             <a:r>
-              <a:rPr lang="en-US" altLang="ko-KR" sz="2800" dirty="0" smtClean="0"/>
+              <a:rPr lang="en-US" altLang="ko-KR" sz="2800" dirty="0"/>
               <a:t>row3: 6 7 *      0 3 *</a:t>
             </a:r>
           </a:p>
           <a:p>
-            <a:endParaRPr lang="en-US" altLang="ko-KR" sz="2800" dirty="0" smtClean="0"/>
+            <a:endParaRPr lang="en-US" altLang="ko-KR" sz="2800" dirty="0"/>
           </a:p>
           <a:p>
             <a:pPr marL="0" indent="0">
@@ -9489,13 +9654,6 @@
   <p:clrMapOvr>
     <a:masterClrMapping/>
   </p:clrMapOvr>
-  <p:timing>
-    <p:tnLst>
-      <p:par>
-        <p:cTn id="1" dur="indefinite" restart="never" nodeType="tmRoot"/>
-      </p:par>
-    </p:tnLst>
-  </p:timing>
 </p:sld>
 </file>
 
@@ -9532,7 +9690,7 @@
           <a:lstStyle/>
           <a:p>
             <a:r>
-              <a:rPr lang="en-US" altLang="ko-KR" dirty="0" smtClean="0"/>
+              <a:rPr lang="en-US" altLang="ko-KR" dirty="0"/>
               <a:t>ELL Storage Format</a:t>
             </a:r>
             <a:endParaRPr lang="ko-KR" altLang="en-US" dirty="0"/>
@@ -9554,7 +9712,7 @@
           <a:bodyPr/>
           <a:lstStyle/>
           <a:p>
-            <a:endParaRPr lang="en-US" altLang="ko-KR" dirty="0" smtClean="0"/>
+            <a:endParaRPr lang="en-US" altLang="ko-KR" dirty="0"/>
           </a:p>
           <a:p>
             <a:pPr marL="0" indent="0">
@@ -9562,15 +9720,7 @@
             </a:pPr>
             <a:r>
               <a:rPr lang="en-US" altLang="ko-KR" dirty="0"/>
-              <a:t>row0:  1 2 </a:t>
-            </a:r>
-            <a:r>
-              <a:rPr lang="en-US" altLang="ko-KR" dirty="0" smtClean="0"/>
-              <a:t>*     </a:t>
-            </a:r>
-            <a:r>
-              <a:rPr lang="en-US" altLang="ko-KR" dirty="0"/>
-              <a:t>0 2 *</a:t>
+              <a:t>row0:  1 2 *     0 2 *</a:t>
             </a:r>
           </a:p>
           <a:p>
@@ -9588,15 +9738,7 @@
             </a:pPr>
             <a:r>
               <a:rPr lang="en-US" altLang="ko-KR" dirty="0"/>
-              <a:t>row2: </a:t>
-            </a:r>
-            <a:r>
-              <a:rPr lang="en-US" altLang="ko-KR" dirty="0" smtClean="0"/>
-              <a:t> 3 </a:t>
-            </a:r>
-            <a:r>
-              <a:rPr lang="en-US" altLang="ko-KR" dirty="0"/>
-              <a:t>4 5     1 2 3</a:t>
+              <a:t>row2:  3 4 5     1 2 3</a:t>
             </a:r>
           </a:p>
           <a:p>
@@ -9605,15 +9747,7 @@
             </a:pPr>
             <a:r>
               <a:rPr lang="en-US" altLang="ko-KR" dirty="0"/>
-              <a:t>row3: </a:t>
-            </a:r>
-            <a:r>
-              <a:rPr lang="en-US" altLang="ko-KR" dirty="0" smtClean="0"/>
-              <a:t> 6 </a:t>
-            </a:r>
-            <a:r>
-              <a:rPr lang="en-US" altLang="ko-KR" dirty="0"/>
-              <a:t>7 *      0 3 *</a:t>
+              <a:t>row3:  6 7 *      0 3 *</a:t>
             </a:r>
           </a:p>
           <a:p>
@@ -9687,7 +9821,7 @@
           <a:lstStyle/>
           <a:p>
             <a:r>
-              <a:rPr lang="en-US" altLang="ko-KR" sz="3200" dirty="0" smtClean="0">
+              <a:rPr lang="en-US" altLang="ko-KR" sz="3200" dirty="0">
                 <a:latin typeface="+mn-lt"/>
               </a:rPr>
               <a:t>1 * 3 6</a:t>
@@ -9695,7 +9829,7 @@
           </a:p>
           <a:p>
             <a:r>
-              <a:rPr lang="en-US" altLang="ko-KR" sz="3200" dirty="0" smtClean="0">
+              <a:rPr lang="en-US" altLang="ko-KR" sz="3200" dirty="0">
                 <a:latin typeface="+mn-lt"/>
               </a:rPr>
               <a:t>2 * 4 7</a:t>
@@ -9706,13 +9840,7 @@
               <a:rPr lang="en-US" altLang="ko-KR" sz="3200" dirty="0">
                 <a:latin typeface="+mn-lt"/>
               </a:rPr>
-              <a:t> </a:t>
-            </a:r>
-            <a:r>
-              <a:rPr lang="en-US" altLang="ko-KR" sz="3200" dirty="0" smtClean="0">
-                <a:latin typeface="+mn-lt"/>
-              </a:rPr>
-              <a:t>* * 5 *</a:t>
+              <a:t> * * 5 *</a:t>
             </a:r>
             <a:endParaRPr lang="ko-KR" altLang="en-US" sz="3200" dirty="0">
               <a:latin typeface="+mn-lt"/>
@@ -9743,13 +9871,13 @@
           <a:lstStyle/>
           <a:p>
             <a:r>
-              <a:rPr lang="en-US" altLang="ko-KR" b="1" dirty="0" smtClean="0">
+              <a:rPr lang="en-US" altLang="ko-KR" b="1" dirty="0">
                 <a:latin typeface="+mn-lt"/>
               </a:rPr>
               <a:t>Row-major</a:t>
             </a:r>
             <a:r>
-              <a:rPr lang="en-US" altLang="ko-KR" dirty="0" smtClean="0">
+              <a:rPr lang="en-US" altLang="ko-KR" dirty="0">
                 <a:latin typeface="+mn-lt"/>
               </a:rPr>
               <a:t> </a:t>
@@ -9786,13 +9914,7 @@
               <a:rPr lang="en-US" altLang="ko-KR" b="1" dirty="0">
                 <a:latin typeface="+mn-lt"/>
               </a:rPr>
-              <a:t>C</a:t>
-            </a:r>
-            <a:r>
-              <a:rPr lang="en-US" altLang="ko-KR" b="1" dirty="0" smtClean="0">
-                <a:latin typeface="+mn-lt"/>
-              </a:rPr>
-              <a:t>olumn-major</a:t>
+              <a:t>Column-major</a:t>
             </a:r>
             <a:endParaRPr lang="ko-KR" altLang="en-US" b="1" dirty="0">
               <a:latin typeface="+mn-lt"/>
@@ -9810,13 +9932,6 @@
   <p:clrMapOvr>
     <a:masterClrMapping/>
   </p:clrMapOvr>
-  <p:timing>
-    <p:tnLst>
-      <p:par>
-        <p:cTn id="1" dur="indefinite" restart="never" nodeType="tmRoot"/>
-      </p:par>
-    </p:tnLst>
-  </p:timing>
 </p:sld>
 </file>
 
@@ -9853,7 +9968,7 @@
           <a:lstStyle/>
           <a:p>
             <a:r>
-              <a:rPr lang="en-US" altLang="ko-KR" dirty="0" smtClean="0"/>
+              <a:rPr lang="en-US" altLang="ko-KR" dirty="0"/>
               <a:t>ELL format[1]</a:t>
             </a:r>
             <a:endParaRPr lang="ko-KR" altLang="en-US" dirty="0"/>
@@ -9879,7 +9994,7 @@
               <a:buNone/>
             </a:pPr>
             <a:r>
-              <a:rPr lang="en-US" altLang="ko-KR" sz="2800" dirty="0" smtClean="0"/>
+              <a:rPr lang="en-US" altLang="ko-KR" sz="2800" dirty="0"/>
               <a:t>data[]:</a:t>
             </a:r>
           </a:p>
@@ -9888,7 +10003,7 @@
               <a:buNone/>
             </a:pPr>
             <a:r>
-              <a:rPr lang="en-US" altLang="ko-KR" sz="2800" dirty="0" smtClean="0"/>
+              <a:rPr lang="en-US" altLang="ko-KR" sz="2800" dirty="0"/>
               <a:t>index[]:</a:t>
             </a:r>
             <a:endParaRPr lang="ko-KR" altLang="en-US" sz="2800" dirty="0"/>
@@ -9920,18 +10035,90 @@
                 <a:tableStyleId>{5C22544A-7EE6-4342-B048-85BDC9FD1C3A}</a:tableStyleId>
               </a:tblPr>
               <a:tblGrid>
-                <a:gridCol w="508000"/>
-                <a:gridCol w="508000"/>
-                <a:gridCol w="508000"/>
-                <a:gridCol w="508000"/>
-                <a:gridCol w="508000"/>
-                <a:gridCol w="508000"/>
-                <a:gridCol w="508000"/>
-                <a:gridCol w="508000"/>
-                <a:gridCol w="508000"/>
-                <a:gridCol w="508000"/>
-                <a:gridCol w="508000"/>
-                <a:gridCol w="508000"/>
+                <a:gridCol w="508000">
+                  <a:extLst>
+                    <a:ext uri="{9D8B030D-6E8A-4147-A177-3AD203B41FA5}">
+                      <a16:colId xmlns:a16="http://schemas.microsoft.com/office/drawing/2014/main" val="20000"/>
+                    </a:ext>
+                  </a:extLst>
+                </a:gridCol>
+                <a:gridCol w="508000">
+                  <a:extLst>
+                    <a:ext uri="{9D8B030D-6E8A-4147-A177-3AD203B41FA5}">
+                      <a16:colId xmlns:a16="http://schemas.microsoft.com/office/drawing/2014/main" val="20001"/>
+                    </a:ext>
+                  </a:extLst>
+                </a:gridCol>
+                <a:gridCol w="508000">
+                  <a:extLst>
+                    <a:ext uri="{9D8B030D-6E8A-4147-A177-3AD203B41FA5}">
+                      <a16:colId xmlns:a16="http://schemas.microsoft.com/office/drawing/2014/main" val="20002"/>
+                    </a:ext>
+                  </a:extLst>
+                </a:gridCol>
+                <a:gridCol w="508000">
+                  <a:extLst>
+                    <a:ext uri="{9D8B030D-6E8A-4147-A177-3AD203B41FA5}">
+                      <a16:colId xmlns:a16="http://schemas.microsoft.com/office/drawing/2014/main" val="20003"/>
+                    </a:ext>
+                  </a:extLst>
+                </a:gridCol>
+                <a:gridCol w="508000">
+                  <a:extLst>
+                    <a:ext uri="{9D8B030D-6E8A-4147-A177-3AD203B41FA5}">
+                      <a16:colId xmlns:a16="http://schemas.microsoft.com/office/drawing/2014/main" val="20004"/>
+                    </a:ext>
+                  </a:extLst>
+                </a:gridCol>
+                <a:gridCol w="508000">
+                  <a:extLst>
+                    <a:ext uri="{9D8B030D-6E8A-4147-A177-3AD203B41FA5}">
+                      <a16:colId xmlns:a16="http://schemas.microsoft.com/office/drawing/2014/main" val="20005"/>
+                    </a:ext>
+                  </a:extLst>
+                </a:gridCol>
+                <a:gridCol w="508000">
+                  <a:extLst>
+                    <a:ext uri="{9D8B030D-6E8A-4147-A177-3AD203B41FA5}">
+                      <a16:colId xmlns:a16="http://schemas.microsoft.com/office/drawing/2014/main" val="20006"/>
+                    </a:ext>
+                  </a:extLst>
+                </a:gridCol>
+                <a:gridCol w="508000">
+                  <a:extLst>
+                    <a:ext uri="{9D8B030D-6E8A-4147-A177-3AD203B41FA5}">
+                      <a16:colId xmlns:a16="http://schemas.microsoft.com/office/drawing/2014/main" val="20007"/>
+                    </a:ext>
+                  </a:extLst>
+                </a:gridCol>
+                <a:gridCol w="508000">
+                  <a:extLst>
+                    <a:ext uri="{9D8B030D-6E8A-4147-A177-3AD203B41FA5}">
+                      <a16:colId xmlns:a16="http://schemas.microsoft.com/office/drawing/2014/main" val="20008"/>
+                    </a:ext>
+                  </a:extLst>
+                </a:gridCol>
+                <a:gridCol w="508000">
+                  <a:extLst>
+                    <a:ext uri="{9D8B030D-6E8A-4147-A177-3AD203B41FA5}">
+                      <a16:colId xmlns:a16="http://schemas.microsoft.com/office/drawing/2014/main" val="20009"/>
+                    </a:ext>
+                  </a:extLst>
+                </a:gridCol>
+                <a:gridCol w="508000">
+                  <a:extLst>
+                    <a:ext uri="{9D8B030D-6E8A-4147-A177-3AD203B41FA5}">
+                      <a16:colId xmlns:a16="http://schemas.microsoft.com/office/drawing/2014/main" val="20010"/>
+                    </a:ext>
+                  </a:extLst>
+                </a:gridCol>
+                <a:gridCol w="508000">
+                  <a:extLst>
+                    <a:ext uri="{9D8B030D-6E8A-4147-A177-3AD203B41FA5}">
+                      <a16:colId xmlns:a16="http://schemas.microsoft.com/office/drawing/2014/main" val="20011"/>
+                    </a:ext>
+                  </a:extLst>
+                </a:gridCol>
               </a:tblGrid>
               <a:tr h="370840">
                 <a:tc>
@@ -9941,7 +10128,7 @@
                     <a:p>
                       <a:pPr latinLnBrk="1"/>
                       <a:r>
-                        <a:rPr lang="en-US" altLang="ko-KR" dirty="0" smtClean="0"/>
+                        <a:rPr lang="en-US" altLang="ko-KR" dirty="0"/>
                         <a:t>1</a:t>
                       </a:r>
                       <a:endParaRPr lang="ko-KR" altLang="en-US" dirty="0"/>
@@ -9960,7 +10147,7 @@
                     <a:p>
                       <a:pPr latinLnBrk="1"/>
                       <a:r>
-                        <a:rPr lang="en-US" altLang="ko-KR" dirty="0" smtClean="0"/>
+                        <a:rPr lang="en-US" altLang="ko-KR" dirty="0"/>
                         <a:t>*</a:t>
                       </a:r>
                       <a:endParaRPr lang="ko-KR" altLang="en-US" dirty="0"/>
@@ -9979,7 +10166,7 @@
                     <a:p>
                       <a:pPr latinLnBrk="1"/>
                       <a:r>
-                        <a:rPr lang="en-US" altLang="ko-KR" dirty="0" smtClean="0"/>
+                        <a:rPr lang="en-US" altLang="ko-KR" dirty="0"/>
                         <a:t>3</a:t>
                       </a:r>
                       <a:endParaRPr lang="ko-KR" altLang="en-US" dirty="0"/>
@@ -9998,7 +10185,7 @@
                     <a:p>
                       <a:pPr latinLnBrk="1"/>
                       <a:r>
-                        <a:rPr lang="en-US" altLang="ko-KR" dirty="0" smtClean="0"/>
+                        <a:rPr lang="en-US" altLang="ko-KR" dirty="0"/>
                         <a:t>6</a:t>
                       </a:r>
                       <a:endParaRPr lang="ko-KR" altLang="en-US" dirty="0"/>
@@ -10017,7 +10204,7 @@
                     <a:p>
                       <a:pPr latinLnBrk="1"/>
                       <a:r>
-                        <a:rPr lang="en-US" altLang="ko-KR" dirty="0" smtClean="0"/>
+                        <a:rPr lang="en-US" altLang="ko-KR" dirty="0"/>
                         <a:t>2</a:t>
                       </a:r>
                       <a:endParaRPr lang="ko-KR" altLang="en-US" dirty="0"/>
@@ -10036,7 +10223,7 @@
                     <a:p>
                       <a:pPr latinLnBrk="1"/>
                       <a:r>
-                        <a:rPr lang="en-US" altLang="ko-KR" dirty="0" smtClean="0"/>
+                        <a:rPr lang="en-US" altLang="ko-KR" dirty="0"/>
                         <a:t>*</a:t>
                       </a:r>
                       <a:endParaRPr lang="ko-KR" altLang="en-US" dirty="0"/>
@@ -10055,7 +10242,7 @@
                     <a:p>
                       <a:pPr latinLnBrk="1"/>
                       <a:r>
-                        <a:rPr lang="en-US" altLang="ko-KR" dirty="0" smtClean="0"/>
+                        <a:rPr lang="en-US" altLang="ko-KR" dirty="0"/>
                         <a:t>4</a:t>
                       </a:r>
                       <a:endParaRPr lang="ko-KR" altLang="en-US" dirty="0"/>
@@ -10074,7 +10261,7 @@
                     <a:p>
                       <a:pPr latinLnBrk="1"/>
                       <a:r>
-                        <a:rPr lang="en-US" altLang="ko-KR" dirty="0" smtClean="0"/>
+                        <a:rPr lang="en-US" altLang="ko-KR" dirty="0"/>
                         <a:t>7</a:t>
                       </a:r>
                       <a:endParaRPr lang="ko-KR" altLang="en-US" dirty="0"/>
@@ -10093,7 +10280,7 @@
                     <a:p>
                       <a:pPr latinLnBrk="1"/>
                       <a:r>
-                        <a:rPr lang="en-US" altLang="ko-KR" dirty="0" smtClean="0"/>
+                        <a:rPr lang="en-US" altLang="ko-KR" dirty="0"/>
                         <a:t>*</a:t>
                       </a:r>
                       <a:endParaRPr lang="ko-KR" altLang="en-US" dirty="0"/>
@@ -10112,7 +10299,7 @@
                     <a:p>
                       <a:pPr latinLnBrk="1"/>
                       <a:r>
-                        <a:rPr lang="en-US" altLang="ko-KR" dirty="0" smtClean="0"/>
+                        <a:rPr lang="en-US" altLang="ko-KR" dirty="0"/>
                         <a:t>*</a:t>
                       </a:r>
                       <a:endParaRPr lang="ko-KR" altLang="en-US" dirty="0"/>
@@ -10131,7 +10318,7 @@
                     <a:p>
                       <a:pPr latinLnBrk="1"/>
                       <a:r>
-                        <a:rPr lang="en-US" altLang="ko-KR" dirty="0" smtClean="0"/>
+                        <a:rPr lang="en-US" altLang="ko-KR" dirty="0"/>
                         <a:t>5</a:t>
                       </a:r>
                       <a:endParaRPr lang="ko-KR" altLang="en-US" dirty="0"/>
@@ -10150,7 +10337,7 @@
                     <a:p>
                       <a:pPr latinLnBrk="1"/>
                       <a:r>
-                        <a:rPr lang="en-US" altLang="ko-KR" dirty="0" smtClean="0"/>
+                        <a:rPr lang="en-US" altLang="ko-KR" dirty="0"/>
                         <a:t>*</a:t>
                       </a:r>
                       <a:endParaRPr lang="ko-KR" altLang="en-US" dirty="0"/>
@@ -10162,6 +10349,11 @@
                     </a:solidFill>
                   </a:tcPr>
                 </a:tc>
+                <a:extLst>
+                  <a:ext uri="{0D108BD9-81ED-4DB2-BD59-A6C34878D82A}">
+                    <a16:rowId xmlns:a16="http://schemas.microsoft.com/office/drawing/2014/main" val="10000"/>
+                  </a:ext>
+                </a:extLst>
               </a:tr>
             </a:tbl>
           </a:graphicData>
@@ -10192,18 +10384,90 @@
                 <a:tableStyleId>{5C22544A-7EE6-4342-B048-85BDC9FD1C3A}</a:tableStyleId>
               </a:tblPr>
               <a:tblGrid>
-                <a:gridCol w="508000"/>
-                <a:gridCol w="508000"/>
-                <a:gridCol w="508000"/>
-                <a:gridCol w="508000"/>
-                <a:gridCol w="508000"/>
-                <a:gridCol w="508000"/>
-                <a:gridCol w="508000"/>
-                <a:gridCol w="508000"/>
-                <a:gridCol w="508000"/>
-                <a:gridCol w="508000"/>
-                <a:gridCol w="508000"/>
-                <a:gridCol w="508000"/>
+                <a:gridCol w="508000">
+                  <a:extLst>
+                    <a:ext uri="{9D8B030D-6E8A-4147-A177-3AD203B41FA5}">
+                      <a16:colId xmlns:a16="http://schemas.microsoft.com/office/drawing/2014/main" val="20000"/>
+                    </a:ext>
+                  </a:extLst>
+                </a:gridCol>
+                <a:gridCol w="508000">
+                  <a:extLst>
+                    <a:ext uri="{9D8B030D-6E8A-4147-A177-3AD203B41FA5}">
+                      <a16:colId xmlns:a16="http://schemas.microsoft.com/office/drawing/2014/main" val="20001"/>
+                    </a:ext>
+                  </a:extLst>
+                </a:gridCol>
+                <a:gridCol w="508000">
+                  <a:extLst>
+                    <a:ext uri="{9D8B030D-6E8A-4147-A177-3AD203B41FA5}">
+                      <a16:colId xmlns:a16="http://schemas.microsoft.com/office/drawing/2014/main" val="20002"/>
+                    </a:ext>
+                  </a:extLst>
+                </a:gridCol>
+                <a:gridCol w="508000">
+                  <a:extLst>
+                    <a:ext uri="{9D8B030D-6E8A-4147-A177-3AD203B41FA5}">
+                      <a16:colId xmlns:a16="http://schemas.microsoft.com/office/drawing/2014/main" val="20003"/>
+                    </a:ext>
+                  </a:extLst>
+                </a:gridCol>
+                <a:gridCol w="508000">
+                  <a:extLst>
+                    <a:ext uri="{9D8B030D-6E8A-4147-A177-3AD203B41FA5}">
+                      <a16:colId xmlns:a16="http://schemas.microsoft.com/office/drawing/2014/main" val="20004"/>
+                    </a:ext>
+                  </a:extLst>
+                </a:gridCol>
+                <a:gridCol w="508000">
+                  <a:extLst>
+                    <a:ext uri="{9D8B030D-6E8A-4147-A177-3AD203B41FA5}">
+                      <a16:colId xmlns:a16="http://schemas.microsoft.com/office/drawing/2014/main" val="20005"/>
+                    </a:ext>
+                  </a:extLst>
+                </a:gridCol>
+                <a:gridCol w="508000">
+                  <a:extLst>
+                    <a:ext uri="{9D8B030D-6E8A-4147-A177-3AD203B41FA5}">
+                      <a16:colId xmlns:a16="http://schemas.microsoft.com/office/drawing/2014/main" val="20006"/>
+                    </a:ext>
+                  </a:extLst>
+                </a:gridCol>
+                <a:gridCol w="508000">
+                  <a:extLst>
+                    <a:ext uri="{9D8B030D-6E8A-4147-A177-3AD203B41FA5}">
+                      <a16:colId xmlns:a16="http://schemas.microsoft.com/office/drawing/2014/main" val="20007"/>
+                    </a:ext>
+                  </a:extLst>
+                </a:gridCol>
+                <a:gridCol w="508000">
+                  <a:extLst>
+                    <a:ext uri="{9D8B030D-6E8A-4147-A177-3AD203B41FA5}">
+                      <a16:colId xmlns:a16="http://schemas.microsoft.com/office/drawing/2014/main" val="20008"/>
+                    </a:ext>
+                  </a:extLst>
+                </a:gridCol>
+                <a:gridCol w="508000">
+                  <a:extLst>
+                    <a:ext uri="{9D8B030D-6E8A-4147-A177-3AD203B41FA5}">
+                      <a16:colId xmlns:a16="http://schemas.microsoft.com/office/drawing/2014/main" val="20009"/>
+                    </a:ext>
+                  </a:extLst>
+                </a:gridCol>
+                <a:gridCol w="508000">
+                  <a:extLst>
+                    <a:ext uri="{9D8B030D-6E8A-4147-A177-3AD203B41FA5}">
+                      <a16:colId xmlns:a16="http://schemas.microsoft.com/office/drawing/2014/main" val="20010"/>
+                    </a:ext>
+                  </a:extLst>
+                </a:gridCol>
+                <a:gridCol w="508000">
+                  <a:extLst>
+                    <a:ext uri="{9D8B030D-6E8A-4147-A177-3AD203B41FA5}">
+                      <a16:colId xmlns:a16="http://schemas.microsoft.com/office/drawing/2014/main" val="20011"/>
+                    </a:ext>
+                  </a:extLst>
+                </a:gridCol>
               </a:tblGrid>
               <a:tr h="370840">
                 <a:tc>
@@ -10213,7 +10477,7 @@
                     <a:p>
                       <a:pPr latinLnBrk="1"/>
                       <a:r>
-                        <a:rPr lang="en-US" altLang="ko-KR" dirty="0" smtClean="0"/>
+                        <a:rPr lang="en-US" altLang="ko-KR" dirty="0"/>
                         <a:t>0</a:t>
                       </a:r>
                       <a:endParaRPr lang="ko-KR" altLang="en-US" dirty="0"/>
@@ -10232,7 +10496,7 @@
                     <a:p>
                       <a:pPr latinLnBrk="1"/>
                       <a:r>
-                        <a:rPr lang="en-US" altLang="ko-KR" dirty="0" smtClean="0"/>
+                        <a:rPr lang="en-US" altLang="ko-KR" dirty="0"/>
                         <a:t>*</a:t>
                       </a:r>
                       <a:endParaRPr lang="ko-KR" altLang="en-US" dirty="0"/>
@@ -10251,7 +10515,7 @@
                     <a:p>
                       <a:pPr latinLnBrk="1"/>
                       <a:r>
-                        <a:rPr lang="en-US" altLang="ko-KR" dirty="0" smtClean="0"/>
+                        <a:rPr lang="en-US" altLang="ko-KR" dirty="0"/>
                         <a:t>1</a:t>
                       </a:r>
                       <a:endParaRPr lang="ko-KR" altLang="en-US" dirty="0"/>
@@ -10270,7 +10534,7 @@
                     <a:p>
                       <a:pPr latinLnBrk="1"/>
                       <a:r>
-                        <a:rPr lang="en-US" altLang="ko-KR" dirty="0" smtClean="0"/>
+                        <a:rPr lang="en-US" altLang="ko-KR" dirty="0"/>
                         <a:t>0</a:t>
                       </a:r>
                       <a:endParaRPr lang="ko-KR" altLang="en-US" dirty="0"/>
@@ -10289,7 +10553,7 @@
                     <a:p>
                       <a:pPr latinLnBrk="1"/>
                       <a:r>
-                        <a:rPr lang="en-US" altLang="ko-KR" dirty="0" smtClean="0"/>
+                        <a:rPr lang="en-US" altLang="ko-KR" dirty="0"/>
                         <a:t>2</a:t>
                       </a:r>
                       <a:endParaRPr lang="ko-KR" altLang="en-US" dirty="0"/>
@@ -10308,7 +10572,7 @@
                     <a:p>
                       <a:pPr latinLnBrk="1"/>
                       <a:r>
-                        <a:rPr lang="en-US" altLang="ko-KR" dirty="0" smtClean="0"/>
+                        <a:rPr lang="en-US" altLang="ko-KR" dirty="0"/>
                         <a:t>*</a:t>
                       </a:r>
                       <a:endParaRPr lang="ko-KR" altLang="en-US" dirty="0"/>
@@ -10327,7 +10591,7 @@
                     <a:p>
                       <a:pPr latinLnBrk="1"/>
                       <a:r>
-                        <a:rPr lang="en-US" altLang="ko-KR" dirty="0" smtClean="0"/>
+                        <a:rPr lang="en-US" altLang="ko-KR" dirty="0"/>
                         <a:t>2</a:t>
                       </a:r>
                       <a:endParaRPr lang="ko-KR" altLang="en-US" dirty="0"/>
@@ -10346,7 +10610,7 @@
                     <a:p>
                       <a:pPr latinLnBrk="1"/>
                       <a:r>
-                        <a:rPr lang="en-US" altLang="ko-KR" dirty="0" smtClean="0"/>
+                        <a:rPr lang="en-US" altLang="ko-KR" dirty="0"/>
                         <a:t>3</a:t>
                       </a:r>
                       <a:endParaRPr lang="ko-KR" altLang="en-US" dirty="0"/>
@@ -10365,7 +10629,7 @@
                     <a:p>
                       <a:pPr latinLnBrk="1"/>
                       <a:r>
-                        <a:rPr lang="en-US" altLang="ko-KR" dirty="0" smtClean="0"/>
+                        <a:rPr lang="en-US" altLang="ko-KR" dirty="0"/>
                         <a:t>*</a:t>
                       </a:r>
                       <a:endParaRPr lang="ko-KR" altLang="en-US" dirty="0"/>
@@ -10384,7 +10648,7 @@
                     <a:p>
                       <a:pPr latinLnBrk="1"/>
                       <a:r>
-                        <a:rPr lang="en-US" altLang="ko-KR" dirty="0" smtClean="0"/>
+                        <a:rPr lang="en-US" altLang="ko-KR" dirty="0"/>
                         <a:t>*</a:t>
                       </a:r>
                       <a:endParaRPr lang="ko-KR" altLang="en-US" dirty="0"/>
@@ -10403,7 +10667,7 @@
                     <a:p>
                       <a:pPr latinLnBrk="1"/>
                       <a:r>
-                        <a:rPr lang="en-US" altLang="ko-KR" dirty="0" smtClean="0"/>
+                        <a:rPr lang="en-US" altLang="ko-KR" dirty="0"/>
                         <a:t>3</a:t>
                       </a:r>
                       <a:endParaRPr lang="ko-KR" altLang="en-US" dirty="0"/>
@@ -10422,7 +10686,7 @@
                     <a:p>
                       <a:pPr latinLnBrk="1"/>
                       <a:r>
-                        <a:rPr lang="en-US" altLang="ko-KR" dirty="0" smtClean="0"/>
+                        <a:rPr lang="en-US" altLang="ko-KR" dirty="0"/>
                         <a:t>*</a:t>
                       </a:r>
                       <a:endParaRPr lang="ko-KR" altLang="en-US" dirty="0"/>
@@ -10434,6 +10698,11 @@
                     </a:solidFill>
                   </a:tcPr>
                 </a:tc>
+                <a:extLst>
+                  <a:ext uri="{0D108BD9-81ED-4DB2-BD59-A6C34878D82A}">
+                    <a16:rowId xmlns:a16="http://schemas.microsoft.com/office/drawing/2014/main" val="10000"/>
+                  </a:ext>
+                </a:extLst>
               </a:tr>
             </a:tbl>
           </a:graphicData>
@@ -10465,55 +10734,55 @@
               <a:buAutoNum type="arabicPeriod"/>
             </a:pPr>
             <a:r>
-              <a:rPr lang="en-US" altLang="ko-KR" b="1" dirty="0" smtClean="0">
+              <a:rPr lang="en-US" altLang="ko-KR" b="1" dirty="0">
                 <a:latin typeface="+mn-lt"/>
               </a:rPr>
               <a:t>__global__ void SPMV_ELL(</a:t>
             </a:r>
             <a:r>
-              <a:rPr lang="en-US" altLang="ko-KR" b="1" dirty="0" err="1" smtClean="0">
+              <a:rPr lang="en-US" altLang="ko-KR" b="1" dirty="0" err="1">
                 <a:latin typeface="+mn-lt"/>
               </a:rPr>
               <a:t>int</a:t>
             </a:r>
             <a:r>
-              <a:rPr lang="en-US" altLang="ko-KR" b="1" dirty="0" smtClean="0">
+              <a:rPr lang="en-US" altLang="ko-KR" b="1" dirty="0">
                 <a:latin typeface="+mn-lt"/>
               </a:rPr>
               <a:t> </a:t>
             </a:r>
             <a:r>
-              <a:rPr lang="en-US" altLang="ko-KR" b="1" dirty="0" err="1" smtClean="0">
+              <a:rPr lang="en-US" altLang="ko-KR" b="1" dirty="0" err="1">
                 <a:latin typeface="+mn-lt"/>
               </a:rPr>
               <a:t>num_rows</a:t>
             </a:r>
             <a:r>
-              <a:rPr lang="en-US" altLang="ko-KR" b="1" dirty="0" smtClean="0">
+              <a:rPr lang="en-US" altLang="ko-KR" b="1" dirty="0">
                 <a:latin typeface="+mn-lt"/>
               </a:rPr>
               <a:t>, float *data, </a:t>
             </a:r>
             <a:r>
-              <a:rPr lang="en-US" altLang="ko-KR" b="1" dirty="0" err="1" smtClean="0">
+              <a:rPr lang="en-US" altLang="ko-KR" b="1" dirty="0" err="1">
                 <a:latin typeface="+mn-lt"/>
               </a:rPr>
               <a:t>int</a:t>
             </a:r>
             <a:r>
-              <a:rPr lang="en-US" altLang="ko-KR" b="1" dirty="0" smtClean="0">
+              <a:rPr lang="en-US" altLang="ko-KR" b="1" dirty="0">
                 <a:latin typeface="+mn-lt"/>
               </a:rPr>
               <a:t> *</a:t>
             </a:r>
             <a:r>
-              <a:rPr lang="en-US" altLang="ko-KR" b="1" dirty="0" err="1" smtClean="0">
+              <a:rPr lang="en-US" altLang="ko-KR" b="1" dirty="0" err="1">
                 <a:latin typeface="+mn-lt"/>
               </a:rPr>
               <a:t>col_index</a:t>
             </a:r>
             <a:r>
-              <a:rPr lang="en-US" altLang="ko-KR" b="1" dirty="0" smtClean="0">
+              <a:rPr lang="en-US" altLang="ko-KR" b="1" dirty="0">
                 <a:latin typeface="+mn-lt"/>
               </a:rPr>
               <a:t>,</a:t>
@@ -10522,25 +10791,25 @@
           <a:p>
             <a:pPr lvl="1"/>
             <a:r>
-              <a:rPr lang="en-US" altLang="ko-KR" b="1" dirty="0" err="1" smtClean="0">
+              <a:rPr lang="en-US" altLang="ko-KR" b="1" dirty="0" err="1">
                 <a:latin typeface="+mn-lt"/>
               </a:rPr>
               <a:t>int</a:t>
             </a:r>
             <a:r>
-              <a:rPr lang="en-US" altLang="ko-KR" b="1" dirty="0" smtClean="0">
+              <a:rPr lang="en-US" altLang="ko-KR" b="1" dirty="0">
                 <a:latin typeface="+mn-lt"/>
               </a:rPr>
               <a:t> </a:t>
             </a:r>
             <a:r>
-              <a:rPr lang="en-US" altLang="ko-KR" b="1" dirty="0" err="1" smtClean="0">
+              <a:rPr lang="en-US" altLang="ko-KR" b="1" dirty="0" err="1">
                 <a:latin typeface="+mn-lt"/>
               </a:rPr>
               <a:t>num_elel</a:t>
             </a:r>
             <a:r>
-              <a:rPr lang="en-US" altLang="ko-KR" b="1" dirty="0" smtClean="0">
+              <a:rPr lang="en-US" altLang="ko-KR" b="1" dirty="0">
                 <a:latin typeface="+mn-lt"/>
               </a:rPr>
               <a:t>, float *x, float *y){</a:t>
@@ -10548,55 +10817,55 @@
           </a:p>
           <a:p>
             <a:r>
-              <a:rPr lang="en-US" altLang="ko-KR" b="1" dirty="0" smtClean="0">
+              <a:rPr lang="en-US" altLang="ko-KR" b="1" dirty="0">
                 <a:latin typeface="+mn-lt"/>
               </a:rPr>
               <a:t>2. </a:t>
             </a:r>
             <a:r>
-              <a:rPr lang="en-US" altLang="ko-KR" b="1" dirty="0" err="1" smtClean="0">
+              <a:rPr lang="en-US" altLang="ko-KR" b="1" dirty="0" err="1">
                 <a:latin typeface="+mn-lt"/>
               </a:rPr>
               <a:t>int</a:t>
             </a:r>
             <a:r>
-              <a:rPr lang="en-US" altLang="ko-KR" b="1" dirty="0" smtClean="0">
+              <a:rPr lang="en-US" altLang="ko-KR" b="1" dirty="0">
                 <a:latin typeface="+mn-lt"/>
               </a:rPr>
               <a:t> row=</a:t>
             </a:r>
             <a:r>
-              <a:rPr lang="en-US" altLang="ko-KR" b="1" dirty="0" err="1" smtClean="0">
+              <a:rPr lang="en-US" altLang="ko-KR" b="1" dirty="0" err="1">
                 <a:latin typeface="+mn-lt"/>
               </a:rPr>
               <a:t>blockIdx.x</a:t>
             </a:r>
             <a:r>
-              <a:rPr lang="en-US" altLang="ko-KR" b="1" dirty="0" smtClean="0">
+              <a:rPr lang="en-US" altLang="ko-KR" b="1" dirty="0">
                 <a:latin typeface="+mn-lt"/>
               </a:rPr>
               <a:t>*</a:t>
             </a:r>
             <a:r>
-              <a:rPr lang="en-US" altLang="ko-KR" b="1" dirty="0" err="1" smtClean="0">
+              <a:rPr lang="en-US" altLang="ko-KR" b="1" dirty="0" err="1">
                 <a:latin typeface="+mn-lt"/>
               </a:rPr>
               <a:t>blockDim.x</a:t>
             </a:r>
             <a:r>
-              <a:rPr lang="en-US" altLang="ko-KR" b="1" dirty="0" smtClean="0">
+              <a:rPr lang="en-US" altLang="ko-KR" b="1" dirty="0">
                 <a:latin typeface="+mn-lt"/>
               </a:rPr>
               <a:t> + </a:t>
             </a:r>
             <a:r>
-              <a:rPr lang="en-US" altLang="ko-KR" b="1" dirty="0" err="1" smtClean="0">
+              <a:rPr lang="en-US" altLang="ko-KR" b="1" dirty="0" err="1">
                 <a:latin typeface="+mn-lt"/>
               </a:rPr>
               <a:t>threadIdx.x</a:t>
             </a:r>
             <a:r>
-              <a:rPr lang="en-US" altLang="ko-KR" b="1" dirty="0" smtClean="0">
+              <a:rPr lang="en-US" altLang="ko-KR" b="1" dirty="0">
                 <a:latin typeface="+mn-lt"/>
               </a:rPr>
               <a:t>;</a:t>
@@ -10604,31 +10873,31 @@
           </a:p>
           <a:p>
             <a:r>
-              <a:rPr lang="en-US" altLang="ko-KR" b="1" dirty="0" smtClean="0">
+              <a:rPr lang="en-US" altLang="ko-KR" b="1" dirty="0">
                 <a:latin typeface="+mn-lt"/>
               </a:rPr>
               <a:t>3. if(row &lt; </a:t>
             </a:r>
             <a:r>
-              <a:rPr lang="en-US" altLang="ko-KR" b="1" dirty="0" err="1" smtClean="0">
+              <a:rPr lang="en-US" altLang="ko-KR" b="1" dirty="0" err="1">
                 <a:latin typeface="+mn-lt"/>
               </a:rPr>
               <a:t>num_rows</a:t>
             </a:r>
             <a:r>
-              <a:rPr lang="en-US" altLang="ko-KR" b="1" dirty="0" smtClean="0">
+              <a:rPr lang="en-US" altLang="ko-KR" b="1" dirty="0">
                 <a:latin typeface="+mn-lt"/>
               </a:rPr>
               <a:t>)</a:t>
             </a:r>
             <a:r>
-              <a:rPr lang="ko-KR" altLang="en-US" b="1" dirty="0" smtClean="0">
+              <a:rPr lang="ko-KR" altLang="en-US" b="1" dirty="0">
                 <a:latin typeface="+mn-lt"/>
               </a:rPr>
               <a:t> </a:t>
             </a:r>
             <a:r>
-              <a:rPr lang="en-US" altLang="ko-KR" b="1" dirty="0" smtClean="0">
+              <a:rPr lang="en-US" altLang="ko-KR" b="1" dirty="0">
                 <a:latin typeface="+mn-lt"/>
               </a:rPr>
               <a:t>{</a:t>
@@ -10639,19 +10908,19 @@
               <a:buAutoNum type="arabicPeriod" startAt="4"/>
             </a:pPr>
             <a:r>
-              <a:rPr lang="en-US" altLang="ko-KR" b="1" dirty="0" smtClean="0">
+              <a:rPr lang="en-US" altLang="ko-KR" b="1" dirty="0">
                 <a:latin typeface="+mn-lt"/>
               </a:rPr>
               <a:t>float </a:t>
             </a:r>
             <a:r>
-              <a:rPr lang="en-US" altLang="ko-KR" b="1" dirty="0" err="1" smtClean="0">
+              <a:rPr lang="en-US" altLang="ko-KR" b="1" dirty="0" err="1">
                 <a:latin typeface="+mn-lt"/>
               </a:rPr>
               <a:t>dop</a:t>
             </a:r>
             <a:r>
-              <a:rPr lang="en-US" altLang="ko-KR" b="1" dirty="0" smtClean="0">
+              <a:rPr lang="en-US" altLang="ko-KR" b="1" dirty="0">
                 <a:latin typeface="+mn-lt"/>
               </a:rPr>
               <a:t>=0;</a:t>
@@ -10662,153 +10931,150 @@
               <a:buAutoNum type="arabicPeriod" startAt="4"/>
             </a:pPr>
             <a:r>
-              <a:rPr lang="en-US" altLang="ko-KR" b="1" dirty="0" smtClean="0">
+              <a:rPr lang="en-US" altLang="ko-KR" b="1" dirty="0">
                 <a:latin typeface="+mn-lt"/>
               </a:rPr>
               <a:t>for( </a:t>
             </a:r>
             <a:r>
-              <a:rPr lang="en-US" altLang="ko-KR" b="1" dirty="0" err="1" smtClean="0">
+              <a:rPr lang="en-US" altLang="ko-KR" b="1" dirty="0" err="1">
                 <a:latin typeface="+mn-lt"/>
               </a:rPr>
               <a:t>int</a:t>
             </a:r>
             <a:r>
-              <a:rPr lang="en-US" altLang="ko-KR" b="1" dirty="0" smtClean="0">
+              <a:rPr lang="en-US" altLang="ko-KR" b="1" dirty="0">
                 <a:latin typeface="+mn-lt"/>
               </a:rPr>
               <a:t> </a:t>
             </a:r>
             <a:r>
-              <a:rPr lang="en-US" altLang="ko-KR" b="1" dirty="0" err="1" smtClean="0">
+              <a:rPr lang="en-US" altLang="ko-KR" b="1" dirty="0" err="1">
                 <a:latin typeface="+mn-lt"/>
               </a:rPr>
               <a:t>i</a:t>
             </a:r>
             <a:r>
-              <a:rPr lang="en-US" altLang="ko-KR" b="1" dirty="0" smtClean="0">
+              <a:rPr lang="en-US" altLang="ko-KR" b="1" dirty="0">
                 <a:latin typeface="+mn-lt"/>
               </a:rPr>
               <a:t>=0; </a:t>
             </a:r>
             <a:r>
-              <a:rPr lang="en-US" altLang="ko-KR" b="1" dirty="0" err="1" smtClean="0">
+              <a:rPr lang="en-US" altLang="ko-KR" b="1" dirty="0" err="1">
                 <a:latin typeface="+mn-lt"/>
               </a:rPr>
               <a:t>i</a:t>
             </a:r>
             <a:r>
-              <a:rPr lang="en-US" altLang="ko-KR" b="1" dirty="0" smtClean="0">
+              <a:rPr lang="en-US" altLang="ko-KR" b="1" dirty="0">
                 <a:latin typeface="+mn-lt"/>
               </a:rPr>
               <a:t>&lt;</a:t>
             </a:r>
             <a:r>
-              <a:rPr lang="en-US" altLang="ko-KR" b="1" dirty="0" err="1" smtClean="0">
+              <a:rPr lang="en-US" altLang="ko-KR" b="1" dirty="0" err="1">
                 <a:latin typeface="+mn-lt"/>
               </a:rPr>
               <a:t>num_elem</a:t>
             </a:r>
             <a:r>
-              <a:rPr lang="en-US" altLang="ko-KR" b="1" dirty="0" smtClean="0">
+              <a:rPr lang="en-US" altLang="ko-KR" b="1" dirty="0">
                 <a:latin typeface="+mn-lt"/>
               </a:rPr>
               <a:t>; </a:t>
             </a:r>
             <a:r>
-              <a:rPr lang="en-US" altLang="ko-KR" b="1" dirty="0" err="1" smtClean="0">
+              <a:rPr lang="en-US" altLang="ko-KR" b="1" dirty="0" err="1">
                 <a:latin typeface="+mn-lt"/>
               </a:rPr>
               <a:t>i</a:t>
             </a:r>
             <a:r>
-              <a:rPr lang="en-US" altLang="ko-KR" b="1" dirty="0" smtClean="0">
+              <a:rPr lang="en-US" altLang="ko-KR" b="1" dirty="0">
                 <a:latin typeface="+mn-lt"/>
               </a:rPr>
               <a:t>++){</a:t>
             </a:r>
-            <a:endParaRPr lang="en-US" altLang="ko-KR" b="1" dirty="0">
-              <a:latin typeface="+mn-lt"/>
-            </a:endParaRPr>
           </a:p>
           <a:p>
             <a:pPr marL="342900" indent="-342900">
               <a:buAutoNum type="arabicPeriod" startAt="4"/>
             </a:pPr>
             <a:r>
-              <a:rPr lang="en-US" altLang="ko-KR" b="1" dirty="0" smtClean="0">
+              <a:rPr lang="en-US" altLang="ko-KR" b="1" dirty="0">
                 <a:latin typeface="+mn-lt"/>
               </a:rPr>
               <a:t>   </a:t>
             </a:r>
             <a:r>
-              <a:rPr lang="en-US" altLang="ko-KR" b="1" dirty="0" err="1" smtClean="0">
+              <a:rPr lang="en-US" altLang="ko-KR" b="1" dirty="0" err="1">
                 <a:latin typeface="+mn-lt"/>
               </a:rPr>
               <a:t>dop</a:t>
             </a:r>
             <a:r>
-              <a:rPr lang="en-US" altLang="ko-KR" b="1" dirty="0" smtClean="0">
+              <a:rPr lang="en-US" altLang="ko-KR" b="1" dirty="0">
                 <a:latin typeface="+mn-lt"/>
               </a:rPr>
               <a:t>+=data[</a:t>
             </a:r>
             <a:r>
-              <a:rPr lang="en-US" altLang="ko-KR" b="1" dirty="0" err="1" smtClean="0">
+              <a:rPr lang="en-US" altLang="ko-KR" b="1" dirty="0" err="1">
                 <a:latin typeface="+mn-lt"/>
               </a:rPr>
               <a:t>row+i</a:t>
             </a:r>
             <a:r>
-              <a:rPr lang="en-US" altLang="ko-KR" b="1" dirty="0" smtClean="0">
+              <a:rPr lang="en-US" altLang="ko-KR" b="1" dirty="0">
                 <a:latin typeface="+mn-lt"/>
               </a:rPr>
               <a:t>*</a:t>
             </a:r>
             <a:r>
-              <a:rPr lang="en-US" altLang="ko-KR" b="1" dirty="0" err="1" smtClean="0">
+              <a:rPr lang="en-US" altLang="ko-KR" b="1" dirty="0" err="1">
                 <a:latin typeface="+mn-lt"/>
               </a:rPr>
               <a:t>num_rows</a:t>
             </a:r>
             <a:r>
-              <a:rPr lang="en-US" altLang="ko-KR" b="1" dirty="0" smtClean="0">
+              <a:rPr lang="en-US" altLang="ko-KR" b="1" dirty="0">
                 <a:latin typeface="+mn-lt"/>
               </a:rPr>
               <a:t>]*x[</a:t>
             </a:r>
             <a:r>
-              <a:rPr lang="en-US" altLang="ko-KR" b="1" dirty="0" err="1" smtClean="0">
+              <a:rPr lang="en-US" altLang="ko-KR" b="1" dirty="0" err="1">
                 <a:latin typeface="+mn-lt"/>
               </a:rPr>
               <a:t>col_index</a:t>
             </a:r>
             <a:r>
-              <a:rPr lang="en-US" altLang="ko-KR" b="1" dirty="0" smtClean="0">
+              <a:rPr lang="en-US" altLang="ko-KR" b="1" dirty="0">
                 <a:latin typeface="+mn-lt"/>
               </a:rPr>
               <a:t>[</a:t>
             </a:r>
             <a:r>
-              <a:rPr lang="en-US" altLang="ko-KR" b="1" dirty="0" err="1" smtClean="0">
+              <a:rPr lang="en-US" altLang="ko-KR" b="1" dirty="0" err="1">
                 <a:latin typeface="+mn-lt"/>
               </a:rPr>
-              <a:t>rwo+i</a:t>
-            </a:r>
-            <a:r>
-              <a:rPr lang="en-US" altLang="ko-KR" b="1" dirty="0" smtClean="0">
+              <a:t>row+i</a:t>
+            </a:r>
+            <a:r>
+              <a:rPr lang="en-US" altLang="ko-KR" b="1" dirty="0">
                 <a:latin typeface="+mn-lt"/>
               </a:rPr>
               <a:t>*</a:t>
             </a:r>
             <a:r>
-              <a:rPr lang="en-US" altLang="ko-KR" b="1" dirty="0" err="1" smtClean="0">
+              <a:rPr lang="en-US" altLang="ko-KR" b="1" dirty="0" err="1">
                 <a:latin typeface="+mn-lt"/>
               </a:rPr>
               <a:t>num</a:t>
             </a:r>
             <a:r>
-              <a:rPr lang="en-US" altLang="ko-KR" b="1" dirty="0" smtClean="0">
+              <a:rPr lang="en-US" altLang="ko-KR" b="1" dirty="0">
                 <a:latin typeface="+mn-lt"/>
               </a:rPr>
               <a:t>*rows]];</a:t>
@@ -10819,7 +11085,7 @@
               <a:buAutoNum type="arabicPeriod" startAt="4"/>
             </a:pPr>
             <a:r>
-              <a:rPr lang="en-US" altLang="ko-KR" b="1" dirty="0" smtClean="0">
+              <a:rPr lang="en-US" altLang="ko-KR" b="1" dirty="0">
                 <a:latin typeface="+mn-lt"/>
               </a:rPr>
               <a:t>}</a:t>
@@ -10830,19 +11096,19 @@
               <a:buAutoNum type="arabicPeriod" startAt="4"/>
             </a:pPr>
             <a:r>
-              <a:rPr lang="en-US" altLang="ko-KR" b="1" dirty="0" smtClean="0">
+              <a:rPr lang="en-US" altLang="ko-KR" b="1" dirty="0">
                 <a:latin typeface="+mn-lt"/>
               </a:rPr>
               <a:t>y[row]=</a:t>
             </a:r>
             <a:r>
-              <a:rPr lang="en-US" altLang="ko-KR" b="1" dirty="0" err="1" smtClean="0">
+              <a:rPr lang="en-US" altLang="ko-KR" b="1" dirty="0" err="1">
                 <a:latin typeface="+mn-lt"/>
               </a:rPr>
               <a:t>dop</a:t>
             </a:r>
             <a:r>
-              <a:rPr lang="en-US" altLang="ko-KR" b="1" dirty="0" smtClean="0">
+              <a:rPr lang="en-US" altLang="ko-KR" b="1" dirty="0">
                 <a:latin typeface="+mn-lt"/>
               </a:rPr>
               <a:t>;</a:t>
@@ -10853,7 +11119,7 @@
               <a:buAutoNum type="arabicPeriod" startAt="4"/>
             </a:pPr>
             <a:r>
-              <a:rPr lang="en-US" altLang="ko-KR" b="1" dirty="0" smtClean="0">
+              <a:rPr lang="en-US" altLang="ko-KR" b="1" dirty="0">
                 <a:latin typeface="+mn-lt"/>
               </a:rPr>
               <a:t>}</a:t>
@@ -10882,13 +11148,6 @@
   <p:clrMapOvr>
     <a:masterClrMapping/>
   </p:clrMapOvr>
-  <p:timing>
-    <p:tnLst>
-      <p:par>
-        <p:cTn id="1" dur="indefinite" restart="never" nodeType="tmRoot"/>
-      </p:par>
-    </p:tnLst>
-  </p:timing>
 </p:sld>
 </file>
 
@@ -10925,7 +11184,7 @@
           <a:lstStyle/>
           <a:p>
             <a:r>
-              <a:rPr lang="en-US" altLang="ko-KR" smtClean="0"/>
+              <a:rPr lang="en-US" altLang="ko-KR"/>
               <a:t>SpMV/ELL</a:t>
             </a:r>
             <a:endParaRPr lang="ko-KR" altLang="en-US"/>
@@ -10952,7 +11211,7 @@
               <a:buChar char="Ø"/>
             </a:pPr>
             <a:r>
-              <a:rPr lang="en-US" altLang="ko-KR" smtClean="0"/>
+              <a:rPr lang="en-US" altLang="ko-KR" sz="2400" dirty="0"/>
               <a:t>Regular form</a:t>
             </a:r>
           </a:p>
@@ -10962,7 +11221,7 @@
               <a:buChar char="Ø"/>
             </a:pPr>
             <a:r>
-              <a:rPr lang="en-US" altLang="ko-KR" smtClean="0"/>
+              <a:rPr lang="en-US" altLang="ko-KR" sz="2400" dirty="0"/>
               <a:t>No control divergence</a:t>
             </a:r>
           </a:p>
@@ -10972,27 +11231,60 @@
               <a:buChar char="Ø"/>
             </a:pPr>
             <a:r>
-              <a:rPr lang="en-US" altLang="ko-KR" smtClean="0"/>
+              <a:rPr lang="en-US" altLang="ko-KR" sz="2400" dirty="0"/>
               <a:t>Coalesced Memory Access</a:t>
             </a:r>
+          </a:p>
+          <a:p>
+            <a:pPr marL="0" indent="0">
+              <a:buNone/>
+            </a:pPr>
+            <a:r>
+              <a:rPr lang="en-US" altLang="ko-KR" sz="2400" dirty="0"/>
+              <a:t>- By eliminating control flow divergence and enabling memory coalescing, </a:t>
+            </a:r>
+            <a:r>
+              <a:rPr lang="en-US" altLang="ko-KR" sz="2400" dirty="0" err="1"/>
+              <a:t>SpMV</a:t>
+            </a:r>
+            <a:r>
+              <a:rPr lang="en-US" altLang="ko-KR" sz="2400" dirty="0"/>
+              <a:t>/ELL should run faster than </a:t>
+            </a:r>
+            <a:r>
+              <a:rPr lang="en-US" altLang="ko-KR" sz="2400" dirty="0" err="1"/>
+              <a:t>SpMV</a:t>
+            </a:r>
+            <a:r>
+              <a:rPr lang="en-US" altLang="ko-KR" sz="2400" dirty="0"/>
+              <a:t>/CSR.</a:t>
+            </a:r>
+          </a:p>
+          <a:p>
+            <a:pPr marL="0" indent="0">
+              <a:buNone/>
+            </a:pPr>
+            <a:endParaRPr lang="en-US" altLang="ko-KR" sz="2400" dirty="0"/>
           </a:p>
           <a:p>
             <a:pPr>
               <a:buFont typeface="Wingdings" pitchFamily="2" charset="2"/>
               <a:buChar char="Ø"/>
             </a:pPr>
-            <a:endParaRPr lang="en-US" altLang="ko-KR"/>
-          </a:p>
-          <a:p>
-            <a:pPr>
-              <a:buFont typeface="Wingdings" pitchFamily="2" charset="2"/>
-              <a:buChar char="Ø"/>
-            </a:pPr>
-            <a:r>
-              <a:rPr lang="en-US" altLang="ko-KR" smtClean="0"/>
+            <a:r>
+              <a:rPr lang="en-US" altLang="ko-KR" sz="2400" dirty="0"/>
               <a:t>Draw back:</a:t>
             </a:r>
-            <a:endParaRPr lang="ko-KR" altLang="en-US"/>
+          </a:p>
+          <a:p>
+            <a:pPr marL="0" indent="0">
+              <a:buNone/>
+            </a:pPr>
+            <a:r>
+              <a:rPr lang="en-US" altLang="ko-KR" sz="2400" dirty="0"/>
+              <a:t>- In situations where one or a small number of rows have an exceedingly large number of nonzero elements, the ELL format will result in excessive number of padded elements. These padded elements will require storage space, need to be fetched, and perform calculations despite their lack of influence on the final result.</a:t>
+            </a:r>
+            <a:endParaRPr lang="ko-KR" altLang="en-US" sz="2400" dirty="0"/>
           </a:p>
         </p:txBody>
       </p:sp>
@@ -11042,7 +11334,7 @@
           <a:lstStyle/>
           <a:p>
             <a:r>
-              <a:rPr lang="en-US" altLang="ko-KR" smtClean="0"/>
+              <a:rPr lang="en-US" altLang="ko-KR"/>
               <a:t>Sparse Matrix</a:t>
             </a:r>
             <a:endParaRPr lang="ko-KR" altLang="en-US"/>
@@ -11059,7 +11351,12 @@
             <p:ph idx="1"/>
           </p:nvPr>
         </p:nvSpPr>
-        <p:spPr/>
+        <p:spPr>
+          <a:xfrm>
+            <a:off x="457200" y="1600200"/>
+            <a:ext cx="8229600" cy="5257800"/>
+          </a:xfrm>
+        </p:spPr>
         <p:txBody>
           <a:bodyPr/>
           <a:lstStyle/>
@@ -11069,7 +11366,7 @@
               <a:buChar char="Ø"/>
             </a:pPr>
             <a:r>
-              <a:rPr lang="en-US" altLang="ko-KR" smtClean="0"/>
+              <a:rPr lang="en-US" altLang="ko-KR" dirty="0"/>
               <a:t>Sparse Matrix: </a:t>
             </a:r>
           </a:p>
@@ -11078,12 +11375,8 @@
               <a:buNone/>
             </a:pPr>
             <a:r>
-              <a:rPr lang="en-US" altLang="ko-KR"/>
-              <a:t>	</a:t>
-            </a:r>
-            <a:r>
-              <a:rPr lang="en-US" altLang="ko-KR" smtClean="0"/>
-              <a:t>the majority of elements are zero.</a:t>
+              <a:rPr lang="en-US" altLang="ko-KR" dirty="0"/>
+              <a:t>	the majority of elements are zero.</a:t>
             </a:r>
           </a:p>
           <a:p>
@@ -11092,8 +11385,16 @@
               <a:buChar char="Ø"/>
             </a:pPr>
             <a:r>
-              <a:rPr lang="en-US" altLang="ko-KR" smtClean="0"/>
-              <a:t>These zero elements are waste of memroy, time and energy.</a:t>
+              <a:rPr lang="en-US" altLang="ko-KR" dirty="0"/>
+              <a:t>These zero elements are waste of </a:t>
+            </a:r>
+            <a:r>
+              <a:rPr lang="en-US" altLang="ko-KR" dirty="0" err="1"/>
+              <a:t>memroy</a:t>
+            </a:r>
+            <a:r>
+              <a:rPr lang="en-US" altLang="ko-KR" dirty="0"/>
+              <a:t>, time and energy.</a:t>
             </a:r>
           </a:p>
           <a:p>
@@ -11102,7 +11403,7 @@
               <a:buChar char="Ø"/>
             </a:pPr>
             <a:r>
-              <a:rPr lang="en-US" altLang="ko-KR" smtClean="0"/>
+              <a:rPr lang="en-US" altLang="ko-KR" dirty="0"/>
               <a:t>Solution</a:t>
             </a:r>
           </a:p>
@@ -11112,7 +11413,7 @@
               <a:buChar char="u"/>
             </a:pPr>
             <a:r>
-              <a:rPr lang="en-US" altLang="ko-KR" smtClean="0"/>
+              <a:rPr lang="en-US" altLang="ko-KR" dirty="0"/>
               <a:t>Some type of compaction techniques with the cost of irregularity into the data representation.</a:t>
             </a:r>
           </a:p>
@@ -11122,8 +11423,8 @@
               <a:buChar char="u"/>
             </a:pPr>
             <a:r>
-              <a:rPr lang="en-US" altLang="ko-KR" smtClean="0"/>
-              <a:t>The irregularity can lead to underutilisation of memory bandwidth, control flow divergence, and load imbalance.</a:t>
+              <a:rPr lang="en-US" altLang="ko-KR" dirty="0"/>
+              <a:t>The irregularity can lead to underutilization of memory bandwidth, control flow divergence, and load imbalance.</a:t>
             </a:r>
           </a:p>
           <a:p>
@@ -11131,17 +11432,17 @@
               <a:buFont typeface="Wingdings" pitchFamily="2" charset="2"/>
               <a:buChar char="u"/>
             </a:pPr>
-            <a:endParaRPr lang="en-US" altLang="ko-KR" smtClean="0"/>
+            <a:endParaRPr lang="en-US" altLang="ko-KR" dirty="0"/>
           </a:p>
           <a:p>
             <a:pPr>
               <a:buFont typeface="Wingdings" pitchFamily="2" charset="2"/>
               <a:buChar char="Ø"/>
             </a:pPr>
-            <a:endParaRPr lang="en-US" altLang="ko-KR" smtClean="0"/>
-          </a:p>
-          <a:p>
-            <a:endParaRPr lang="ko-KR" altLang="en-US"/>
+            <a:endParaRPr lang="en-US" altLang="ko-KR" dirty="0"/>
+          </a:p>
+          <a:p>
+            <a:endParaRPr lang="ko-KR" altLang="en-US" dirty="0"/>
           </a:p>
         </p:txBody>
       </p:sp>
@@ -11191,7 +11492,7 @@
           <a:lstStyle/>
           <a:p>
             <a:r>
-              <a:rPr lang="en-US" altLang="ko-KR" dirty="0" smtClean="0"/>
+              <a:rPr lang="en-US" altLang="ko-KR" dirty="0"/>
               <a:t>Hybrid method to Control Padding</a:t>
             </a:r>
             <a:endParaRPr lang="ko-KR" altLang="en-US" dirty="0"/>
@@ -11214,13 +11515,13 @@
           <a:lstStyle/>
           <a:p>
             <a:r>
-              <a:rPr lang="en-US" altLang="ko-KR" sz="2800" dirty="0" smtClean="0"/>
+              <a:rPr lang="en-US" altLang="ko-KR" sz="2800" dirty="0"/>
               <a:t>Excessive padding in ELL is caused by one or small number of rows have an exceedingly large number of non-zero elements.</a:t>
             </a:r>
           </a:p>
           <a:p>
             <a:r>
-              <a:rPr lang="en-US" altLang="ko-KR" sz="2800" dirty="0" smtClean="0"/>
+              <a:rPr lang="en-US" altLang="ko-KR" sz="2800" dirty="0"/>
               <a:t>COO(coordinated) format:</a:t>
             </a:r>
           </a:p>
@@ -11230,11 +11531,7 @@
             </a:pPr>
             <a:r>
               <a:rPr lang="en-US" altLang="ko-KR" sz="2800" dirty="0"/>
-              <a:t>	</a:t>
-            </a:r>
-            <a:r>
-              <a:rPr lang="en-US" altLang="ko-KR" sz="2800" dirty="0" smtClean="0"/>
-              <a:t>It provides a mechanism to take away some 	elements from these rows.</a:t>
+              <a:t>	It provides a mechanism to take away some 	elements from these rows.</a:t>
             </a:r>
             <a:endParaRPr lang="ko-KR" altLang="en-US" sz="2800" dirty="0"/>
           </a:p>
@@ -11250,13 +11547,6 @@
   <p:clrMapOvr>
     <a:masterClrMapping/>
   </p:clrMapOvr>
-  <p:timing>
-    <p:tnLst>
-      <p:par>
-        <p:cTn id="1" dur="indefinite" restart="never" nodeType="tmRoot"/>
-      </p:par>
-    </p:tnLst>
-  </p:timing>
 </p:sld>
 </file>
 
@@ -11293,7 +11583,7 @@
           <a:lstStyle/>
           <a:p>
             <a:r>
-              <a:rPr lang="en-US" altLang="ko-KR" b="1" dirty="0" smtClean="0"/>
+              <a:rPr lang="en-US" altLang="ko-KR" b="1" dirty="0"/>
               <a:t>COO format</a:t>
             </a:r>
             <a:endParaRPr lang="ko-KR" altLang="en-US" b="1" dirty="0"/>
@@ -11325,13 +11615,55 @@
                 <a:tableStyleId>{5C22544A-7EE6-4342-B048-85BDC9FD1C3A}</a:tableStyleId>
               </a:tblPr>
               <a:tblGrid>
-                <a:gridCol w="771514"/>
-                <a:gridCol w="771514"/>
-                <a:gridCol w="771514"/>
-                <a:gridCol w="771514"/>
-                <a:gridCol w="771514"/>
-                <a:gridCol w="771514"/>
-                <a:gridCol w="771514"/>
+                <a:gridCol w="771514">
+                  <a:extLst>
+                    <a:ext uri="{9D8B030D-6E8A-4147-A177-3AD203B41FA5}">
+                      <a16:colId xmlns:a16="http://schemas.microsoft.com/office/drawing/2014/main" val="20000"/>
+                    </a:ext>
+                  </a:extLst>
+                </a:gridCol>
+                <a:gridCol w="771514">
+                  <a:extLst>
+                    <a:ext uri="{9D8B030D-6E8A-4147-A177-3AD203B41FA5}">
+                      <a16:colId xmlns:a16="http://schemas.microsoft.com/office/drawing/2014/main" val="20001"/>
+                    </a:ext>
+                  </a:extLst>
+                </a:gridCol>
+                <a:gridCol w="771514">
+                  <a:extLst>
+                    <a:ext uri="{9D8B030D-6E8A-4147-A177-3AD203B41FA5}">
+                      <a16:colId xmlns:a16="http://schemas.microsoft.com/office/drawing/2014/main" val="20002"/>
+                    </a:ext>
+                  </a:extLst>
+                </a:gridCol>
+                <a:gridCol w="771514">
+                  <a:extLst>
+                    <a:ext uri="{9D8B030D-6E8A-4147-A177-3AD203B41FA5}">
+                      <a16:colId xmlns:a16="http://schemas.microsoft.com/office/drawing/2014/main" val="20003"/>
+                    </a:ext>
+                  </a:extLst>
+                </a:gridCol>
+                <a:gridCol w="771514">
+                  <a:extLst>
+                    <a:ext uri="{9D8B030D-6E8A-4147-A177-3AD203B41FA5}">
+                      <a16:colId xmlns:a16="http://schemas.microsoft.com/office/drawing/2014/main" val="20004"/>
+                    </a:ext>
+                  </a:extLst>
+                </a:gridCol>
+                <a:gridCol w="771514">
+                  <a:extLst>
+                    <a:ext uri="{9D8B030D-6E8A-4147-A177-3AD203B41FA5}">
+                      <a16:colId xmlns:a16="http://schemas.microsoft.com/office/drawing/2014/main" val="20005"/>
+                    </a:ext>
+                  </a:extLst>
+                </a:gridCol>
+                <a:gridCol w="771514">
+                  <a:extLst>
+                    <a:ext uri="{9D8B030D-6E8A-4147-A177-3AD203B41FA5}">
+                      <a16:colId xmlns:a16="http://schemas.microsoft.com/office/drawing/2014/main" val="20006"/>
+                    </a:ext>
+                  </a:extLst>
+                </a:gridCol>
               </a:tblGrid>
               <a:tr h="360040">
                 <a:tc>
@@ -11341,7 +11673,7 @@
                     <a:p>
                       <a:pPr latinLnBrk="1"/>
                       <a:r>
-                        <a:rPr lang="en-US" altLang="ko-KR" dirty="0" smtClean="0"/>
+                        <a:rPr lang="en-US" altLang="ko-KR" dirty="0"/>
                         <a:t>1</a:t>
                       </a:r>
                       <a:endParaRPr lang="ko-KR" altLang="en-US" dirty="0"/>
@@ -11360,7 +11692,7 @@
                     <a:p>
                       <a:pPr latinLnBrk="1"/>
                       <a:r>
-                        <a:rPr lang="en-US" altLang="ko-KR" dirty="0" smtClean="0"/>
+                        <a:rPr lang="en-US" altLang="ko-KR" dirty="0"/>
                         <a:t>2</a:t>
                       </a:r>
                       <a:endParaRPr lang="ko-KR" altLang="en-US" dirty="0"/>
@@ -11379,7 +11711,7 @@
                     <a:p>
                       <a:pPr latinLnBrk="1"/>
                       <a:r>
-                        <a:rPr lang="en-US" altLang="ko-KR" dirty="0" smtClean="0"/>
+                        <a:rPr lang="en-US" altLang="ko-KR" dirty="0"/>
                         <a:t>3</a:t>
                       </a:r>
                       <a:endParaRPr lang="ko-KR" altLang="en-US" dirty="0"/>
@@ -11398,7 +11730,7 @@
                     <a:p>
                       <a:pPr latinLnBrk="1"/>
                       <a:r>
-                        <a:rPr lang="en-US" altLang="ko-KR" dirty="0" smtClean="0"/>
+                        <a:rPr lang="en-US" altLang="ko-KR" dirty="0"/>
                         <a:t>4</a:t>
                       </a:r>
                       <a:endParaRPr lang="ko-KR" altLang="en-US" dirty="0"/>
@@ -11417,7 +11749,7 @@
                     <a:p>
                       <a:pPr latinLnBrk="1"/>
                       <a:r>
-                        <a:rPr lang="en-US" altLang="ko-KR" dirty="0" smtClean="0"/>
+                        <a:rPr lang="en-US" altLang="ko-KR" dirty="0"/>
                         <a:t>5</a:t>
                       </a:r>
                       <a:endParaRPr lang="ko-KR" altLang="en-US" dirty="0"/>
@@ -11436,7 +11768,7 @@
                     <a:p>
                       <a:pPr latinLnBrk="1"/>
                       <a:r>
-                        <a:rPr lang="en-US" altLang="ko-KR" dirty="0" smtClean="0"/>
+                        <a:rPr lang="en-US" altLang="ko-KR" dirty="0"/>
                         <a:t>6</a:t>
                       </a:r>
                       <a:endParaRPr lang="ko-KR" altLang="en-US" dirty="0"/>
@@ -11455,7 +11787,7 @@
                     <a:p>
                       <a:pPr latinLnBrk="1"/>
                       <a:r>
-                        <a:rPr lang="en-US" altLang="ko-KR" dirty="0" smtClean="0"/>
+                        <a:rPr lang="en-US" altLang="ko-KR" dirty="0"/>
                         <a:t>7</a:t>
                       </a:r>
                       <a:endParaRPr lang="ko-KR" altLang="en-US" dirty="0"/>
@@ -11467,6 +11799,11 @@
                     </a:solidFill>
                   </a:tcPr>
                 </a:tc>
+                <a:extLst>
+                  <a:ext uri="{0D108BD9-81ED-4DB2-BD59-A6C34878D82A}">
+                    <a16:rowId xmlns:a16="http://schemas.microsoft.com/office/drawing/2014/main" val="10000"/>
+                  </a:ext>
+                </a:extLst>
               </a:tr>
               <a:tr h="360040">
                 <a:tc>
@@ -11476,7 +11813,7 @@
                     <a:p>
                       <a:pPr latinLnBrk="1"/>
                       <a:r>
-                        <a:rPr lang="en-US" altLang="ko-KR" dirty="0" smtClean="0"/>
+                        <a:rPr lang="en-US" altLang="ko-KR" dirty="0"/>
                         <a:t>0</a:t>
                       </a:r>
                       <a:endParaRPr lang="ko-KR" altLang="en-US" dirty="0"/>
@@ -11495,7 +11832,7 @@
                     <a:p>
                       <a:pPr latinLnBrk="1"/>
                       <a:r>
-                        <a:rPr lang="en-US" altLang="ko-KR" dirty="0" smtClean="0"/>
+                        <a:rPr lang="en-US" altLang="ko-KR" dirty="0"/>
                         <a:t>2</a:t>
                       </a:r>
                       <a:endParaRPr lang="ko-KR" altLang="en-US" dirty="0"/>
@@ -11514,7 +11851,7 @@
                     <a:p>
                       <a:pPr latinLnBrk="1"/>
                       <a:r>
-                        <a:rPr lang="en-US" altLang="ko-KR" dirty="0" smtClean="0"/>
+                        <a:rPr lang="en-US" altLang="ko-KR" dirty="0"/>
                         <a:t>1</a:t>
                       </a:r>
                       <a:endParaRPr lang="ko-KR" altLang="en-US" dirty="0"/>
@@ -11533,7 +11870,7 @@
                     <a:p>
                       <a:pPr latinLnBrk="1"/>
                       <a:r>
-                        <a:rPr lang="en-US" altLang="ko-KR" dirty="0" smtClean="0"/>
+                        <a:rPr lang="en-US" altLang="ko-KR" dirty="0"/>
                         <a:t>2</a:t>
                       </a:r>
                       <a:endParaRPr lang="ko-KR" altLang="en-US" dirty="0"/>
@@ -11552,7 +11889,7 @@
                     <a:p>
                       <a:pPr latinLnBrk="1"/>
                       <a:r>
-                        <a:rPr lang="en-US" altLang="ko-KR" dirty="0" smtClean="0"/>
+                        <a:rPr lang="en-US" altLang="ko-KR" dirty="0"/>
                         <a:t>3</a:t>
                       </a:r>
                       <a:endParaRPr lang="ko-KR" altLang="en-US" dirty="0"/>
@@ -11571,7 +11908,7 @@
                     <a:p>
                       <a:pPr latinLnBrk="1"/>
                       <a:r>
-                        <a:rPr lang="en-US" altLang="ko-KR" dirty="0" smtClean="0"/>
+                        <a:rPr lang="en-US" altLang="ko-KR" dirty="0"/>
                         <a:t>0</a:t>
                       </a:r>
                       <a:endParaRPr lang="ko-KR" altLang="en-US" dirty="0"/>
@@ -11590,7 +11927,7 @@
                     <a:p>
                       <a:pPr latinLnBrk="1"/>
                       <a:r>
-                        <a:rPr lang="en-US" altLang="ko-KR" dirty="0" smtClean="0"/>
+                        <a:rPr lang="en-US" altLang="ko-KR" dirty="0"/>
                         <a:t>3</a:t>
                       </a:r>
                       <a:endParaRPr lang="ko-KR" altLang="en-US" dirty="0"/>
@@ -11602,6 +11939,11 @@
                     </a:solidFill>
                   </a:tcPr>
                 </a:tc>
+                <a:extLst>
+                  <a:ext uri="{0D108BD9-81ED-4DB2-BD59-A6C34878D82A}">
+                    <a16:rowId xmlns:a16="http://schemas.microsoft.com/office/drawing/2014/main" val="10001"/>
+                  </a:ext>
+                </a:extLst>
               </a:tr>
             </a:tbl>
           </a:graphicData>
@@ -11630,7 +11972,7 @@
           <a:lstStyle/>
           <a:p>
             <a:r>
-              <a:rPr lang="en-US" altLang="ko-KR" dirty="0" smtClean="0"/>
+              <a:rPr lang="en-US" altLang="ko-KR" dirty="0"/>
               <a:t>row3</a:t>
             </a:r>
             <a:endParaRPr lang="ko-KR" altLang="en-US" dirty="0"/>
@@ -11660,7 +12002,7 @@
           <a:lstStyle/>
           <a:p>
             <a:r>
-              <a:rPr lang="en-US" altLang="ko-KR" b="1" dirty="0" smtClean="0">
+              <a:rPr lang="en-US" altLang="ko-KR" b="1" dirty="0">
                 <a:latin typeface="+mn-lt"/>
               </a:rPr>
               <a:t>data[]</a:t>
@@ -11694,7 +12036,7 @@
           <a:lstStyle/>
           <a:p>
             <a:r>
-              <a:rPr lang="en-US" altLang="ko-KR" dirty="0" smtClean="0"/>
+              <a:rPr lang="en-US" altLang="ko-KR" dirty="0"/>
               <a:t>row 2</a:t>
             </a:r>
             <a:endParaRPr lang="ko-KR" altLang="en-US" dirty="0"/>
@@ -11724,7 +12066,7 @@
           <a:lstStyle/>
           <a:p>
             <a:r>
-              <a:rPr lang="en-US" altLang="ko-KR" dirty="0" smtClean="0"/>
+              <a:rPr lang="en-US" altLang="ko-KR" dirty="0"/>
               <a:t>row 1</a:t>
             </a:r>
             <a:endParaRPr lang="ko-KR" altLang="en-US" dirty="0"/>
@@ -11754,13 +12096,13 @@
           <a:lstStyle/>
           <a:p>
             <a:r>
-              <a:rPr lang="en-US" altLang="ko-KR" b="1" dirty="0" err="1" smtClean="0">
+              <a:rPr lang="en-US" altLang="ko-KR" b="1" dirty="0" err="1">
                 <a:latin typeface="+mn-lt"/>
               </a:rPr>
               <a:t>col_index</a:t>
             </a:r>
             <a:r>
-              <a:rPr lang="en-US" altLang="ko-KR" b="1" dirty="0" smtClean="0">
+              <a:rPr lang="en-US" altLang="ko-KR" b="1" dirty="0">
                 <a:latin typeface="+mn-lt"/>
               </a:rPr>
               <a:t>[]</a:t>
@@ -11796,13 +12138,55 @@
                 <a:tableStyleId>{5C22544A-7EE6-4342-B048-85BDC9FD1C3A}</a:tableStyleId>
               </a:tblPr>
               <a:tblGrid>
-                <a:gridCol w="781801"/>
-                <a:gridCol w="781801"/>
-                <a:gridCol w="781801"/>
-                <a:gridCol w="781801"/>
-                <a:gridCol w="781801"/>
-                <a:gridCol w="781801"/>
-                <a:gridCol w="781801"/>
+                <a:gridCol w="781801">
+                  <a:extLst>
+                    <a:ext uri="{9D8B030D-6E8A-4147-A177-3AD203B41FA5}">
+                      <a16:colId xmlns:a16="http://schemas.microsoft.com/office/drawing/2014/main" val="20000"/>
+                    </a:ext>
+                  </a:extLst>
+                </a:gridCol>
+                <a:gridCol w="781801">
+                  <a:extLst>
+                    <a:ext uri="{9D8B030D-6E8A-4147-A177-3AD203B41FA5}">
+                      <a16:colId xmlns:a16="http://schemas.microsoft.com/office/drawing/2014/main" val="20001"/>
+                    </a:ext>
+                  </a:extLst>
+                </a:gridCol>
+                <a:gridCol w="781801">
+                  <a:extLst>
+                    <a:ext uri="{9D8B030D-6E8A-4147-A177-3AD203B41FA5}">
+                      <a16:colId xmlns:a16="http://schemas.microsoft.com/office/drawing/2014/main" val="20002"/>
+                    </a:ext>
+                  </a:extLst>
+                </a:gridCol>
+                <a:gridCol w="781801">
+                  <a:extLst>
+                    <a:ext uri="{9D8B030D-6E8A-4147-A177-3AD203B41FA5}">
+                      <a16:colId xmlns:a16="http://schemas.microsoft.com/office/drawing/2014/main" val="20003"/>
+                    </a:ext>
+                  </a:extLst>
+                </a:gridCol>
+                <a:gridCol w="781801">
+                  <a:extLst>
+                    <a:ext uri="{9D8B030D-6E8A-4147-A177-3AD203B41FA5}">
+                      <a16:colId xmlns:a16="http://schemas.microsoft.com/office/drawing/2014/main" val="20004"/>
+                    </a:ext>
+                  </a:extLst>
+                </a:gridCol>
+                <a:gridCol w="781801">
+                  <a:extLst>
+                    <a:ext uri="{9D8B030D-6E8A-4147-A177-3AD203B41FA5}">
+                      <a16:colId xmlns:a16="http://schemas.microsoft.com/office/drawing/2014/main" val="20005"/>
+                    </a:ext>
+                  </a:extLst>
+                </a:gridCol>
+                <a:gridCol w="781801">
+                  <a:extLst>
+                    <a:ext uri="{9D8B030D-6E8A-4147-A177-3AD203B41FA5}">
+                      <a16:colId xmlns:a16="http://schemas.microsoft.com/office/drawing/2014/main" val="20006"/>
+                    </a:ext>
+                  </a:extLst>
+                </a:gridCol>
               </a:tblGrid>
               <a:tr h="360040">
                 <a:tc>
@@ -11812,7 +12196,7 @@
                     <a:p>
                       <a:pPr latinLnBrk="1"/>
                       <a:r>
-                        <a:rPr lang="en-US" altLang="ko-KR" dirty="0" smtClean="0"/>
+                        <a:rPr lang="en-US" altLang="ko-KR" dirty="0"/>
                         <a:t>0</a:t>
                       </a:r>
                       <a:endParaRPr lang="ko-KR" altLang="en-US" dirty="0"/>
@@ -11831,7 +12215,7 @@
                     <a:p>
                       <a:pPr latinLnBrk="1"/>
                       <a:r>
-                        <a:rPr lang="en-US" altLang="ko-KR" dirty="0" smtClean="0"/>
+                        <a:rPr lang="en-US" altLang="ko-KR" dirty="0"/>
                         <a:t>0</a:t>
                       </a:r>
                       <a:endParaRPr lang="ko-KR" altLang="en-US" dirty="0"/>
@@ -11850,7 +12234,7 @@
                     <a:p>
                       <a:pPr latinLnBrk="1"/>
                       <a:r>
-                        <a:rPr lang="en-US" altLang="ko-KR" dirty="0" smtClean="0"/>
+                        <a:rPr lang="en-US" altLang="ko-KR" dirty="0"/>
                         <a:t>2</a:t>
                       </a:r>
                       <a:endParaRPr lang="ko-KR" altLang="en-US" dirty="0"/>
@@ -11869,7 +12253,7 @@
                     <a:p>
                       <a:pPr latinLnBrk="1"/>
                       <a:r>
-                        <a:rPr lang="en-US" altLang="ko-KR" dirty="0" smtClean="0"/>
+                        <a:rPr lang="en-US" altLang="ko-KR" dirty="0"/>
                         <a:t>2</a:t>
                       </a:r>
                       <a:endParaRPr lang="ko-KR" altLang="en-US" dirty="0"/>
@@ -11888,7 +12272,7 @@
                     <a:p>
                       <a:pPr latinLnBrk="1"/>
                       <a:r>
-                        <a:rPr lang="en-US" altLang="ko-KR" dirty="0" smtClean="0"/>
+                        <a:rPr lang="en-US" altLang="ko-KR" dirty="0"/>
                         <a:t>2</a:t>
                       </a:r>
                       <a:endParaRPr lang="ko-KR" altLang="en-US" dirty="0"/>
@@ -11907,7 +12291,7 @@
                     <a:p>
                       <a:pPr latinLnBrk="1"/>
                       <a:r>
-                        <a:rPr lang="en-US" altLang="ko-KR" dirty="0" smtClean="0"/>
+                        <a:rPr lang="en-US" altLang="ko-KR" dirty="0"/>
                         <a:t>3</a:t>
                       </a:r>
                       <a:endParaRPr lang="ko-KR" altLang="en-US" dirty="0"/>
@@ -11926,7 +12310,7 @@
                     <a:p>
                       <a:pPr latinLnBrk="1"/>
                       <a:r>
-                        <a:rPr lang="en-US" altLang="ko-KR" dirty="0" smtClean="0"/>
+                        <a:rPr lang="en-US" altLang="ko-KR" dirty="0"/>
                         <a:t>3</a:t>
                       </a:r>
                       <a:endParaRPr lang="ko-KR" altLang="en-US" dirty="0"/>
@@ -11938,6 +12322,11 @@
                     </a:solidFill>
                   </a:tcPr>
                 </a:tc>
+                <a:extLst>
+                  <a:ext uri="{0D108BD9-81ED-4DB2-BD59-A6C34878D82A}">
+                    <a16:rowId xmlns:a16="http://schemas.microsoft.com/office/drawing/2014/main" val="10000"/>
+                  </a:ext>
+                </a:extLst>
               </a:tr>
             </a:tbl>
           </a:graphicData>
@@ -11966,13 +12355,13 @@
           <a:lstStyle/>
           <a:p>
             <a:r>
-              <a:rPr lang="en-US" altLang="ko-KR" b="1" dirty="0" err="1" smtClean="0">
+              <a:rPr lang="en-US" altLang="ko-KR" b="1" dirty="0" err="1">
                 <a:latin typeface="+mn-lt"/>
               </a:rPr>
               <a:t>row_index</a:t>
             </a:r>
             <a:r>
-              <a:rPr lang="en-US" altLang="ko-KR" b="1" dirty="0" smtClean="0">
+              <a:rPr lang="en-US" altLang="ko-KR" b="1" dirty="0">
                 <a:latin typeface="+mn-lt"/>
               </a:rPr>
               <a:t>[]</a:t>
@@ -11993,13 +12382,6 @@
   <p:clrMapOvr>
     <a:masterClrMapping/>
   </p:clrMapOvr>
-  <p:timing>
-    <p:tnLst>
-      <p:par>
-        <p:cTn id="1" dur="indefinite" restart="never" nodeType="tmRoot"/>
-      </p:par>
-    </p:tnLst>
-  </p:timing>
 </p:sld>
 </file>
 
@@ -12036,7 +12418,7 @@
           <a:lstStyle/>
           <a:p>
             <a:r>
-              <a:rPr lang="en-US" altLang="ko-KR" dirty="0" smtClean="0"/>
+              <a:rPr lang="en-US" altLang="ko-KR" dirty="0"/>
               <a:t>ELL + COO Hybrid Format</a:t>
             </a:r>
             <a:endParaRPr lang="ko-KR" altLang="en-US" dirty="0"/>
@@ -12172,15 +12554,7 @@
             </a:pPr>
             <a:r>
               <a:rPr lang="en-US" altLang="ko-KR" dirty="0"/>
-              <a:t>row0:  1 2 </a:t>
-            </a:r>
-            <a:r>
-              <a:rPr lang="en-US" altLang="ko-KR" dirty="0" smtClean="0"/>
-              <a:t>     </a:t>
-            </a:r>
-            <a:r>
-              <a:rPr lang="en-US" altLang="ko-KR" dirty="0"/>
-              <a:t>0 2 </a:t>
+              <a:t>row0:  1 2      0 2 </a:t>
             </a:r>
           </a:p>
           <a:p>
@@ -12189,15 +12563,7 @@
             </a:pPr>
             <a:r>
               <a:rPr lang="en-US" altLang="ko-KR" dirty="0"/>
-              <a:t>row1:  * * </a:t>
-            </a:r>
-            <a:r>
-              <a:rPr lang="en-US" altLang="ko-KR" dirty="0" smtClean="0"/>
-              <a:t>     </a:t>
-            </a:r>
-            <a:r>
-              <a:rPr lang="en-US" altLang="ko-KR" dirty="0"/>
-              <a:t>* * </a:t>
+              <a:t>row1:  * *      * * </a:t>
             </a:r>
           </a:p>
           <a:p>
@@ -12206,15 +12572,7 @@
             </a:pPr>
             <a:r>
               <a:rPr lang="en-US" altLang="ko-KR" dirty="0"/>
-              <a:t>row2:  3 4 </a:t>
-            </a:r>
-            <a:r>
-              <a:rPr lang="en-US" altLang="ko-KR" dirty="0" smtClean="0"/>
-              <a:t>     </a:t>
-            </a:r>
-            <a:r>
-              <a:rPr lang="en-US" altLang="ko-KR" dirty="0"/>
-              <a:t>1 2 </a:t>
+              <a:t>row2:  3 4      1 2 </a:t>
             </a:r>
           </a:p>
           <a:p>
@@ -12223,15 +12581,7 @@
             </a:pPr>
             <a:r>
               <a:rPr lang="en-US" altLang="ko-KR" dirty="0"/>
-              <a:t>row3:  6 7 </a:t>
-            </a:r>
-            <a:r>
-              <a:rPr lang="en-US" altLang="ko-KR" dirty="0" smtClean="0"/>
-              <a:t>     0 </a:t>
-            </a:r>
-            <a:r>
-              <a:rPr lang="en-US" altLang="ko-KR" dirty="0"/>
-              <a:t>3 </a:t>
+              <a:t>row3:  6 7      0 3 </a:t>
             </a:r>
           </a:p>
           <a:p>
@@ -12267,14 +12617,62 @@
                 <a:tableStyleId>{5C22544A-7EE6-4342-B048-85BDC9FD1C3A}</a:tableStyleId>
               </a:tblPr>
               <a:tblGrid>
-                <a:gridCol w="762000"/>
-                <a:gridCol w="762000"/>
-                <a:gridCol w="762000"/>
-                <a:gridCol w="762000"/>
-                <a:gridCol w="762000"/>
-                <a:gridCol w="762000"/>
-                <a:gridCol w="762000"/>
-                <a:gridCol w="762000"/>
+                <a:gridCol w="762000">
+                  <a:extLst>
+                    <a:ext uri="{9D8B030D-6E8A-4147-A177-3AD203B41FA5}">
+                      <a16:colId xmlns:a16="http://schemas.microsoft.com/office/drawing/2014/main" val="20000"/>
+                    </a:ext>
+                  </a:extLst>
+                </a:gridCol>
+                <a:gridCol w="762000">
+                  <a:extLst>
+                    <a:ext uri="{9D8B030D-6E8A-4147-A177-3AD203B41FA5}">
+                      <a16:colId xmlns:a16="http://schemas.microsoft.com/office/drawing/2014/main" val="20001"/>
+                    </a:ext>
+                  </a:extLst>
+                </a:gridCol>
+                <a:gridCol w="762000">
+                  <a:extLst>
+                    <a:ext uri="{9D8B030D-6E8A-4147-A177-3AD203B41FA5}">
+                      <a16:colId xmlns:a16="http://schemas.microsoft.com/office/drawing/2014/main" val="20002"/>
+                    </a:ext>
+                  </a:extLst>
+                </a:gridCol>
+                <a:gridCol w="762000">
+                  <a:extLst>
+                    <a:ext uri="{9D8B030D-6E8A-4147-A177-3AD203B41FA5}">
+                      <a16:colId xmlns:a16="http://schemas.microsoft.com/office/drawing/2014/main" val="20003"/>
+                    </a:ext>
+                  </a:extLst>
+                </a:gridCol>
+                <a:gridCol w="762000">
+                  <a:extLst>
+                    <a:ext uri="{9D8B030D-6E8A-4147-A177-3AD203B41FA5}">
+                      <a16:colId xmlns:a16="http://schemas.microsoft.com/office/drawing/2014/main" val="20004"/>
+                    </a:ext>
+                  </a:extLst>
+                </a:gridCol>
+                <a:gridCol w="762000">
+                  <a:extLst>
+                    <a:ext uri="{9D8B030D-6E8A-4147-A177-3AD203B41FA5}">
+                      <a16:colId xmlns:a16="http://schemas.microsoft.com/office/drawing/2014/main" val="20005"/>
+                    </a:ext>
+                  </a:extLst>
+                </a:gridCol>
+                <a:gridCol w="762000">
+                  <a:extLst>
+                    <a:ext uri="{9D8B030D-6E8A-4147-A177-3AD203B41FA5}">
+                      <a16:colId xmlns:a16="http://schemas.microsoft.com/office/drawing/2014/main" val="20006"/>
+                    </a:ext>
+                  </a:extLst>
+                </a:gridCol>
+                <a:gridCol w="762000">
+                  <a:extLst>
+                    <a:ext uri="{9D8B030D-6E8A-4147-A177-3AD203B41FA5}">
+                      <a16:colId xmlns:a16="http://schemas.microsoft.com/office/drawing/2014/main" val="20007"/>
+                    </a:ext>
+                  </a:extLst>
+                </a:gridCol>
               </a:tblGrid>
               <a:tr h="370840">
                 <a:tc>
@@ -12284,7 +12682,7 @@
                     <a:p>
                       <a:pPr latinLnBrk="1"/>
                       <a:r>
-                        <a:rPr lang="en-US" altLang="ko-KR" dirty="0" smtClean="0"/>
+                        <a:rPr lang="en-US" altLang="ko-KR" dirty="0"/>
                         <a:t>1</a:t>
                       </a:r>
                       <a:endParaRPr lang="ko-KR" altLang="en-US" dirty="0"/>
@@ -12303,7 +12701,7 @@
                     <a:p>
                       <a:pPr latinLnBrk="1"/>
                       <a:r>
-                        <a:rPr lang="en-US" altLang="ko-KR" dirty="0" smtClean="0"/>
+                        <a:rPr lang="en-US" altLang="ko-KR" dirty="0"/>
                         <a:t>*</a:t>
                       </a:r>
                       <a:endParaRPr lang="ko-KR" altLang="en-US" dirty="0"/>
@@ -12322,7 +12720,7 @@
                     <a:p>
                       <a:pPr latinLnBrk="1"/>
                       <a:r>
-                        <a:rPr lang="en-US" altLang="ko-KR" dirty="0" smtClean="0"/>
+                        <a:rPr lang="en-US" altLang="ko-KR" dirty="0"/>
                         <a:t>3</a:t>
                       </a:r>
                       <a:endParaRPr lang="ko-KR" altLang="en-US" dirty="0"/>
@@ -12341,7 +12739,7 @@
                     <a:p>
                       <a:pPr latinLnBrk="1"/>
                       <a:r>
-                        <a:rPr lang="en-US" altLang="ko-KR" dirty="0" smtClean="0"/>
+                        <a:rPr lang="en-US" altLang="ko-KR" dirty="0"/>
                         <a:t>6</a:t>
                       </a:r>
                       <a:endParaRPr lang="ko-KR" altLang="en-US" dirty="0"/>
@@ -12360,7 +12758,7 @@
                     <a:p>
                       <a:pPr latinLnBrk="1"/>
                       <a:r>
-                        <a:rPr lang="en-US" altLang="ko-KR" dirty="0" smtClean="0"/>
+                        <a:rPr lang="en-US" altLang="ko-KR" dirty="0"/>
                         <a:t>2</a:t>
                       </a:r>
                       <a:endParaRPr lang="ko-KR" altLang="en-US" dirty="0"/>
@@ -12375,7 +12773,7 @@
                     <a:p>
                       <a:pPr latinLnBrk="1"/>
                       <a:r>
-                        <a:rPr lang="en-US" altLang="ko-KR" dirty="0" smtClean="0"/>
+                        <a:rPr lang="en-US" altLang="ko-KR" dirty="0"/>
                         <a:t>*</a:t>
                       </a:r>
                       <a:endParaRPr lang="ko-KR" altLang="en-US" dirty="0"/>
@@ -12390,7 +12788,7 @@
                     <a:p>
                       <a:pPr latinLnBrk="1"/>
                       <a:r>
-                        <a:rPr lang="en-US" altLang="ko-KR" dirty="0" smtClean="0"/>
+                        <a:rPr lang="en-US" altLang="ko-KR" dirty="0"/>
                         <a:t>4</a:t>
                       </a:r>
                       <a:endParaRPr lang="ko-KR" altLang="en-US" dirty="0"/>
@@ -12405,7 +12803,7 @@
                     <a:p>
                       <a:pPr latinLnBrk="1"/>
                       <a:r>
-                        <a:rPr lang="en-US" altLang="ko-KR" dirty="0" smtClean="0"/>
+                        <a:rPr lang="en-US" altLang="ko-KR" dirty="0"/>
                         <a:t>7</a:t>
                       </a:r>
                       <a:endParaRPr lang="ko-KR" altLang="en-US" dirty="0"/>
@@ -12413,6 +12811,11 @@
                   </a:txBody>
                   <a:tcPr/>
                 </a:tc>
+                <a:extLst>
+                  <a:ext uri="{0D108BD9-81ED-4DB2-BD59-A6C34878D82A}">
+                    <a16:rowId xmlns:a16="http://schemas.microsoft.com/office/drawing/2014/main" val="10000"/>
+                  </a:ext>
+                </a:extLst>
               </a:tr>
               <a:tr h="370840">
                 <a:tc>
@@ -12422,7 +12825,7 @@
                     <a:p>
                       <a:pPr latinLnBrk="1"/>
                       <a:r>
-                        <a:rPr lang="en-US" altLang="ko-KR" dirty="0" smtClean="0"/>
+                        <a:rPr lang="en-US" altLang="ko-KR" dirty="0"/>
                         <a:t>0</a:t>
                       </a:r>
                       <a:endParaRPr lang="ko-KR" altLang="en-US" dirty="0"/>
@@ -12441,7 +12844,7 @@
                     <a:p>
                       <a:pPr latinLnBrk="1"/>
                       <a:r>
-                        <a:rPr lang="en-US" altLang="ko-KR" dirty="0" smtClean="0"/>
+                        <a:rPr lang="en-US" altLang="ko-KR" dirty="0"/>
                         <a:t>*</a:t>
                       </a:r>
                       <a:endParaRPr lang="ko-KR" altLang="en-US" dirty="0"/>
@@ -12460,7 +12863,7 @@
                     <a:p>
                       <a:pPr latinLnBrk="1"/>
                       <a:r>
-                        <a:rPr lang="en-US" altLang="ko-KR" dirty="0" smtClean="0"/>
+                        <a:rPr lang="en-US" altLang="ko-KR" dirty="0"/>
                         <a:t>1</a:t>
                       </a:r>
                       <a:endParaRPr lang="ko-KR" altLang="en-US" dirty="0"/>
@@ -12479,7 +12882,7 @@
                     <a:p>
                       <a:pPr latinLnBrk="1"/>
                       <a:r>
-                        <a:rPr lang="en-US" altLang="ko-KR" dirty="0" smtClean="0"/>
+                        <a:rPr lang="en-US" altLang="ko-KR" dirty="0"/>
                         <a:t>0</a:t>
                       </a:r>
                       <a:endParaRPr lang="ko-KR" altLang="en-US" dirty="0"/>
@@ -12498,7 +12901,7 @@
                     <a:p>
                       <a:pPr latinLnBrk="1"/>
                       <a:r>
-                        <a:rPr lang="en-US" altLang="ko-KR" dirty="0" smtClean="0"/>
+                        <a:rPr lang="en-US" altLang="ko-KR" dirty="0"/>
                         <a:t>2</a:t>
                       </a:r>
                       <a:endParaRPr lang="ko-KR" altLang="en-US" dirty="0"/>
@@ -12517,7 +12920,7 @@
                     <a:p>
                       <a:pPr latinLnBrk="1"/>
                       <a:r>
-                        <a:rPr lang="en-US" altLang="ko-KR" dirty="0" smtClean="0"/>
+                        <a:rPr lang="en-US" altLang="ko-KR" dirty="0"/>
                         <a:t>*</a:t>
                       </a:r>
                       <a:endParaRPr lang="ko-KR" altLang="en-US" dirty="0"/>
@@ -12536,7 +12939,7 @@
                     <a:p>
                       <a:pPr latinLnBrk="1"/>
                       <a:r>
-                        <a:rPr lang="en-US" altLang="ko-KR" dirty="0" smtClean="0"/>
+                        <a:rPr lang="en-US" altLang="ko-KR" dirty="0"/>
                         <a:t>2</a:t>
                       </a:r>
                       <a:endParaRPr lang="ko-KR" altLang="en-US" dirty="0"/>
@@ -12555,7 +12958,7 @@
                     <a:p>
                       <a:pPr latinLnBrk="1"/>
                       <a:r>
-                        <a:rPr lang="en-US" altLang="ko-KR" dirty="0" smtClean="0"/>
+                        <a:rPr lang="en-US" altLang="ko-KR" dirty="0"/>
                         <a:t>3</a:t>
                       </a:r>
                       <a:endParaRPr lang="ko-KR" altLang="en-US" dirty="0"/>
@@ -12567,6 +12970,11 @@
                     </a:solidFill>
                   </a:tcPr>
                 </a:tc>
+                <a:extLst>
+                  <a:ext uri="{0D108BD9-81ED-4DB2-BD59-A6C34878D82A}">
+                    <a16:rowId xmlns:a16="http://schemas.microsoft.com/office/drawing/2014/main" val="10001"/>
+                  </a:ext>
+                </a:extLst>
               </a:tr>
             </a:tbl>
           </a:graphicData>
@@ -12595,7 +13003,7 @@
           <a:lstStyle/>
           <a:p>
             <a:r>
-              <a:rPr lang="en-US" altLang="ko-KR" sz="3600" b="1" dirty="0" smtClean="0">
+              <a:rPr lang="en-US" altLang="ko-KR" sz="3600" b="1" dirty="0">
                 <a:latin typeface="+mn-lt"/>
               </a:rPr>
               <a:t>+</a:t>
@@ -12629,49 +13037,49 @@
           <a:lstStyle/>
           <a:p>
             <a:r>
-              <a:rPr lang="en-US" altLang="ko-KR" b="1" dirty="0" smtClean="0">
+              <a:rPr lang="en-US" altLang="ko-KR" b="1" dirty="0">
                 <a:latin typeface="+mn-lt"/>
               </a:rPr>
               <a:t>data 	    :</a:t>
             </a:r>
             <a:r>
-              <a:rPr lang="en-US" altLang="ko-KR" dirty="0" smtClean="0"/>
+              <a:rPr lang="en-US" altLang="ko-KR" dirty="0"/>
               <a:t>	5</a:t>
             </a:r>
           </a:p>
           <a:p>
             <a:r>
-              <a:rPr lang="en-US" altLang="ko-KR" b="1" dirty="0" err="1" smtClean="0">
+              <a:rPr lang="en-US" altLang="ko-KR" b="1" dirty="0" err="1">
                 <a:latin typeface="+mn-lt"/>
               </a:rPr>
               <a:t>col_index</a:t>
             </a:r>
             <a:r>
-              <a:rPr lang="en-US" altLang="ko-KR" b="1" dirty="0" smtClean="0">
+              <a:rPr lang="en-US" altLang="ko-KR" b="1" dirty="0">
                 <a:latin typeface="+mn-lt"/>
               </a:rPr>
               <a:t>   :</a:t>
             </a:r>
             <a:r>
-              <a:rPr lang="en-US" altLang="ko-KR" dirty="0" smtClean="0"/>
+              <a:rPr lang="en-US" altLang="ko-KR" dirty="0"/>
               <a:t>	3</a:t>
             </a:r>
           </a:p>
           <a:p>
             <a:r>
-              <a:rPr lang="en-US" altLang="ko-KR" b="1" dirty="0" err="1" smtClean="0">
+              <a:rPr lang="en-US" altLang="ko-KR" b="1" dirty="0" err="1">
                 <a:latin typeface="+mn-lt"/>
               </a:rPr>
               <a:t>row_index</a:t>
             </a:r>
             <a:r>
-              <a:rPr lang="en-US" altLang="ko-KR" dirty="0" smtClean="0">
+              <a:rPr lang="en-US" altLang="ko-KR" dirty="0">
                 <a:latin typeface="+mn-lt"/>
               </a:rPr>
               <a:t>  :</a:t>
             </a:r>
             <a:r>
-              <a:rPr lang="en-US" altLang="ko-KR" dirty="0" smtClean="0"/>
+              <a:rPr lang="en-US" altLang="ko-KR" dirty="0"/>
               <a:t>	2</a:t>
             </a:r>
             <a:endParaRPr lang="ko-KR" altLang="en-US" dirty="0"/>
@@ -12701,7 +13109,7 @@
           <a:lstStyle/>
           <a:p>
             <a:r>
-              <a:rPr lang="en-US" altLang="ko-KR" b="1" dirty="0" smtClean="0">
+              <a:rPr lang="en-US" altLang="ko-KR" b="1" dirty="0">
                 <a:latin typeface="+mn-lt"/>
               </a:rPr>
               <a:t>ELL Format:</a:t>
@@ -12735,7 +13143,7 @@
           <a:lstStyle/>
           <a:p>
             <a:r>
-              <a:rPr lang="en-US" altLang="ko-KR" b="1" dirty="0" smtClean="0">
+              <a:rPr lang="en-US" altLang="ko-KR" b="1" dirty="0">
                 <a:latin typeface="+mn-lt"/>
               </a:rPr>
               <a:t>COO Format:</a:t>
@@ -12992,13 +13400,6 @@
   <p:clrMapOvr>
     <a:masterClrMapping/>
   </p:clrMapOvr>
-  <p:timing>
-    <p:tnLst>
-      <p:par>
-        <p:cTn id="1" dur="indefinite" restart="never" nodeType="tmRoot"/>
-      </p:par>
-    </p:tnLst>
-  </p:timing>
 </p:sld>
 </file>
 
@@ -13058,26 +13459,30 @@
           <a:lstStyle/>
           <a:p>
             <a:r>
-              <a:rPr lang="en-US" altLang="ko-KR" sz="2800" dirty="0" smtClean="0"/>
-              <a:t>COO helps to regulate the amount of padding in an ELL representation, we </a:t>
-            </a:r>
-            <a:r>
-              <a:rPr lang="en-US" altLang="ko-KR" sz="2800" smtClean="0"/>
-              <a:t>can further </a:t>
-            </a:r>
-            <a:r>
-              <a:rPr lang="en-US" altLang="ko-KR" sz="2800" dirty="0" smtClean="0"/>
-              <a:t>reduce the padding over head by sorting and partitioning the rows of a sparse matrix.</a:t>
-            </a:r>
-          </a:p>
-          <a:p>
-            <a:r>
-              <a:rPr lang="en-US" altLang="ko-KR" sz="2800" dirty="0" smtClean="0"/>
+              <a:rPr lang="en-US" altLang="ko-KR" sz="2400" dirty="0"/>
+              <a:t>COO helps to regulate the amount of padding in an ELL representation, we can further reduce the padding over head by sorting and partitioning the rows of a sparse matrix.</a:t>
+            </a:r>
+          </a:p>
+          <a:p>
+            <a:r>
+              <a:rPr lang="en-US" altLang="ko-KR" sz="2400" dirty="0"/>
               <a:t>Sort the rows according to their length from the longest to the shortest.</a:t>
             </a:r>
           </a:p>
           <a:p>
-            <a:endParaRPr lang="en-US" altLang="ko-KR" sz="2800" dirty="0" smtClean="0"/>
+            <a:r>
+              <a:rPr lang="en-US" altLang="ko-KR" sz="2400" dirty="0"/>
+              <a:t>Once a sparse matrix is in the JDS format, we can partition the matrix into sections of rows. Since the rows have been sorted, all rows in a section will likely have similar numbers of nonzero elements. </a:t>
+            </a:r>
+          </a:p>
+          <a:p>
+            <a:r>
+              <a:rPr lang="en-US" altLang="ko-KR" sz="2400" dirty="0"/>
+              <a:t>We can then generate an ELL representation for each section. Within each section, we only need to pad the rows to match the row with the maximal number of elements in that section. This method would reduce the number of padded elements.</a:t>
+            </a:r>
+          </a:p>
+          <a:p>
+            <a:endParaRPr lang="en-US" altLang="ko-KR" sz="2800" dirty="0"/>
           </a:p>
           <a:p>
             <a:endParaRPr lang="ko-KR" altLang="en-US" dirty="0"/>
@@ -13094,13 +13499,6 @@
   <p:clrMapOvr>
     <a:masterClrMapping/>
   </p:clrMapOvr>
-  <p:timing>
-    <p:tnLst>
-      <p:par>
-        <p:cTn id="1" dur="indefinite" restart="never" nodeType="tmRoot"/>
-      </p:par>
-    </p:tnLst>
-  </p:timing>
 </p:sld>
 </file>
 
@@ -13932,13 +14330,6 @@
   <p:clrMapOvr>
     <a:masterClrMapping/>
   </p:clrMapOvr>
-  <p:timing>
-    <p:tnLst>
-      <p:par>
-        <p:cTn id="1" dur="indefinite" restart="never" nodeType="tmRoot"/>
-      </p:par>
-    </p:tnLst>
-  </p:timing>
 </p:sld>
 </file>
 
@@ -13980,14 +14371,14 @@
           <a:lstStyle/>
           <a:p>
             <a:r>
-              <a:rPr lang="en-US" altLang="ko-KR" sz="3200" dirty="0" smtClean="0"/>
+              <a:rPr lang="en-US" altLang="ko-KR" sz="3200" dirty="0"/>
               <a:t>Sorting and Partitioning for Regularization</a:t>
             </a:r>
             <a:br>
-              <a:rPr lang="en-US" altLang="ko-KR" sz="3200" dirty="0" smtClean="0"/>
+              <a:rPr lang="en-US" altLang="ko-KR" sz="3200" dirty="0"/>
             </a:br>
             <a:r>
-              <a:rPr lang="en-US" altLang="ko-KR" sz="3200" dirty="0" smtClean="0"/>
+              <a:rPr lang="en-US" altLang="ko-KR" sz="3200" dirty="0"/>
               <a:t>JDS(Jagged Diagonal Storage) format</a:t>
             </a:r>
             <a:endParaRPr lang="ko-KR" altLang="en-US" sz="3200" dirty="0"/>
@@ -14014,13 +14405,8 @@
             </a:pPr>
             <a:r>
               <a:rPr lang="en-US" altLang="ko-KR" sz="2400" dirty="0"/>
-              <a:t>row0:  1 2 </a:t>
-            </a:r>
-            <a:r>
-              <a:rPr lang="en-US" altLang="ko-KR" sz="2400" dirty="0" smtClean="0"/>
-              <a:t>0    </a:t>
-            </a:r>
-            <a:endParaRPr lang="en-US" altLang="ko-KR" sz="2400" dirty="0"/>
+              <a:t>row0:  1 2 0    </a:t>
+            </a:r>
           </a:p>
           <a:p>
             <a:pPr marL="0" indent="0">
@@ -14028,13 +14414,8 @@
             </a:pPr>
             <a:r>
               <a:rPr lang="en-US" altLang="ko-KR" sz="2400" dirty="0"/>
-              <a:t>row1:  </a:t>
-            </a:r>
-            <a:r>
-              <a:rPr lang="en-US" altLang="ko-KR" sz="2400" dirty="0" smtClean="0"/>
-              <a:t>0 0 0</a:t>
-            </a:r>
-            <a:endParaRPr lang="en-US" altLang="ko-KR" sz="2400" dirty="0"/>
+              <a:t>row1:  0 0 0</a:t>
+            </a:r>
           </a:p>
           <a:p>
             <a:pPr marL="0" indent="0">
@@ -14051,13 +14432,8 @@
             </a:pPr>
             <a:r>
               <a:rPr lang="en-US" altLang="ko-KR" sz="2400" dirty="0"/>
-              <a:t>row3:  6 7 </a:t>
-            </a:r>
-            <a:r>
-              <a:rPr lang="en-US" altLang="ko-KR" sz="2400" dirty="0" smtClean="0"/>
-              <a:t>0   </a:t>
-            </a:r>
-            <a:endParaRPr lang="en-US" altLang="ko-KR" sz="2400" dirty="0"/>
+              <a:t>row3:  6 7 0   </a:t>
+            </a:r>
           </a:p>
           <a:p>
             <a:pPr marL="0" indent="0">
@@ -14136,7 +14512,7 @@
           <a:lstStyle/>
           <a:p>
             <a:r>
-              <a:rPr lang="en-US" altLang="ko-KR" b="1" dirty="0" smtClean="0">
+              <a:rPr lang="en-US" altLang="ko-KR" b="1" dirty="0">
                 <a:latin typeface="+mn-lt"/>
               </a:rPr>
               <a:t>CSR</a:t>
@@ -14214,11 +14590,11 @@
               <a:buNone/>
             </a:pPr>
             <a:r>
-              <a:rPr lang="en-US" altLang="ko-KR" dirty="0" smtClean="0"/>
+              <a:rPr lang="en-US" altLang="ko-KR" dirty="0"/>
               <a:t>  </a:t>
             </a:r>
             <a:r>
-              <a:rPr lang="en-US" altLang="ko-KR" sz="2400" dirty="0" smtClean="0">
+              <a:rPr lang="en-US" altLang="ko-KR" sz="2400" dirty="0">
                 <a:latin typeface="+mn-lt"/>
               </a:rPr>
               <a:t>3 4 5</a:t>
@@ -14232,13 +14608,7 @@
               <a:rPr lang="en-US" altLang="ko-KR" sz="2400" dirty="0">
                 <a:latin typeface="+mn-lt"/>
               </a:rPr>
-              <a:t> </a:t>
-            </a:r>
-            <a:r>
-              <a:rPr lang="en-US" altLang="ko-KR" sz="2400" dirty="0" smtClean="0">
-                <a:latin typeface="+mn-lt"/>
-              </a:rPr>
-              <a:t> 1 2 0</a:t>
+              <a:t>  1 2 0</a:t>
             </a:r>
           </a:p>
           <a:p>
@@ -14249,13 +14619,7 @@
               <a:rPr lang="en-US" altLang="ko-KR" sz="2400" dirty="0">
                 <a:latin typeface="+mn-lt"/>
               </a:rPr>
-              <a:t> </a:t>
-            </a:r>
-            <a:r>
-              <a:rPr lang="en-US" altLang="ko-KR" sz="2400" dirty="0" smtClean="0">
-                <a:latin typeface="+mn-lt"/>
-              </a:rPr>
-              <a:t> 6 7 0</a:t>
+              <a:t>  6 7 0</a:t>
             </a:r>
           </a:p>
           <a:p>
@@ -14266,13 +14630,7 @@
               <a:rPr lang="en-US" altLang="ko-KR" sz="2400" dirty="0">
                 <a:latin typeface="+mn-lt"/>
               </a:rPr>
-              <a:t> </a:t>
-            </a:r>
-            <a:r>
-              <a:rPr lang="en-US" altLang="ko-KR" sz="2400" dirty="0" smtClean="0">
-                <a:latin typeface="+mn-lt"/>
-              </a:rPr>
-              <a:t> 0 0 0</a:t>
+              <a:t>  0 0 0</a:t>
             </a:r>
             <a:endParaRPr lang="ko-KR" altLang="en-US" sz="2400" dirty="0">
               <a:latin typeface="+mn-lt"/>
@@ -14352,7 +14710,7 @@
           <a:lstStyle/>
           <a:p>
             <a:r>
-              <a:rPr lang="en-US" altLang="ko-KR" b="1" dirty="0" smtClean="0">
+              <a:rPr lang="en-US" altLang="ko-KR" b="1" dirty="0">
                 <a:latin typeface="+mn-lt"/>
               </a:rPr>
               <a:t>JDS</a:t>
@@ -14386,7 +14744,7 @@
           <a:lstStyle/>
           <a:p>
             <a:r>
-              <a:rPr lang="en-US" altLang="ko-KR" dirty="0" smtClean="0">
+              <a:rPr lang="en-US" altLang="ko-KR" dirty="0">
                 <a:latin typeface="+mn-lt"/>
               </a:rPr>
               <a:t>Nonzero values data[7] 		{3,4,5,1,2,6,7}</a:t>
@@ -14394,19 +14752,19 @@
           </a:p>
           <a:p>
             <a:r>
-              <a:rPr lang="en-US" altLang="ko-KR" dirty="0" smtClean="0">
+              <a:rPr lang="en-US" altLang="ko-KR" dirty="0">
                 <a:latin typeface="+mn-lt"/>
               </a:rPr>
               <a:t>Column indices </a:t>
             </a:r>
             <a:r>
-              <a:rPr lang="en-US" altLang="ko-KR" dirty="0" err="1" smtClean="0">
+              <a:rPr lang="en-US" altLang="ko-KR" dirty="0" err="1">
                 <a:latin typeface="+mn-lt"/>
               </a:rPr>
               <a:t>col_index</a:t>
             </a:r>
             <a:r>
-              <a:rPr lang="en-US" altLang="ko-KR" dirty="0" smtClean="0">
+              <a:rPr lang="en-US" altLang="ko-KR" dirty="0">
                 <a:latin typeface="+mn-lt"/>
               </a:rPr>
               <a:t>[7]		{1,2,3,0,2,0,3}</a:t>
@@ -14414,19 +14772,19 @@
           </a:p>
           <a:p>
             <a:r>
-              <a:rPr lang="en-US" altLang="ko-KR" dirty="0" smtClean="0">
+              <a:rPr lang="en-US" altLang="ko-KR" dirty="0">
                 <a:latin typeface="+mn-lt"/>
               </a:rPr>
               <a:t>JDS row indices </a:t>
             </a:r>
             <a:r>
-              <a:rPr lang="en-US" altLang="ko-KR" dirty="0" err="1" smtClean="0">
+              <a:rPr lang="en-US" altLang="ko-KR" dirty="0" err="1">
                 <a:latin typeface="+mn-lt"/>
               </a:rPr>
               <a:t>jds_row_index</a:t>
             </a:r>
             <a:r>
-              <a:rPr lang="en-US" altLang="ko-KR" dirty="0" smtClean="0">
+              <a:rPr lang="en-US" altLang="ko-KR" dirty="0">
                 <a:latin typeface="+mn-lt"/>
               </a:rPr>
               <a:t>[4] 	{2,0,3,1}</a:t>
@@ -14437,22 +14795,16 @@
               <a:rPr lang="en-US" altLang="ko-KR" dirty="0">
                 <a:latin typeface="+mn-lt"/>
               </a:rPr>
-              <a:t>	 </a:t>
-            </a:r>
-            <a:r>
-              <a:rPr lang="en-US" altLang="ko-KR" dirty="0" smtClean="0">
-                <a:latin typeface="+mn-lt"/>
-              </a:rPr>
-              <a:t>       </a:t>
-            </a:r>
-            <a:r>
-              <a:rPr lang="en-US" altLang="ko-KR" dirty="0" err="1" smtClean="0">
+              <a:t>	        </a:t>
+            </a:r>
+            <a:r>
+              <a:rPr lang="en-US" altLang="ko-KR" dirty="0" err="1">
                 <a:latin typeface="+mn-lt"/>
               </a:rPr>
               <a:t>jds_section_pointer</a:t>
             </a:r>
             <a:r>
-              <a:rPr lang="en-US" altLang="ko-KR" dirty="0" smtClean="0">
+              <a:rPr lang="en-US" altLang="ko-KR" dirty="0">
                 <a:latin typeface="+mn-lt"/>
               </a:rPr>
               <a:t>[4]	{0,3,7,7]	</a:t>
@@ -14473,13 +14825,6 @@
   <p:clrMapOvr>
     <a:masterClrMapping/>
   </p:clrMapOvr>
-  <p:timing>
-    <p:tnLst>
-      <p:par>
-        <p:cTn id="1" dur="indefinite" restart="never" nodeType="tmRoot"/>
-      </p:par>
-    </p:tnLst>
-  </p:timing>
 </p:sld>
 </file>
 
@@ -14516,7 +14861,7 @@
           <a:lstStyle/>
           <a:p>
             <a:r>
-              <a:rPr lang="en-US" altLang="ko-KR" sz="3200" dirty="0" smtClean="0">
+              <a:rPr lang="en-US" altLang="ko-KR" sz="3200" dirty="0">
                 <a:latin typeface="+mn-lt"/>
               </a:rPr>
               <a:t>CUDA Libraries[2]</a:t>
@@ -14564,7 +14909,7 @@
           <a:p>
             <a:pPr algn="ctr"/>
             <a:r>
-              <a:rPr lang="en-US" altLang="ko-KR" dirty="0" smtClean="0"/>
+              <a:rPr lang="en-US" altLang="ko-KR" dirty="0"/>
               <a:t>CUDA C Runtime</a:t>
             </a:r>
             <a:endParaRPr lang="ko-KR" altLang="en-US" dirty="0"/>
@@ -14611,47 +14956,47 @@
           <a:p>
             <a:pPr algn="ctr"/>
             <a:r>
-              <a:rPr lang="en-US" altLang="ko-KR" sz="1400" dirty="0" smtClean="0"/>
+              <a:rPr lang="en-US" altLang="ko-KR" sz="1400" dirty="0"/>
               <a:t>-CUFFT</a:t>
             </a:r>
           </a:p>
           <a:p>
             <a:pPr algn="ctr"/>
             <a:r>
-              <a:rPr lang="en-US" altLang="ko-KR" sz="1400" dirty="0" smtClean="0"/>
+              <a:rPr lang="en-US" altLang="ko-KR" sz="1400" dirty="0"/>
               <a:t>-CUBLAS</a:t>
             </a:r>
           </a:p>
           <a:p>
             <a:pPr algn="ctr"/>
             <a:r>
-              <a:rPr lang="en-US" altLang="ko-KR" sz="1400" dirty="0" smtClean="0"/>
+              <a:rPr lang="en-US" altLang="ko-KR" sz="1400" dirty="0"/>
               <a:t>-CUSPARSE</a:t>
             </a:r>
           </a:p>
           <a:p>
             <a:pPr algn="ctr"/>
             <a:r>
-              <a:rPr lang="en-US" altLang="ko-KR" sz="1400" dirty="0" smtClean="0"/>
+              <a:rPr lang="en-US" altLang="ko-KR" sz="1400" dirty="0"/>
               <a:t>-</a:t>
             </a:r>
             <a:r>
-              <a:rPr lang="en-US" altLang="ko-KR" sz="1400" dirty="0" err="1" smtClean="0"/>
+              <a:rPr lang="en-US" altLang="ko-KR" sz="1400" dirty="0" err="1"/>
               <a:t>Libm</a:t>
             </a:r>
-            <a:endParaRPr lang="en-US" altLang="ko-KR" sz="1400" dirty="0" smtClean="0"/>
+            <a:endParaRPr lang="en-US" altLang="ko-KR" sz="1400" dirty="0"/>
           </a:p>
           <a:p>
             <a:pPr algn="ctr"/>
             <a:r>
-              <a:rPr lang="en-US" altLang="ko-KR" sz="1400" dirty="0" smtClean="0"/>
+              <a:rPr lang="en-US" altLang="ko-KR" sz="1400" dirty="0"/>
               <a:t>-NPP</a:t>
             </a:r>
           </a:p>
           <a:p>
             <a:pPr algn="ctr"/>
             <a:r>
-              <a:rPr lang="en-US" altLang="ko-KR" sz="1400" dirty="0" smtClean="0"/>
+              <a:rPr lang="en-US" altLang="ko-KR" sz="1400" dirty="0"/>
               <a:t>Thrust</a:t>
             </a:r>
           </a:p>
@@ -14680,7 +15025,7 @@
           <a:lstStyle/>
           <a:p>
             <a:r>
-              <a:rPr lang="en-US" altLang="ko-KR" sz="1200" b="1" dirty="0" smtClean="0">
+              <a:rPr lang="en-US" altLang="ko-KR" sz="1200" b="1" dirty="0">
                 <a:latin typeface="+mn-lt"/>
               </a:rPr>
               <a:t>NVIDIA Libraries</a:t>
@@ -14755,7 +15100,7 @@
           <a:lstStyle/>
           <a:p>
             <a:r>
-              <a:rPr lang="en-US" altLang="ko-KR" sz="1400" b="1" dirty="0" smtClean="0">
+              <a:rPr lang="en-US" altLang="ko-KR" sz="1400" b="1" dirty="0">
                 <a:latin typeface="+mn-lt"/>
               </a:rPr>
               <a:t>Third Party Libraries</a:t>
@@ -14835,7 +15180,7 @@
           <a:lstStyle/>
           <a:p>
             <a:r>
-              <a:rPr lang="en-US" altLang="ko-KR" sz="1400" b="1" dirty="0" smtClean="0">
+              <a:rPr lang="en-US" altLang="ko-KR" sz="1400" b="1" dirty="0">
                 <a:latin typeface="+mn-lt"/>
               </a:rPr>
               <a:t>Applications</a:t>
@@ -14856,13 +15201,6 @@
   <p:clrMapOvr>
     <a:masterClrMapping/>
   </p:clrMapOvr>
-  <p:timing>
-    <p:tnLst>
-      <p:par>
-        <p:cTn id="1" dur="indefinite" restart="never" nodeType="tmRoot"/>
-      </p:par>
-    </p:tnLst>
-  </p:timing>
 </p:sld>
 </file>
 
@@ -14899,7 +15237,7 @@
           <a:lstStyle/>
           <a:p>
             <a:r>
-              <a:rPr lang="en-US" altLang="ko-KR" dirty="0" smtClean="0"/>
+              <a:rPr lang="en-US" altLang="ko-KR" dirty="0"/>
               <a:t>CUDA Libraries[2]</a:t>
             </a:r>
             <a:endParaRPr lang="ko-KR" altLang="en-US" dirty="0"/>
@@ -14972,13 +15310,6 @@
   <p:clrMapOvr>
     <a:masterClrMapping/>
   </p:clrMapOvr>
-  <p:timing>
-    <p:tnLst>
-      <p:par>
-        <p:cTn id="1" dur="indefinite" restart="never" nodeType="tmRoot"/>
-      </p:par>
-    </p:tnLst>
-  </p:timing>
 </p:sld>
 </file>
 
@@ -15015,7 +15346,7 @@
           <a:lstStyle/>
           <a:p>
             <a:r>
-              <a:rPr lang="en-US" altLang="ko-KR" dirty="0" smtClean="0"/>
+              <a:rPr lang="en-US" altLang="ko-KR" dirty="0"/>
               <a:t>NPP</a:t>
             </a:r>
             <a:endParaRPr lang="ko-KR" altLang="en-US" dirty="0"/>
@@ -15088,13 +15419,6 @@
   <p:clrMapOvr>
     <a:masterClrMapping/>
   </p:clrMapOvr>
-  <p:timing>
-    <p:tnLst>
-      <p:par>
-        <p:cTn id="1" dur="indefinite" restart="never" nodeType="tmRoot"/>
-      </p:par>
-    </p:tnLst>
-  </p:timing>
 </p:sld>
 </file>
 
@@ -15131,7 +15455,7 @@
           <a:lstStyle/>
           <a:p>
             <a:r>
-              <a:rPr lang="en-US" altLang="ko-KR" dirty="0" smtClean="0"/>
+              <a:rPr lang="en-US" altLang="ko-KR" dirty="0"/>
               <a:t>Thrust</a:t>
             </a:r>
             <a:endParaRPr lang="ko-KR" altLang="en-US" dirty="0"/>
@@ -15204,13 +15528,6 @@
   <p:clrMapOvr>
     <a:masterClrMapping/>
   </p:clrMapOvr>
-  <p:timing>
-    <p:tnLst>
-      <p:par>
-        <p:cTn id="1" dur="indefinite" restart="never" nodeType="tmRoot"/>
-      </p:par>
-    </p:tnLst>
-  </p:timing>
 </p:sld>
 </file>
 
@@ -15247,7 +15564,7 @@
           <a:lstStyle/>
           <a:p>
             <a:r>
-              <a:rPr lang="en-US" altLang="ko-KR" dirty="0" smtClean="0"/>
+              <a:rPr lang="en-US" altLang="ko-KR" dirty="0"/>
               <a:t>Sparse Matrix</a:t>
             </a:r>
             <a:endParaRPr lang="ko-KR" altLang="en-US" dirty="0"/>
@@ -15279,11 +15596,7 @@
             </a:pPr>
             <a:r>
               <a:rPr lang="en-US" altLang="ko-KR" sz="2400" dirty="0"/>
-              <a:t>S</a:t>
-            </a:r>
-            <a:r>
-              <a:rPr lang="en-US" altLang="ko-KR" sz="2400" dirty="0" smtClean="0"/>
-              <a:t>parse matrix: a matrix where the majority of the elements are zero.</a:t>
+              <a:t>Sparse matrix: a matrix where the majority of the elements are zero.</a:t>
             </a:r>
           </a:p>
           <a:p>
@@ -15292,11 +15605,7 @@
             </a:pPr>
             <a:r>
               <a:rPr lang="en-US" altLang="ko-KR" sz="2400" dirty="0"/>
-              <a:t> </a:t>
-            </a:r>
-            <a:r>
-              <a:rPr lang="en-US" altLang="ko-KR" sz="2400" dirty="0" smtClean="0"/>
-              <a:t>Example:</a:t>
+              <a:t> Example:</a:t>
             </a:r>
           </a:p>
           <a:p>
@@ -15305,11 +15614,7 @@
             </a:pPr>
             <a:r>
               <a:rPr lang="en-US" altLang="ko-KR" sz="2400" dirty="0"/>
-              <a:t>	</a:t>
-            </a:r>
-            <a:r>
-              <a:rPr lang="en-US" altLang="ko-KR" sz="2400" dirty="0" smtClean="0"/>
-              <a:t>	1 0 2 0</a:t>
+              <a:t>		1 0 2 0</a:t>
             </a:r>
           </a:p>
           <a:p>
@@ -15318,11 +15623,7 @@
             </a:pPr>
             <a:r>
               <a:rPr lang="en-US" altLang="ko-KR" sz="2400" dirty="0"/>
-              <a:t>	</a:t>
-            </a:r>
-            <a:r>
-              <a:rPr lang="en-US" altLang="ko-KR" sz="2400" dirty="0" smtClean="0"/>
-              <a:t>	0 0 0 0</a:t>
+              <a:t>		0 0 0 0</a:t>
             </a:r>
           </a:p>
           <a:p>
@@ -15331,11 +15632,7 @@
             </a:pPr>
             <a:r>
               <a:rPr lang="en-US" altLang="ko-KR" sz="2400" dirty="0"/>
-              <a:t>	</a:t>
-            </a:r>
-            <a:r>
-              <a:rPr lang="en-US" altLang="ko-KR" sz="2400" dirty="0" smtClean="0"/>
-              <a:t>	0 3 4 5</a:t>
+              <a:t>		0 3 4 5</a:t>
             </a:r>
           </a:p>
           <a:p>
@@ -15344,11 +15641,7 @@
             </a:pPr>
             <a:r>
               <a:rPr lang="en-US" altLang="ko-KR" sz="2400" dirty="0"/>
-              <a:t>	</a:t>
-            </a:r>
-            <a:r>
-              <a:rPr lang="en-US" altLang="ko-KR" sz="2400" dirty="0" smtClean="0"/>
-              <a:t>	6 0 0 7</a:t>
+              <a:t>		6 0 0 7</a:t>
             </a:r>
             <a:endParaRPr lang="ko-KR" altLang="en-US" sz="2400" dirty="0"/>
           </a:p>
@@ -15447,7 +15740,7 @@
           <a:lstStyle/>
           <a:p>
             <a:r>
-              <a:rPr lang="en-US" altLang="ko-KR" b="1" dirty="0" smtClean="0">
+              <a:rPr lang="en-US" altLang="ko-KR" b="1" dirty="0">
                 <a:latin typeface="+mn-lt"/>
               </a:rPr>
               <a:t>row 0</a:t>
@@ -15481,7 +15774,7 @@
           <a:lstStyle/>
           <a:p>
             <a:r>
-              <a:rPr lang="en-US" altLang="ko-KR" b="1" dirty="0" smtClean="0">
+              <a:rPr lang="en-US" altLang="ko-KR" b="1" dirty="0">
                 <a:latin typeface="+mn-lt"/>
               </a:rPr>
               <a:t>row 1</a:t>
@@ -15515,7 +15808,7 @@
           <a:lstStyle/>
           <a:p>
             <a:r>
-              <a:rPr lang="en-US" altLang="ko-KR" b="1" dirty="0" smtClean="0">
+              <a:rPr lang="en-US" altLang="ko-KR" b="1" dirty="0">
                 <a:latin typeface="+mn-lt"/>
               </a:rPr>
               <a:t>row 2</a:t>
@@ -15549,7 +15842,7 @@
           <a:lstStyle/>
           <a:p>
             <a:r>
-              <a:rPr lang="en-US" altLang="ko-KR" b="1" dirty="0" smtClean="0">
+              <a:rPr lang="en-US" altLang="ko-KR" b="1" dirty="0">
                 <a:latin typeface="+mn-lt"/>
               </a:rPr>
               <a:t>row 3</a:t>
@@ -15583,7 +15876,7 @@
           <a:lstStyle/>
           <a:p>
             <a:r>
-              <a:rPr lang="en-US" altLang="ko-KR" sz="2400" b="1" dirty="0" smtClean="0">
+              <a:rPr lang="en-US" altLang="ko-KR" sz="2400" b="1" dirty="0">
                 <a:latin typeface="+mn-lt"/>
               </a:rPr>
               <a:t>How to represent a sparse matrix?</a:t>
@@ -15604,13 +15897,6 @@
   <p:clrMapOvr>
     <a:masterClrMapping/>
   </p:clrMapOvr>
-  <p:timing>
-    <p:tnLst>
-      <p:par>
-        <p:cTn id="1" dur="indefinite" restart="never" nodeType="tmRoot"/>
-      </p:par>
-    </p:tnLst>
-  </p:timing>
 </p:sld>
 </file>
 
@@ -15770,13 +16056,6 @@
   <p:clrMapOvr>
     <a:masterClrMapping/>
   </p:clrMapOvr>
-  <p:timing>
-    <p:tnLst>
-      <p:par>
-        <p:cTn id="1" dur="indefinite" restart="never" nodeType="tmRoot"/>
-      </p:par>
-    </p:tnLst>
-  </p:timing>
 </p:sld>
 </file>
 
@@ -15813,7 +16092,7 @@
           <a:lstStyle/>
           <a:p>
             <a:r>
-              <a:rPr lang="en-US" altLang="ko-KR" dirty="0" smtClean="0"/>
+              <a:rPr lang="en-US" altLang="ko-KR" dirty="0"/>
               <a:t>CUFFT[2]</a:t>
             </a:r>
             <a:endParaRPr lang="ko-KR" altLang="en-US" dirty="0"/>
@@ -15886,13 +16165,6 @@
   <p:clrMapOvr>
     <a:masterClrMapping/>
   </p:clrMapOvr>
-  <p:timing>
-    <p:tnLst>
-      <p:par>
-        <p:cTn id="1" dur="indefinite" restart="never" nodeType="tmRoot"/>
-      </p:par>
-    </p:tnLst>
-  </p:timing>
 </p:sld>
 </file>
 
@@ -15929,7 +16201,7 @@
           <a:lstStyle/>
           <a:p>
             <a:r>
-              <a:rPr lang="en-US" altLang="ko-KR" dirty="0" smtClean="0"/>
+              <a:rPr lang="en-US" altLang="ko-KR" dirty="0"/>
               <a:t>CUFFT[2]</a:t>
             </a:r>
             <a:endParaRPr lang="ko-KR" altLang="en-US" dirty="0"/>
@@ -16002,13 +16274,6 @@
   <p:clrMapOvr>
     <a:masterClrMapping/>
   </p:clrMapOvr>
-  <p:timing>
-    <p:tnLst>
-      <p:par>
-        <p:cTn id="1" dur="indefinite" restart="never" nodeType="tmRoot"/>
-      </p:par>
-    </p:tnLst>
-  </p:timing>
 </p:sld>
 </file>
 
@@ -16045,7 +16310,7 @@
           <a:lstStyle/>
           <a:p>
             <a:r>
-              <a:rPr lang="en-US" altLang="ko-KR" dirty="0" smtClean="0"/>
+              <a:rPr lang="en-US" altLang="ko-KR" dirty="0"/>
               <a:t>CUFFT</a:t>
             </a:r>
             <a:endParaRPr lang="ko-KR" altLang="en-US" dirty="0"/>
@@ -16118,13 +16383,6 @@
   <p:clrMapOvr>
     <a:masterClrMapping/>
   </p:clrMapOvr>
-  <p:timing>
-    <p:tnLst>
-      <p:par>
-        <p:cTn id="1" dur="indefinite" restart="never" nodeType="tmRoot"/>
-      </p:par>
-    </p:tnLst>
-  </p:timing>
 </p:sld>
 </file>
 
@@ -16161,7 +16419,7 @@
           <a:lstStyle/>
           <a:p>
             <a:r>
-              <a:rPr lang="en-US" altLang="ko-KR" dirty="0" smtClean="0"/>
+              <a:rPr lang="en-US" altLang="ko-KR" dirty="0"/>
               <a:t>CUBLAS</a:t>
             </a:r>
             <a:endParaRPr lang="ko-KR" altLang="en-US" dirty="0"/>
@@ -16234,13 +16492,6 @@
   <p:clrMapOvr>
     <a:masterClrMapping/>
   </p:clrMapOvr>
-  <p:timing>
-    <p:tnLst>
-      <p:par>
-        <p:cTn id="1" dur="indefinite" restart="never" nodeType="tmRoot"/>
-      </p:par>
-    </p:tnLst>
-  </p:timing>
 </p:sld>
 </file>
 
@@ -16277,7 +16528,7 @@
           <a:lstStyle/>
           <a:p>
             <a:r>
-              <a:rPr lang="en-US" altLang="ko-KR" dirty="0" smtClean="0"/>
+              <a:rPr lang="en-US" altLang="ko-KR" dirty="0"/>
               <a:t>CUSPARSE Library</a:t>
             </a:r>
             <a:endParaRPr lang="ko-KR" altLang="en-US" dirty="0"/>
@@ -16303,7 +16554,7 @@
               <a:buNone/>
             </a:pPr>
             <a:r>
-              <a:rPr lang="en-US" altLang="ko-KR" sz="2000" b="1" dirty="0" smtClean="0"/>
+              <a:rPr lang="en-US" altLang="ko-KR" sz="2000" b="1" dirty="0"/>
               <a:t>Four types of operations:</a:t>
             </a:r>
           </a:p>
@@ -16312,43 +16563,43 @@
               <a:buNone/>
             </a:pPr>
             <a:r>
-              <a:rPr lang="en-US" altLang="ko-KR" sz="2000" b="1" dirty="0" smtClean="0"/>
+              <a:rPr lang="en-US" altLang="ko-KR" sz="2000" b="1" dirty="0"/>
               <a:t>Level 1: operations between a vector in sparse format and a vector in dense 	format. Functions: </a:t>
             </a:r>
             <a:r>
-              <a:rPr lang="en-US" altLang="ko-KR" sz="2000" b="1" dirty="0" err="1" smtClean="0"/>
+              <a:rPr lang="en-US" altLang="ko-KR" sz="2000" b="1" dirty="0" err="1"/>
               <a:t>axpyi</a:t>
             </a:r>
             <a:r>
-              <a:rPr lang="en-US" altLang="ko-KR" sz="2000" b="1" dirty="0" smtClean="0"/>
+              <a:rPr lang="en-US" altLang="ko-KR" sz="2000" b="1" dirty="0"/>
               <a:t>( y=</a:t>
             </a:r>
             <a:r>
-              <a:rPr lang="en-US" altLang="ko-KR" sz="2000" b="1" dirty="0" err="1" smtClean="0"/>
+              <a:rPr lang="en-US" altLang="ko-KR" sz="2000" b="1" dirty="0" err="1"/>
               <a:t>y+ax</a:t>
             </a:r>
             <a:r>
-              <a:rPr lang="en-US" altLang="ko-KR" sz="2000" b="1" dirty="0" smtClean="0"/>
+              <a:rPr lang="en-US" altLang="ko-KR" sz="2000" b="1" dirty="0"/>
               <a:t>), </a:t>
             </a:r>
             <a:r>
-              <a:rPr lang="en-US" altLang="ko-KR" sz="2000" b="1" dirty="0" err="1" smtClean="0"/>
+              <a:rPr lang="en-US" altLang="ko-KR" sz="2000" b="1" dirty="0" err="1"/>
               <a:t>doti</a:t>
             </a:r>
             <a:r>
-              <a:rPr lang="en-US" altLang="ko-KR" sz="2000" b="1" dirty="0" smtClean="0"/>
+              <a:rPr lang="en-US" altLang="ko-KR" sz="2000" b="1" dirty="0"/>
               <a:t>( z=</a:t>
             </a:r>
             <a:r>
-              <a:rPr lang="en-US" altLang="ko-KR" sz="2000" b="1" dirty="0" err="1" smtClean="0"/>
+              <a:rPr lang="en-US" altLang="ko-KR" sz="2000" b="1" dirty="0" err="1"/>
               <a:t>y</a:t>
             </a:r>
             <a:r>
-              <a:rPr lang="en-US" altLang="ko-KR" sz="2000" b="1" baseline="30000" dirty="0" err="1" smtClean="0"/>
+              <a:rPr lang="en-US" altLang="ko-KR" sz="2000" b="1" baseline="30000" dirty="0" err="1"/>
               <a:t>T</a:t>
             </a:r>
             <a:r>
-              <a:rPr lang="en-US" altLang="ko-KR" sz="2000" b="1" dirty="0" smtClean="0"/>
+              <a:rPr lang="en-US" altLang="ko-KR" sz="2000" b="1" dirty="0"/>
               <a:t> x)… etc.</a:t>
             </a:r>
           </a:p>
@@ -16363,23 +16614,23 @@
               <a:buNone/>
             </a:pPr>
             <a:r>
-              <a:rPr lang="en-US" altLang="ko-KR" sz="2000" b="1" dirty="0" smtClean="0"/>
+              <a:rPr lang="en-US" altLang="ko-KR" sz="2000" b="1" dirty="0"/>
               <a:t>Level 2: operations between a matrix in sparse format and a vector in 	dense format. Functions: mv( solve y=</a:t>
             </a:r>
             <a:r>
-              <a:rPr lang="en-US" altLang="ko-KR" sz="2000" b="1" dirty="0" err="1" smtClean="0"/>
+              <a:rPr lang="en-US" altLang="ko-KR" sz="2000" b="1" dirty="0" err="1"/>
               <a:t>aAx+by</a:t>
             </a:r>
             <a:r>
-              <a:rPr lang="en-US" altLang="ko-KR" sz="2000" b="1" dirty="0" smtClean="0"/>
+              <a:rPr lang="en-US" altLang="ko-KR" sz="2000" b="1" dirty="0"/>
               <a:t>), </a:t>
             </a:r>
             <a:r>
-              <a:rPr lang="en-US" altLang="ko-KR" sz="2000" b="1" dirty="0" err="1" smtClean="0"/>
+              <a:rPr lang="en-US" altLang="ko-KR" sz="2000" b="1" dirty="0" err="1"/>
               <a:t>sv</a:t>
             </a:r>
             <a:r>
-              <a:rPr lang="en-US" altLang="ko-KR" sz="2000" b="1" dirty="0" smtClean="0"/>
+              <a:rPr lang="en-US" altLang="ko-KR" sz="2000" b="1" dirty="0"/>
               <a:t>(solves a 	sparse 	triangular linear system).</a:t>
             </a:r>
           </a:p>
@@ -16394,23 +16645,23 @@
               <a:buNone/>
             </a:pPr>
             <a:r>
-              <a:rPr lang="en-US" altLang="ko-KR" sz="2000" b="1" dirty="0" smtClean="0"/>
+              <a:rPr lang="en-US" altLang="ko-KR" sz="2000" b="1" dirty="0"/>
               <a:t>Level 3: operations between a matrix in a sparse format and a vector in 	dense format. Functions: mm(C=</a:t>
             </a:r>
             <a:r>
-              <a:rPr lang="en-US" altLang="ko-KR" sz="2000" b="1" dirty="0" err="1" smtClean="0"/>
+              <a:rPr lang="en-US" altLang="ko-KR" sz="2000" b="1" dirty="0" err="1"/>
               <a:t>aAB+bC</a:t>
             </a:r>
             <a:r>
-              <a:rPr lang="en-US" altLang="ko-KR" sz="2000" b="1" dirty="0" smtClean="0"/>
+              <a:rPr lang="en-US" altLang="ko-KR" sz="2000" b="1" dirty="0"/>
               <a:t>), </a:t>
             </a:r>
             <a:r>
-              <a:rPr lang="en-US" altLang="ko-KR" sz="2000" b="1" dirty="0" err="1" smtClean="0"/>
+              <a:rPr lang="en-US" altLang="ko-KR" sz="2000" b="1" dirty="0" err="1"/>
               <a:t>sm</a:t>
             </a:r>
             <a:r>
-              <a:rPr lang="en-US" altLang="ko-KR" sz="2000" b="1" dirty="0" smtClean="0"/>
+              <a:rPr lang="en-US" altLang="ko-KR" sz="2000" b="1" dirty="0"/>
               <a:t>( solve a sparse 	triangular linear system.</a:t>
             </a:r>
             <a:endParaRPr lang="ko-KR" altLang="en-US" sz="2000" b="1" dirty="0"/>
@@ -16427,13 +16678,6 @@
   <p:clrMapOvr>
     <a:masterClrMapping/>
   </p:clrMapOvr>
-  <p:timing>
-    <p:tnLst>
-      <p:par>
-        <p:cTn id="1" dur="indefinite" restart="never" nodeType="tmRoot"/>
-      </p:par>
-    </p:tnLst>
-  </p:timing>
 </p:sld>
 </file>
 
@@ -16470,7 +16714,7 @@
           <a:lstStyle/>
           <a:p>
             <a:r>
-              <a:rPr lang="en-US" altLang="ko-KR" dirty="0" smtClean="0"/>
+              <a:rPr lang="en-US" altLang="ko-KR" dirty="0"/>
               <a:t>CUSPARSE</a:t>
             </a:r>
             <a:endParaRPr lang="ko-KR" altLang="en-US" dirty="0"/>
@@ -16493,13 +16737,13 @@
           <a:lstStyle/>
           <a:p>
             <a:r>
-              <a:rPr lang="en-US" altLang="ko-KR" sz="2400" dirty="0" smtClean="0"/>
+              <a:rPr lang="en-US" altLang="ko-KR" sz="2400" dirty="0"/>
               <a:t>The CURSPARSE functions are operated on the device.</a:t>
             </a:r>
           </a:p>
           <a:p>
             <a:r>
-              <a:rPr lang="en-US" altLang="ko-KR" sz="2400" dirty="0" smtClean="0"/>
+              <a:rPr lang="en-US" altLang="ko-KR" sz="2400" dirty="0"/>
               <a:t>Operations format:</a:t>
             </a:r>
           </a:p>
@@ -16512,11 +16756,11 @@
               <a:t>	</a:t>
             </a:r>
             <a:r>
-              <a:rPr lang="en-US" altLang="ko-KR" sz="2400" b="1" dirty="0" err="1" smtClean="0"/>
+              <a:rPr lang="en-US" altLang="ko-KR" sz="2400" b="1" dirty="0" err="1"/>
               <a:t>cusparse</a:t>
             </a:r>
             <a:r>
-              <a:rPr lang="en-US" altLang="ko-KR" sz="2400" b="1" dirty="0" smtClean="0"/>
+              <a:rPr lang="en-US" altLang="ko-KR" sz="2400" b="1" dirty="0"/>
               <a:t>&lt; T &gt; [&lt;matrix data 			format&gt;]operation[&lt;output matrix format&gt;]</a:t>
             </a:r>
           </a:p>
@@ -16526,11 +16770,7 @@
             </a:pPr>
             <a:r>
               <a:rPr lang="en-US" altLang="ko-KR" sz="2400" b="1" dirty="0"/>
-              <a:t>	</a:t>
-            </a:r>
-            <a:r>
-              <a:rPr lang="en-US" altLang="ko-KR" sz="2400" b="1" dirty="0" smtClean="0"/>
-              <a:t>,where</a:t>
+              <a:t>	,where</a:t>
             </a:r>
           </a:p>
           <a:p>
@@ -16539,18 +16779,14 @@
             </a:pPr>
             <a:r>
               <a:rPr lang="en-US" altLang="ko-KR" sz="2400" b="1" dirty="0"/>
-              <a:t>	</a:t>
-            </a:r>
-            <a:r>
-              <a:rPr lang="en-US" altLang="ko-KR" sz="2400" b="1" dirty="0" smtClean="0"/>
-              <a:t>T={S,D,C,Z,X}//</a:t>
-            </a:r>
-            <a:r>
-              <a:rPr lang="en-US" altLang="ko-KR" sz="2400" b="1" dirty="0" err="1" smtClean="0"/>
+              <a:t>	T={S,D,C,Z,X}//</a:t>
+            </a:r>
+            <a:r>
+              <a:rPr lang="en-US" altLang="ko-KR" sz="2400" b="1" dirty="0" err="1"/>
               <a:t>S:float</a:t>
             </a:r>
             <a:r>
-              <a:rPr lang="en-US" altLang="ko-KR" sz="2400" b="1" dirty="0" smtClean="0"/>
+              <a:rPr lang="en-US" altLang="ko-KR" sz="2400" b="1" dirty="0"/>
               <a:t>, D:double,C:cuComplex,</a:t>
             </a:r>
           </a:p>
@@ -16560,18 +16796,14 @@
             </a:pPr>
             <a:r>
               <a:rPr lang="en-US" altLang="ko-KR" sz="2400" b="1" dirty="0"/>
-              <a:t>	</a:t>
-            </a:r>
-            <a:r>
-              <a:rPr lang="en-US" altLang="ko-KR" sz="2400" b="1" dirty="0" smtClean="0"/>
-              <a:t>	Z:cuDoubleComplex, X: a </a:t>
-            </a:r>
-            <a:r>
-              <a:rPr lang="en-US" altLang="ko-KR" sz="2400" b="1" dirty="0" err="1" smtClean="0"/>
+              <a:t>		Z:cuDoubleComplex, X: a </a:t>
+            </a:r>
+            <a:r>
+              <a:rPr lang="en-US" altLang="ko-KR" sz="2400" b="1" dirty="0" err="1"/>
               <a:t>generix</a:t>
             </a:r>
             <a:r>
-              <a:rPr lang="en-US" altLang="ko-KR" sz="2400" b="1" dirty="0" smtClean="0"/>
+              <a:rPr lang="en-US" altLang="ko-KR" sz="2400" b="1" dirty="0"/>
               <a:t> type,</a:t>
             </a:r>
           </a:p>
@@ -16581,18 +16813,14 @@
             </a:pPr>
             <a:r>
               <a:rPr lang="en-US" altLang="ko-KR" sz="2400" b="1" dirty="0"/>
-              <a:t>	</a:t>
-            </a:r>
-            <a:r>
-              <a:rPr lang="en-US" altLang="ko-KR" sz="2400" b="1" dirty="0" smtClean="0"/>
-              <a:t>matrix data format:{</a:t>
-            </a:r>
-            <a:r>
-              <a:rPr lang="en-US" altLang="ko-KR" sz="2400" b="1" dirty="0" err="1" smtClean="0"/>
+              <a:t>	matrix data format:{</a:t>
+            </a:r>
+            <a:r>
+              <a:rPr lang="en-US" altLang="ko-KR" sz="2400" b="1" dirty="0" err="1"/>
               <a:t>dense,COO,CSR,CSC</a:t>
             </a:r>
             <a:r>
-              <a:rPr lang="en-US" altLang="ko-KR" sz="2400" b="1" dirty="0" smtClean="0"/>
+              <a:rPr lang="en-US" altLang="ko-KR" sz="2400" b="1" dirty="0"/>
               <a:t>, HSB…….},</a:t>
             </a:r>
           </a:p>
@@ -16602,18 +16830,14 @@
             </a:pPr>
             <a:r>
               <a:rPr lang="en-US" altLang="ko-KR" sz="2400" b="1" dirty="0"/>
-              <a:t>	</a:t>
-            </a:r>
-            <a:r>
-              <a:rPr lang="en-US" altLang="ko-KR" sz="2400" b="1" dirty="0" smtClean="0"/>
-              <a:t>operation:{</a:t>
-            </a:r>
-            <a:r>
-              <a:rPr lang="en-US" altLang="ko-KR" sz="2400" b="1" dirty="0" err="1" smtClean="0"/>
+              <a:t>	operation:{</a:t>
+            </a:r>
+            <a:r>
+              <a:rPr lang="en-US" altLang="ko-KR" sz="2400" b="1" dirty="0" err="1"/>
               <a:t>axpyi,doti,dotci,gthr,gthrz,roti,sctr</a:t>
             </a:r>
             <a:r>
-              <a:rPr lang="en-US" altLang="ko-KR" sz="2400" b="1" dirty="0" smtClean="0"/>
+              <a:rPr lang="en-US" altLang="ko-KR" sz="2400" b="1" dirty="0"/>
               <a:t>}(level1),</a:t>
             </a:r>
           </a:p>
@@ -16623,26 +16847,22 @@
             </a:pPr>
             <a:r>
               <a:rPr lang="en-US" altLang="ko-KR" sz="2400" b="1" dirty="0"/>
-              <a:t>	</a:t>
-            </a:r>
-            <a:r>
-              <a:rPr lang="en-US" altLang="ko-KR" sz="2400" b="1" dirty="0" smtClean="0"/>
-              <a:t>	{mv, </a:t>
-            </a:r>
-            <a:r>
-              <a:rPr lang="en-US" altLang="ko-KR" sz="2400" b="1" dirty="0" err="1" smtClean="0"/>
+              <a:t>		{mv, </a:t>
+            </a:r>
+            <a:r>
+              <a:rPr lang="en-US" altLang="ko-KR" sz="2400" b="1" dirty="0" err="1"/>
               <a:t>sv</a:t>
             </a:r>
             <a:r>
-              <a:rPr lang="en-US" altLang="ko-KR" sz="2400" b="1" dirty="0" smtClean="0"/>
+              <a:rPr lang="en-US" altLang="ko-KR" sz="2400" b="1" dirty="0"/>
               <a:t>}(level2),and {</a:t>
             </a:r>
             <a:r>
-              <a:rPr lang="en-US" altLang="ko-KR" sz="2400" b="1" dirty="0" err="1" smtClean="0"/>
+              <a:rPr lang="en-US" altLang="ko-KR" sz="2400" b="1" dirty="0" err="1"/>
               <a:t>mm,sm</a:t>
             </a:r>
             <a:r>
-              <a:rPr lang="en-US" altLang="ko-KR" sz="2400" b="1" dirty="0" smtClean="0"/>
+              <a:rPr lang="en-US" altLang="ko-KR" sz="2400" b="1" dirty="0"/>
               <a:t> }(level3).</a:t>
             </a:r>
             <a:endParaRPr lang="ko-KR" altLang="en-US" sz="2400" dirty="0"/>
@@ -16659,13 +16879,6 @@
   <p:clrMapOvr>
     <a:masterClrMapping/>
   </p:clrMapOvr>
-  <p:timing>
-    <p:tnLst>
-      <p:par>
-        <p:cTn id="1" dur="indefinite" restart="never" nodeType="tmRoot"/>
-      </p:par>
-    </p:tnLst>
-  </p:timing>
 </p:sld>
 </file>
 
@@ -16702,7 +16915,7 @@
           <a:lstStyle/>
           <a:p>
             <a:r>
-              <a:rPr lang="en-US" altLang="ko-KR" dirty="0" smtClean="0"/>
+              <a:rPr lang="en-US" altLang="ko-KR" dirty="0"/>
               <a:t>CUSPARSE[2]</a:t>
             </a:r>
             <a:endParaRPr lang="ko-KR" altLang="en-US" dirty="0"/>
@@ -16775,13 +16988,6 @@
   <p:clrMapOvr>
     <a:masterClrMapping/>
   </p:clrMapOvr>
-  <p:timing>
-    <p:tnLst>
-      <p:par>
-        <p:cTn id="1" dur="indefinite" restart="never" nodeType="tmRoot"/>
-      </p:par>
-    </p:tnLst>
-  </p:timing>
 </p:sld>
 </file>
 
@@ -16818,11 +17024,11 @@
           <a:lstStyle/>
           <a:p>
             <a:r>
-              <a:rPr lang="en-US" altLang="ko-KR" dirty="0" err="1" smtClean="0"/>
+              <a:rPr lang="en-US" altLang="ko-KR" dirty="0" err="1"/>
               <a:t>Libm</a:t>
             </a:r>
             <a:r>
-              <a:rPr lang="en-US" altLang="ko-KR" dirty="0" smtClean="0"/>
+              <a:rPr lang="en-US" altLang="ko-KR" dirty="0"/>
               <a:t>[2]</a:t>
             </a:r>
             <a:endParaRPr lang="ko-KR" altLang="en-US" dirty="0"/>
@@ -16895,13 +17101,6 @@
   <p:clrMapOvr>
     <a:masterClrMapping/>
   </p:clrMapOvr>
-  <p:timing>
-    <p:tnLst>
-      <p:par>
-        <p:cTn id="1" dur="indefinite" restart="never" nodeType="tmRoot"/>
-      </p:par>
-    </p:tnLst>
-  </p:timing>
 </p:sld>
 </file>
 
@@ -16938,7 +17137,7 @@
           <a:lstStyle/>
           <a:p>
             <a:r>
-              <a:rPr lang="en-US" altLang="ko-KR" dirty="0" smtClean="0"/>
+              <a:rPr lang="en-US" altLang="ko-KR" dirty="0"/>
               <a:t>CURAND</a:t>
             </a:r>
             <a:endParaRPr lang="ko-KR" altLang="en-US" dirty="0"/>
@@ -17011,13 +17210,6 @@
   <p:clrMapOvr>
     <a:masterClrMapping/>
   </p:clrMapOvr>
-  <p:timing>
-    <p:tnLst>
-      <p:par>
-        <p:cTn id="1" dur="indefinite" restart="never" nodeType="tmRoot"/>
-      </p:par>
-    </p:tnLst>
-  </p:timing>
 </p:sld>
 </file>
 
@@ -17059,18 +17251,14 @@
           <a:lstStyle/>
           <a:p>
             <a:r>
-              <a:rPr lang="en-US" altLang="ko-KR" sz="3600" b="1" dirty="0" smtClean="0"/>
+              <a:rPr lang="en-US" altLang="ko-KR" sz="3600" b="1" dirty="0"/>
               <a:t>Compressed Sparse Row(CSR) </a:t>
             </a:r>
-            <a:r>
-              <a:rPr lang="en-US" altLang="ko-KR" sz="3600" dirty="0" smtClean="0"/>
-              <a:t/>
-            </a:r>
             <a:br>
-              <a:rPr lang="en-US" altLang="ko-KR" sz="3600" dirty="0" smtClean="0"/>
+              <a:rPr lang="en-US" altLang="ko-KR" sz="3600" dirty="0"/>
             </a:br>
             <a:r>
-              <a:rPr lang="en-US" altLang="ko-KR" sz="3600" dirty="0" smtClean="0"/>
+              <a:rPr lang="en-US" altLang="ko-KR" sz="3600" dirty="0"/>
               <a:t>storage format</a:t>
             </a:r>
             <a:endParaRPr lang="ko-KR" altLang="en-US" sz="3600" dirty="0"/>
@@ -17101,27 +17289,27 @@
               <a:buNone/>
             </a:pPr>
             <a:r>
-              <a:rPr lang="en-US" altLang="ko-KR" sz="2800" dirty="0" smtClean="0"/>
+              <a:rPr lang="en-US" altLang="ko-KR" sz="2800" dirty="0"/>
               <a:t>It consists of arrays </a:t>
             </a:r>
             <a:r>
-              <a:rPr lang="en-US" altLang="ko-KR" sz="2800" b="1" dirty="0" smtClean="0"/>
+              <a:rPr lang="en-US" altLang="ko-KR" sz="2800" b="1" dirty="0"/>
               <a:t>data[], </a:t>
             </a:r>
             <a:r>
-              <a:rPr lang="en-US" altLang="ko-KR" sz="2800" b="1" dirty="0" err="1" smtClean="0"/>
+              <a:rPr lang="en-US" altLang="ko-KR" sz="2800" b="1" dirty="0" err="1"/>
               <a:t>col_index</a:t>
             </a:r>
             <a:r>
-              <a:rPr lang="en-US" altLang="ko-KR" sz="2800" b="1" dirty="0" smtClean="0"/>
+              <a:rPr lang="en-US" altLang="ko-KR" sz="2800" b="1" dirty="0"/>
               <a:t>[],and </a:t>
             </a:r>
             <a:r>
-              <a:rPr lang="en-US" altLang="ko-KR" sz="2800" b="1" dirty="0" err="1" smtClean="0"/>
+              <a:rPr lang="en-US" altLang="ko-KR" sz="2800" b="1" dirty="0" err="1"/>
               <a:t>row_ptr</a:t>
             </a:r>
             <a:r>
-              <a:rPr lang="en-US" altLang="ko-KR" sz="2800" b="1" dirty="0" smtClean="0"/>
+              <a:rPr lang="en-US" altLang="ko-KR" sz="2800" b="1" dirty="0"/>
               <a:t>[].</a:t>
             </a:r>
           </a:p>
@@ -17129,18 +17317,18 @@
             <a:pPr marL="0" indent="0">
               <a:buNone/>
             </a:pPr>
-            <a:endParaRPr lang="en-US" altLang="ko-KR" sz="2800" b="1" dirty="0" smtClean="0"/>
+            <a:endParaRPr lang="en-US" altLang="ko-KR" sz="2800" b="1" dirty="0"/>
           </a:p>
           <a:p>
             <a:pPr marL="0" indent="0">
               <a:buNone/>
             </a:pPr>
             <a:r>
-              <a:rPr lang="en-US" altLang="ko-KR" sz="2800" b="1" dirty="0" smtClean="0"/>
+              <a:rPr lang="en-US" altLang="ko-KR" sz="2800" b="1" dirty="0"/>
               <a:t>data[]</a:t>
             </a:r>
             <a:r>
-              <a:rPr lang="en-US" altLang="ko-KR" sz="2800" dirty="0" smtClean="0"/>
+              <a:rPr lang="en-US" altLang="ko-KR" sz="2800" dirty="0"/>
               <a:t>: 	It stores all the non-zero values in the 			sparse matrix.</a:t>
             </a:r>
           </a:p>
@@ -17149,15 +17337,15 @@
               <a:buNone/>
             </a:pPr>
             <a:r>
-              <a:rPr lang="en-US" altLang="ko-KR" sz="2800" b="1" dirty="0" err="1" smtClean="0"/>
+              <a:rPr lang="en-US" altLang="ko-KR" sz="2800" b="1" dirty="0" err="1"/>
               <a:t>col_index</a:t>
             </a:r>
             <a:r>
-              <a:rPr lang="en-US" altLang="ko-KR" sz="2800" b="1" dirty="0" smtClean="0"/>
+              <a:rPr lang="en-US" altLang="ko-KR" sz="2800" b="1" dirty="0"/>
               <a:t>[]:	</a:t>
             </a:r>
             <a:r>
-              <a:rPr lang="en-US" altLang="ko-KR" sz="2800" dirty="0" smtClean="0"/>
+              <a:rPr lang="en-US" altLang="ko-KR" sz="2800" dirty="0"/>
               <a:t>It represents the column index of every non-		zero value in the sparse matrix.</a:t>
             </a:r>
           </a:p>
@@ -17166,24 +17354,16 @@
               <a:buNone/>
             </a:pPr>
             <a:r>
-              <a:rPr lang="en-US" altLang="ko-KR" sz="2800" b="1" dirty="0" err="1" smtClean="0"/>
+              <a:rPr lang="en-US" altLang="ko-KR" sz="2800" b="1" dirty="0" err="1"/>
               <a:t>row_ptr</a:t>
             </a:r>
             <a:r>
-              <a:rPr lang="en-US" altLang="ko-KR" sz="2800" b="1" dirty="0" smtClean="0"/>
+              <a:rPr lang="en-US" altLang="ko-KR" sz="2800" b="1" dirty="0"/>
               <a:t>[]: 	</a:t>
             </a:r>
             <a:r>
-              <a:rPr lang="en-US" altLang="ko-KR" sz="2800" dirty="0" smtClean="0"/>
-              <a:t>It represents the beginning locations of 		each</a:t>
-            </a:r>
-            <a:r>
               <a:rPr lang="en-US" altLang="ko-KR" sz="2800" dirty="0"/>
-              <a:t> </a:t>
-            </a:r>
-            <a:r>
-              <a:rPr lang="en-US" altLang="ko-KR" sz="2800" dirty="0" smtClean="0"/>
-              <a:t>row.</a:t>
+              <a:t>It represents the beginning locations of 		each row.</a:t>
             </a:r>
           </a:p>
           <a:p>
@@ -17204,13 +17384,6 @@
   <p:clrMapOvr>
     <a:masterClrMapping/>
   </p:clrMapOvr>
-  <p:timing>
-    <p:tnLst>
-      <p:par>
-        <p:cTn id="1" dur="indefinite" restart="never" nodeType="tmRoot"/>
-      </p:par>
-    </p:tnLst>
-  </p:timing>
 </p:sld>
 </file>
 
@@ -17247,7 +17420,7 @@
           <a:lstStyle/>
           <a:p>
             <a:r>
-              <a:rPr lang="en-US" altLang="ko-KR" dirty="0" smtClean="0"/>
+              <a:rPr lang="en-US" altLang="ko-KR" dirty="0"/>
               <a:t>CUBLAS[2]</a:t>
             </a:r>
             <a:endParaRPr lang="ko-KR" altLang="en-US" dirty="0"/>
@@ -17320,13 +17493,6 @@
   <p:clrMapOvr>
     <a:masterClrMapping/>
   </p:clrMapOvr>
-  <p:timing>
-    <p:tnLst>
-      <p:par>
-        <p:cTn id="1" dur="indefinite" restart="never" nodeType="tmRoot"/>
-      </p:par>
-    </p:tnLst>
-  </p:timing>
 </p:sld>
 </file>
 
@@ -17363,7 +17529,7 @@
           <a:lstStyle/>
           <a:p>
             <a:r>
-              <a:rPr lang="en-US" altLang="ko-KR" dirty="0" smtClean="0"/>
+              <a:rPr lang="en-US" altLang="ko-KR" dirty="0"/>
               <a:t>CUBLAS[2]</a:t>
             </a:r>
             <a:endParaRPr lang="ko-KR" altLang="en-US" dirty="0"/>
@@ -17436,13 +17602,6 @@
   <p:clrMapOvr>
     <a:masterClrMapping/>
   </p:clrMapOvr>
-  <p:timing>
-    <p:tnLst>
-      <p:par>
-        <p:cTn id="1" dur="indefinite" restart="never" nodeType="tmRoot"/>
-      </p:par>
-    </p:tnLst>
-  </p:timing>
 </p:sld>
 </file>
 
@@ -17479,7 +17638,7 @@
           <a:lstStyle/>
           <a:p>
             <a:r>
-              <a:rPr lang="en-US" altLang="ko-KR" dirty="0" smtClean="0"/>
+              <a:rPr lang="en-US" altLang="ko-KR" dirty="0"/>
               <a:t>Homework#5 Sparse Matrix</a:t>
             </a:r>
             <a:endParaRPr lang="ko-KR" altLang="en-US" dirty="0"/>
@@ -17496,21 +17655,26 @@
             <p:ph idx="1"/>
           </p:nvPr>
         </p:nvSpPr>
-        <p:spPr/>
+        <p:spPr>
+          <a:xfrm>
+            <a:off x="457200" y="1600200"/>
+            <a:ext cx="8229600" cy="5357192"/>
+          </a:xfrm>
+        </p:spPr>
         <p:txBody>
           <a:bodyPr/>
           <a:lstStyle/>
           <a:p>
             <a:r>
-              <a:rPr lang="en-US" altLang="ko-KR" sz="2400" dirty="0" smtClean="0"/>
+              <a:rPr lang="en-US" altLang="ko-KR" sz="2400" dirty="0"/>
               <a:t>Use the random matrix generation program cusparse.cu of Chap. 8 to generate two random matrices A and B, and perform matrix-matrix multiplication using </a:t>
             </a:r>
             <a:r>
-              <a:rPr lang="en-US" altLang="ko-KR" sz="2400" dirty="0" err="1" smtClean="0"/>
+              <a:rPr lang="en-US" altLang="ko-KR" sz="2400" dirty="0" err="1"/>
               <a:t>cuSPARSE</a:t>
             </a:r>
             <a:r>
-              <a:rPr lang="en-US" altLang="ko-KR" sz="2400" dirty="0" smtClean="0"/>
+              <a:rPr lang="en-US" altLang="ko-KR" sz="2400" dirty="0"/>
               <a:t>.</a:t>
             </a:r>
           </a:p>
@@ -17520,11 +17684,7 @@
             </a:pPr>
             <a:r>
               <a:rPr lang="en-US" altLang="ko-KR" sz="2400" dirty="0"/>
-              <a:t> </a:t>
-            </a:r>
-            <a:r>
-              <a:rPr lang="en-US" altLang="ko-KR" sz="2400" dirty="0" smtClean="0"/>
-              <a:t>   The size of each sparse matrix is 1024x1024.</a:t>
+              <a:t>    The size of each sparse matrix is 1024x1024.</a:t>
             </a:r>
           </a:p>
           <a:p>
@@ -17533,18 +17693,14 @@
             </a:pPr>
             <a:r>
               <a:rPr lang="en-US" altLang="ko-KR" sz="2400" dirty="0"/>
-              <a:t> </a:t>
-            </a:r>
-            <a:r>
-              <a:rPr lang="en-US" altLang="ko-KR" sz="2400" dirty="0" smtClean="0"/>
-              <a:t>   You may refer to the solution program ‘</a:t>
-            </a:r>
-            <a:r>
-              <a:rPr lang="en-US" altLang="ko-KR" sz="2400" dirty="0" err="1" smtClean="0"/>
+              <a:t>    You may refer to the solution program ‘</a:t>
+            </a:r>
+            <a:r>
+              <a:rPr lang="en-US" altLang="ko-KR" sz="2400" dirty="0" err="1"/>
               <a:t>cusparse</a:t>
             </a:r>
             <a:r>
-              <a:rPr lang="en-US" altLang="ko-KR" sz="2400" dirty="0" smtClean="0"/>
+              <a:rPr lang="en-US" altLang="ko-KR" sz="2400" dirty="0"/>
               <a:t>-matrix-</a:t>
             </a:r>
           </a:p>
@@ -17553,7 +17709,7 @@
               <a:buNone/>
             </a:pPr>
             <a:r>
-              <a:rPr lang="en-US" altLang="ko-KR" sz="2400" dirty="0" smtClean="0"/>
+              <a:rPr lang="en-US" altLang="ko-KR" sz="2400" dirty="0"/>
               <a:t>     matrix.cu’.</a:t>
             </a:r>
           </a:p>
@@ -17568,7 +17724,7 @@
               <a:buNone/>
             </a:pPr>
             <a:r>
-              <a:rPr lang="en-US" altLang="ko-KR" sz="2400" dirty="0" smtClean="0"/>
+              <a:rPr lang="en-US" altLang="ko-KR" sz="2400" dirty="0"/>
               <a:t>   Problem 1. Use the storage format COO.</a:t>
             </a:r>
           </a:p>
@@ -17578,11 +17734,7 @@
             </a:pPr>
             <a:r>
               <a:rPr lang="en-US" altLang="ko-KR" sz="2400" dirty="0"/>
-              <a:t> </a:t>
-            </a:r>
-            <a:r>
-              <a:rPr lang="en-US" altLang="ko-KR" sz="2400" dirty="0" smtClean="0"/>
-              <a:t>  Problem 2. Use the storage format CSC.</a:t>
+              <a:t>   Problem 2. Use the storage format CSC.</a:t>
             </a:r>
           </a:p>
           <a:p>
@@ -17591,11 +17743,7 @@
             </a:pPr>
             <a:r>
               <a:rPr lang="en-US" altLang="ko-KR" sz="2400" dirty="0"/>
-              <a:t> </a:t>
-            </a:r>
-            <a:r>
-              <a:rPr lang="en-US" altLang="ko-KR" sz="2400" dirty="0" smtClean="0"/>
-              <a:t>  Problem 3. Use the storage format ELL.</a:t>
+              <a:t>   Problem 3. Use the storage format ELL.</a:t>
             </a:r>
           </a:p>
           <a:p>
@@ -17604,11 +17752,7 @@
             </a:pPr>
             <a:r>
               <a:rPr lang="en-US" altLang="ko-KR" sz="2400" dirty="0"/>
-              <a:t> </a:t>
-            </a:r>
-            <a:r>
-              <a:rPr lang="en-US" altLang="ko-KR" sz="2400" dirty="0" smtClean="0"/>
-              <a:t>  Problem 4. Use the storage format HYB.</a:t>
+              <a:t>   Problem 4. Use the storage format HYB.</a:t>
             </a:r>
           </a:p>
           <a:p>
@@ -17616,12 +17760,8 @@
               <a:buNone/>
             </a:pPr>
             <a:r>
-              <a:rPr lang="en-US" altLang="ko-KR" sz="2400" dirty="0" smtClean="0"/>
-              <a:t>(Use the same matrices A and B for </a:t>
-            </a:r>
-            <a:r>
-              <a:rPr lang="en-US" altLang="ko-KR" sz="2400" smtClean="0"/>
-              <a:t>all problems)</a:t>
+              <a:rPr lang="en-US" altLang="ko-KR" sz="2400" dirty="0"/>
+              <a:t>(Use the same matrices A and B for all problems)</a:t>
             </a:r>
             <a:endParaRPr lang="ko-KR" altLang="en-US" sz="2400" dirty="0"/>
           </a:p>
@@ -17673,7 +17813,7 @@
           <a:lstStyle/>
           <a:p>
             <a:r>
-              <a:rPr lang="en-US" altLang="ko-KR" dirty="0" smtClean="0"/>
+              <a:rPr lang="en-US" altLang="ko-KR" dirty="0"/>
               <a:t>Homework #5</a:t>
             </a:r>
             <a:endParaRPr lang="ko-KR" altLang="en-US" dirty="0"/>
@@ -17696,13 +17836,13 @@
           <a:lstStyle/>
           <a:p>
             <a:r>
-              <a:rPr lang="en-US" altLang="ko-KR" sz="2400" dirty="0" smtClean="0"/>
+              <a:rPr lang="en-US" altLang="ko-KR" sz="2400" dirty="0"/>
               <a:t>Evaluate and compare  the performance of each result with the naïve matrix multiplication of your program of Homework#3 applied to these sparse matrix A and B.</a:t>
             </a:r>
           </a:p>
           <a:p>
             <a:r>
-              <a:rPr lang="en-US" altLang="ko-KR" sz="2400" dirty="0" smtClean="0"/>
+              <a:rPr lang="en-US" altLang="ko-KR" sz="2400" dirty="0"/>
               <a:t>Due: May 30,2017</a:t>
             </a:r>
           </a:p>
@@ -17715,11 +17855,7 @@
             </a:pPr>
             <a:r>
               <a:rPr lang="en-US" altLang="ko-KR" sz="2400" dirty="0"/>
-              <a:t> </a:t>
-            </a:r>
-            <a:r>
-              <a:rPr lang="en-US" altLang="ko-KR" sz="2400" dirty="0" smtClean="0"/>
-              <a:t>   Submit your report to   </a:t>
+              <a:t>    Submit your report to   </a:t>
             </a:r>
           </a:p>
           <a:p>
@@ -17731,23 +17867,7 @@
             </a:pPr>
             <a:r>
               <a:rPr lang="en-US" altLang="ko-KR" sz="2400" dirty="0"/>
-              <a:t>	</a:t>
-            </a:r>
-            <a:r>
-              <a:rPr lang="en-US" altLang="ko-KR" sz="2400" dirty="0" smtClean="0"/>
-              <a:t>Kim </a:t>
-            </a:r>
-            <a:r>
-              <a:rPr lang="en-US" altLang="ko-KR" sz="2400" dirty="0"/>
-              <a:t>Woo Joong, PhD </a:t>
-            </a:r>
-            <a:r>
-              <a:rPr lang="en-US" altLang="ko-KR" sz="2400" dirty="0" smtClean="0"/>
-              <a:t>Student(w.j.kim@kaist.ac.kr</a:t>
-            </a:r>
-            <a:r>
-              <a:rPr lang="en-US" altLang="ko-KR" sz="2400" dirty="0"/>
-              <a:t>)</a:t>
+              <a:t>	Kim Woo Joong, PhD Student(w.j.kim@kaist.ac.kr)</a:t>
             </a:r>
           </a:p>
           <a:p>
@@ -17804,7 +17924,7 @@
           <a:lstStyle/>
           <a:p>
             <a:r>
-              <a:rPr lang="en-US" altLang="ko-KR" dirty="0" smtClean="0"/>
+              <a:rPr lang="en-US" altLang="ko-KR" dirty="0"/>
               <a:t>Presentation Schedule on May 25</a:t>
             </a:r>
             <a:endParaRPr lang="ko-KR" altLang="en-US" dirty="0"/>
@@ -17830,68 +17950,63 @@
               <a:buNone/>
             </a:pPr>
             <a:r>
-              <a:rPr lang="en-US" altLang="ko-KR" sz="2800" dirty="0" smtClean="0"/>
+              <a:rPr lang="en-US" altLang="ko-KR" sz="2800" dirty="0"/>
               <a:t>17. Fast Fourier Transform and CUFFT Lib: </a:t>
             </a:r>
             <a:r>
-              <a:rPr lang="ko-KR" altLang="en-US" sz="2800" dirty="0" smtClean="0"/>
+              <a:rPr lang="ko-KR" altLang="en-US" sz="2800" dirty="0"/>
               <a:t>유찬희</a:t>
             </a:r>
-            <a:endParaRPr lang="en-US" altLang="ko-KR" sz="2800" dirty="0" smtClean="0"/>
+            <a:endParaRPr lang="en-US" altLang="ko-KR" sz="2800" dirty="0"/>
           </a:p>
           <a:p>
             <a:pPr marL="0" indent="0">
               <a:buNone/>
             </a:pPr>
             <a:r>
-              <a:rPr lang="en-US" altLang="ko-KR" sz="2800" dirty="0" smtClean="0"/>
+              <a:rPr lang="en-US" altLang="ko-KR" sz="2800" dirty="0"/>
               <a:t>18. Multi-GPU Programming: </a:t>
             </a:r>
             <a:r>
-              <a:rPr lang="ko-KR" altLang="en-US" sz="2800" dirty="0" smtClean="0"/>
-              <a:t>이준</a:t>
-            </a:r>
-            <a:r>
               <a:rPr lang="ko-KR" altLang="en-US" sz="2800" dirty="0"/>
-              <a:t>희</a:t>
-            </a:r>
-            <a:endParaRPr lang="en-US" altLang="ko-KR" sz="2800" dirty="0" smtClean="0"/>
+              <a:t>이준희</a:t>
+            </a:r>
+            <a:endParaRPr lang="en-US" altLang="ko-KR" sz="2800" dirty="0"/>
           </a:p>
           <a:p>
             <a:pPr marL="0" indent="0">
               <a:buNone/>
             </a:pPr>
             <a:r>
-              <a:rPr lang="en-US" altLang="ko-KR" sz="2800" dirty="0" smtClean="0"/>
+              <a:rPr lang="en-US" altLang="ko-KR" sz="2800" dirty="0"/>
               <a:t>19. CUDA Debugging: </a:t>
             </a:r>
             <a:r>
-              <a:rPr lang="ko-KR" altLang="en-US" sz="2800" dirty="0" smtClean="0"/>
+              <a:rPr lang="ko-KR" altLang="en-US" sz="2800" dirty="0"/>
               <a:t>김재엽</a:t>
             </a:r>
-            <a:endParaRPr lang="en-US" altLang="ko-KR" sz="2800" dirty="0" smtClean="0"/>
+            <a:endParaRPr lang="en-US" altLang="ko-KR" sz="2800" dirty="0"/>
           </a:p>
           <a:p>
             <a:pPr marL="0" indent="0">
               <a:buNone/>
             </a:pPr>
             <a:r>
-              <a:rPr lang="en-US" altLang="ko-KR" sz="2800" dirty="0" smtClean="0"/>
+              <a:rPr lang="en-US" altLang="ko-KR" sz="2800" dirty="0"/>
               <a:t>20. </a:t>
             </a:r>
             <a:r>
-              <a:rPr lang="en-US" altLang="ko-KR" sz="2800" dirty="0" err="1" smtClean="0"/>
+              <a:rPr lang="en-US" altLang="ko-KR" sz="2800" dirty="0" err="1"/>
               <a:t>PyCUDA</a:t>
             </a:r>
             <a:r>
-              <a:rPr lang="en-US" altLang="ko-KR" sz="2800" dirty="0" smtClean="0"/>
+              <a:rPr lang="en-US" altLang="ko-KR" sz="2800" dirty="0"/>
               <a:t> : </a:t>
             </a:r>
             <a:r>
-              <a:rPr lang="ko-KR" altLang="en-US" sz="2800" dirty="0" smtClean="0"/>
+              <a:rPr lang="ko-KR" altLang="en-US" sz="2800" dirty="0"/>
               <a:t>김진권</a:t>
             </a:r>
-            <a:endParaRPr lang="ko-KR" altLang="en-US" sz="2800" dirty="0"/>
           </a:p>
         </p:txBody>
       </p:sp>
@@ -17941,7 +18056,7 @@
           <a:lstStyle/>
           <a:p>
             <a:r>
-              <a:rPr lang="en-US" altLang="ko-KR" dirty="0" smtClean="0"/>
+              <a:rPr lang="en-US" altLang="ko-KR" dirty="0"/>
               <a:t>CSR</a:t>
             </a:r>
             <a:endParaRPr lang="ko-KR" altLang="en-US" dirty="0"/>
@@ -18003,13 +18118,55 @@
                 <a:tableStyleId>{5C22544A-7EE6-4342-B048-85BDC9FD1C3A}</a:tableStyleId>
               </a:tblPr>
               <a:tblGrid>
-                <a:gridCol w="771514"/>
-                <a:gridCol w="771514"/>
-                <a:gridCol w="771514"/>
-                <a:gridCol w="771514"/>
-                <a:gridCol w="771514"/>
-                <a:gridCol w="771514"/>
-                <a:gridCol w="771514"/>
+                <a:gridCol w="771514">
+                  <a:extLst>
+                    <a:ext uri="{9D8B030D-6E8A-4147-A177-3AD203B41FA5}">
+                      <a16:colId xmlns:a16="http://schemas.microsoft.com/office/drawing/2014/main" val="20000"/>
+                    </a:ext>
+                  </a:extLst>
+                </a:gridCol>
+                <a:gridCol w="771514">
+                  <a:extLst>
+                    <a:ext uri="{9D8B030D-6E8A-4147-A177-3AD203B41FA5}">
+                      <a16:colId xmlns:a16="http://schemas.microsoft.com/office/drawing/2014/main" val="20001"/>
+                    </a:ext>
+                  </a:extLst>
+                </a:gridCol>
+                <a:gridCol w="771514">
+                  <a:extLst>
+                    <a:ext uri="{9D8B030D-6E8A-4147-A177-3AD203B41FA5}">
+                      <a16:colId xmlns:a16="http://schemas.microsoft.com/office/drawing/2014/main" val="20002"/>
+                    </a:ext>
+                  </a:extLst>
+                </a:gridCol>
+                <a:gridCol w="771514">
+                  <a:extLst>
+                    <a:ext uri="{9D8B030D-6E8A-4147-A177-3AD203B41FA5}">
+                      <a16:colId xmlns:a16="http://schemas.microsoft.com/office/drawing/2014/main" val="20003"/>
+                    </a:ext>
+                  </a:extLst>
+                </a:gridCol>
+                <a:gridCol w="771514">
+                  <a:extLst>
+                    <a:ext uri="{9D8B030D-6E8A-4147-A177-3AD203B41FA5}">
+                      <a16:colId xmlns:a16="http://schemas.microsoft.com/office/drawing/2014/main" val="20004"/>
+                    </a:ext>
+                  </a:extLst>
+                </a:gridCol>
+                <a:gridCol w="771514">
+                  <a:extLst>
+                    <a:ext uri="{9D8B030D-6E8A-4147-A177-3AD203B41FA5}">
+                      <a16:colId xmlns:a16="http://schemas.microsoft.com/office/drawing/2014/main" val="20005"/>
+                    </a:ext>
+                  </a:extLst>
+                </a:gridCol>
+                <a:gridCol w="771514">
+                  <a:extLst>
+                    <a:ext uri="{9D8B030D-6E8A-4147-A177-3AD203B41FA5}">
+                      <a16:colId xmlns:a16="http://schemas.microsoft.com/office/drawing/2014/main" val="20006"/>
+                    </a:ext>
+                  </a:extLst>
+                </a:gridCol>
               </a:tblGrid>
               <a:tr h="360040">
                 <a:tc>
@@ -18019,7 +18176,7 @@
                     <a:p>
                       <a:pPr latinLnBrk="1"/>
                       <a:r>
-                        <a:rPr lang="en-US" altLang="ko-KR" dirty="0" smtClean="0"/>
+                        <a:rPr lang="en-US" altLang="ko-KR" dirty="0"/>
                         <a:t>1</a:t>
                       </a:r>
                       <a:endParaRPr lang="ko-KR" altLang="en-US" dirty="0"/>
@@ -18038,7 +18195,7 @@
                     <a:p>
                       <a:pPr latinLnBrk="1"/>
                       <a:r>
-                        <a:rPr lang="en-US" altLang="ko-KR" dirty="0" smtClean="0"/>
+                        <a:rPr lang="en-US" altLang="ko-KR" dirty="0"/>
                         <a:t>2</a:t>
                       </a:r>
                       <a:endParaRPr lang="ko-KR" altLang="en-US" dirty="0"/>
@@ -18057,7 +18214,7 @@
                     <a:p>
                       <a:pPr latinLnBrk="1"/>
                       <a:r>
-                        <a:rPr lang="en-US" altLang="ko-KR" dirty="0" smtClean="0"/>
+                        <a:rPr lang="en-US" altLang="ko-KR" dirty="0"/>
                         <a:t>3</a:t>
                       </a:r>
                       <a:endParaRPr lang="ko-KR" altLang="en-US" dirty="0"/>
@@ -18076,7 +18233,7 @@
                     <a:p>
                       <a:pPr latinLnBrk="1"/>
                       <a:r>
-                        <a:rPr lang="en-US" altLang="ko-KR" dirty="0" smtClean="0"/>
+                        <a:rPr lang="en-US" altLang="ko-KR" dirty="0"/>
                         <a:t>4</a:t>
                       </a:r>
                       <a:endParaRPr lang="ko-KR" altLang="en-US" dirty="0"/>
@@ -18095,7 +18252,7 @@
                     <a:p>
                       <a:pPr latinLnBrk="1"/>
                       <a:r>
-                        <a:rPr lang="en-US" altLang="ko-KR" dirty="0" smtClean="0"/>
+                        <a:rPr lang="en-US" altLang="ko-KR" dirty="0"/>
                         <a:t>5</a:t>
                       </a:r>
                       <a:endParaRPr lang="ko-KR" altLang="en-US" dirty="0"/>
@@ -18114,7 +18271,7 @@
                     <a:p>
                       <a:pPr latinLnBrk="1"/>
                       <a:r>
-                        <a:rPr lang="en-US" altLang="ko-KR" dirty="0" smtClean="0"/>
+                        <a:rPr lang="en-US" altLang="ko-KR" dirty="0"/>
                         <a:t>6</a:t>
                       </a:r>
                       <a:endParaRPr lang="ko-KR" altLang="en-US" dirty="0"/>
@@ -18133,7 +18290,7 @@
                     <a:p>
                       <a:pPr latinLnBrk="1"/>
                       <a:r>
-                        <a:rPr lang="en-US" altLang="ko-KR" dirty="0" smtClean="0"/>
+                        <a:rPr lang="en-US" altLang="ko-KR" dirty="0"/>
                         <a:t>7</a:t>
                       </a:r>
                       <a:endParaRPr lang="ko-KR" altLang="en-US" dirty="0"/>
@@ -18145,6 +18302,11 @@
                     </a:solidFill>
                   </a:tcPr>
                 </a:tc>
+                <a:extLst>
+                  <a:ext uri="{0D108BD9-81ED-4DB2-BD59-A6C34878D82A}">
+                    <a16:rowId xmlns:a16="http://schemas.microsoft.com/office/drawing/2014/main" val="10000"/>
+                  </a:ext>
+                </a:extLst>
               </a:tr>
               <a:tr h="360040">
                 <a:tc>
@@ -18154,7 +18316,7 @@
                     <a:p>
                       <a:pPr latinLnBrk="1"/>
                       <a:r>
-                        <a:rPr lang="en-US" altLang="ko-KR" dirty="0" smtClean="0"/>
+                        <a:rPr lang="en-US" altLang="ko-KR" dirty="0"/>
                         <a:t>0</a:t>
                       </a:r>
                       <a:endParaRPr lang="ko-KR" altLang="en-US" dirty="0"/>
@@ -18173,7 +18335,7 @@
                     <a:p>
                       <a:pPr latinLnBrk="1"/>
                       <a:r>
-                        <a:rPr lang="en-US" altLang="ko-KR" dirty="0" smtClean="0"/>
+                        <a:rPr lang="en-US" altLang="ko-KR" dirty="0"/>
                         <a:t>2</a:t>
                       </a:r>
                       <a:endParaRPr lang="ko-KR" altLang="en-US" dirty="0"/>
@@ -18192,7 +18354,7 @@
                     <a:p>
                       <a:pPr latinLnBrk="1"/>
                       <a:r>
-                        <a:rPr lang="en-US" altLang="ko-KR" dirty="0" smtClean="0"/>
+                        <a:rPr lang="en-US" altLang="ko-KR" dirty="0"/>
                         <a:t>1</a:t>
                       </a:r>
                       <a:endParaRPr lang="ko-KR" altLang="en-US" dirty="0"/>
@@ -18211,7 +18373,7 @@
                     <a:p>
                       <a:pPr latinLnBrk="1"/>
                       <a:r>
-                        <a:rPr lang="en-US" altLang="ko-KR" dirty="0" smtClean="0"/>
+                        <a:rPr lang="en-US" altLang="ko-KR" dirty="0"/>
                         <a:t>2</a:t>
                       </a:r>
                       <a:endParaRPr lang="ko-KR" altLang="en-US" dirty="0"/>
@@ -18230,7 +18392,7 @@
                     <a:p>
                       <a:pPr latinLnBrk="1"/>
                       <a:r>
-                        <a:rPr lang="en-US" altLang="ko-KR" dirty="0" smtClean="0"/>
+                        <a:rPr lang="en-US" altLang="ko-KR" dirty="0"/>
                         <a:t>3</a:t>
                       </a:r>
                       <a:endParaRPr lang="ko-KR" altLang="en-US" dirty="0"/>
@@ -18249,7 +18411,7 @@
                     <a:p>
                       <a:pPr latinLnBrk="1"/>
                       <a:r>
-                        <a:rPr lang="en-US" altLang="ko-KR" dirty="0" smtClean="0"/>
+                        <a:rPr lang="en-US" altLang="ko-KR" dirty="0"/>
                         <a:t>0</a:t>
                       </a:r>
                       <a:endParaRPr lang="ko-KR" altLang="en-US" dirty="0"/>
@@ -18268,7 +18430,7 @@
                     <a:p>
                       <a:pPr latinLnBrk="1"/>
                       <a:r>
-                        <a:rPr lang="en-US" altLang="ko-KR" dirty="0" smtClean="0"/>
+                        <a:rPr lang="en-US" altLang="ko-KR" dirty="0"/>
                         <a:t>3</a:t>
                       </a:r>
                       <a:endParaRPr lang="ko-KR" altLang="en-US" dirty="0"/>
@@ -18280,6 +18442,11 @@
                     </a:solidFill>
                   </a:tcPr>
                 </a:tc>
+                <a:extLst>
+                  <a:ext uri="{0D108BD9-81ED-4DB2-BD59-A6C34878D82A}">
+                    <a16:rowId xmlns:a16="http://schemas.microsoft.com/office/drawing/2014/main" val="10001"/>
+                  </a:ext>
+                </a:extLst>
               </a:tr>
             </a:tbl>
           </a:graphicData>
@@ -18310,11 +18477,41 @@
                 <a:tableStyleId>{5C22544A-7EE6-4342-B048-85BDC9FD1C3A}</a:tableStyleId>
               </a:tblPr>
               <a:tblGrid>
-                <a:gridCol w="762000"/>
-                <a:gridCol w="762000"/>
-                <a:gridCol w="762000"/>
-                <a:gridCol w="762000"/>
-                <a:gridCol w="762000"/>
+                <a:gridCol w="762000">
+                  <a:extLst>
+                    <a:ext uri="{9D8B030D-6E8A-4147-A177-3AD203B41FA5}">
+                      <a16:colId xmlns:a16="http://schemas.microsoft.com/office/drawing/2014/main" val="20000"/>
+                    </a:ext>
+                  </a:extLst>
+                </a:gridCol>
+                <a:gridCol w="762000">
+                  <a:extLst>
+                    <a:ext uri="{9D8B030D-6E8A-4147-A177-3AD203B41FA5}">
+                      <a16:colId xmlns:a16="http://schemas.microsoft.com/office/drawing/2014/main" val="20001"/>
+                    </a:ext>
+                  </a:extLst>
+                </a:gridCol>
+                <a:gridCol w="762000">
+                  <a:extLst>
+                    <a:ext uri="{9D8B030D-6E8A-4147-A177-3AD203B41FA5}">
+                      <a16:colId xmlns:a16="http://schemas.microsoft.com/office/drawing/2014/main" val="20002"/>
+                    </a:ext>
+                  </a:extLst>
+                </a:gridCol>
+                <a:gridCol w="762000">
+                  <a:extLst>
+                    <a:ext uri="{9D8B030D-6E8A-4147-A177-3AD203B41FA5}">
+                      <a16:colId xmlns:a16="http://schemas.microsoft.com/office/drawing/2014/main" val="20003"/>
+                    </a:ext>
+                  </a:extLst>
+                </a:gridCol>
+                <a:gridCol w="762000">
+                  <a:extLst>
+                    <a:ext uri="{9D8B030D-6E8A-4147-A177-3AD203B41FA5}">
+                      <a16:colId xmlns:a16="http://schemas.microsoft.com/office/drawing/2014/main" val="20004"/>
+                    </a:ext>
+                  </a:extLst>
+                </a:gridCol>
               </a:tblGrid>
               <a:tr h="370840">
                 <a:tc>
@@ -18324,7 +18521,7 @@
                     <a:p>
                       <a:pPr latinLnBrk="1"/>
                       <a:r>
-                        <a:rPr lang="en-US" altLang="ko-KR" dirty="0" smtClean="0"/>
+                        <a:rPr lang="en-US" altLang="ko-KR" dirty="0"/>
                         <a:t>0</a:t>
                       </a:r>
                       <a:endParaRPr lang="ko-KR" altLang="en-US" dirty="0"/>
@@ -18343,7 +18540,7 @@
                     <a:p>
                       <a:pPr latinLnBrk="1"/>
                       <a:r>
-                        <a:rPr lang="en-US" altLang="ko-KR" dirty="0" smtClean="0"/>
+                        <a:rPr lang="en-US" altLang="ko-KR" dirty="0"/>
                         <a:t>2</a:t>
                       </a:r>
                       <a:endParaRPr lang="ko-KR" altLang="en-US" dirty="0"/>
@@ -18362,7 +18559,7 @@
                     <a:p>
                       <a:pPr latinLnBrk="1"/>
                       <a:r>
-                        <a:rPr lang="en-US" altLang="ko-KR" dirty="0" smtClean="0"/>
+                        <a:rPr lang="en-US" altLang="ko-KR" dirty="0"/>
                         <a:t>2</a:t>
                       </a:r>
                       <a:endParaRPr lang="ko-KR" altLang="en-US" dirty="0"/>
@@ -18381,7 +18578,7 @@
                     <a:p>
                       <a:pPr latinLnBrk="1"/>
                       <a:r>
-                        <a:rPr lang="en-US" altLang="ko-KR" dirty="0" smtClean="0"/>
+                        <a:rPr lang="en-US" altLang="ko-KR" dirty="0"/>
                         <a:t>5</a:t>
                       </a:r>
                       <a:endParaRPr lang="ko-KR" altLang="en-US" dirty="0"/>
@@ -18400,7 +18597,7 @@
                     <a:p>
                       <a:pPr latinLnBrk="1"/>
                       <a:r>
-                        <a:rPr lang="en-US" altLang="ko-KR" dirty="0" smtClean="0"/>
+                        <a:rPr lang="en-US" altLang="ko-KR" dirty="0"/>
                         <a:t>7</a:t>
                       </a:r>
                       <a:endParaRPr lang="ko-KR" altLang="en-US" dirty="0"/>
@@ -18408,6 +18605,11 @@
                   </a:txBody>
                   <a:tcPr/>
                 </a:tc>
+                <a:extLst>
+                  <a:ext uri="{0D108BD9-81ED-4DB2-BD59-A6C34878D82A}">
+                    <a16:rowId xmlns:a16="http://schemas.microsoft.com/office/drawing/2014/main" val="10000"/>
+                  </a:ext>
+                </a:extLst>
               </a:tr>
             </a:tbl>
           </a:graphicData>
@@ -18436,7 +18638,7 @@
           <a:lstStyle/>
           <a:p>
             <a:r>
-              <a:rPr lang="en-US" altLang="ko-KR" b="1" dirty="0" smtClean="0">
+              <a:rPr lang="en-US" altLang="ko-KR" b="1" dirty="0">
                 <a:latin typeface="+mn-lt"/>
               </a:rPr>
               <a:t>row 0</a:t>
@@ -18470,7 +18672,7 @@
           <a:lstStyle/>
           <a:p>
             <a:r>
-              <a:rPr lang="en-US" altLang="ko-KR" b="1" dirty="0" smtClean="0">
+              <a:rPr lang="en-US" altLang="ko-KR" b="1" dirty="0">
                 <a:latin typeface="+mn-lt"/>
               </a:rPr>
               <a:t>row2</a:t>
@@ -18504,7 +18706,7 @@
           <a:lstStyle/>
           <a:p>
             <a:r>
-              <a:rPr lang="en-US" altLang="ko-KR" b="1" dirty="0" smtClean="0">
+              <a:rPr lang="en-US" altLang="ko-KR" b="1" dirty="0">
                 <a:latin typeface="+mn-lt"/>
               </a:rPr>
               <a:t>row3</a:t>
@@ -18574,7 +18776,7 @@
           <a:lstStyle/>
           <a:p>
             <a:r>
-              <a:rPr lang="en-US" altLang="ko-KR" sz="1200" dirty="0" smtClean="0">
+              <a:rPr lang="en-US" altLang="ko-KR" sz="1200" dirty="0">
                 <a:latin typeface="+mn-lt"/>
               </a:rPr>
               <a:t>row0</a:t>
@@ -18608,7 +18810,7 @@
           <a:lstStyle/>
           <a:p>
             <a:r>
-              <a:rPr lang="en-US" altLang="ko-KR" sz="1200" dirty="0" smtClean="0">
+              <a:rPr lang="en-US" altLang="ko-KR" sz="1200" dirty="0">
                 <a:latin typeface="+mn-lt"/>
               </a:rPr>
               <a:t>row1</a:t>
@@ -18642,7 +18844,7 @@
           <a:lstStyle/>
           <a:p>
             <a:r>
-              <a:rPr lang="en-US" altLang="ko-KR" sz="1200" dirty="0" smtClean="0">
+              <a:rPr lang="en-US" altLang="ko-KR" sz="1200" dirty="0">
                 <a:latin typeface="+mn-lt"/>
               </a:rPr>
               <a:t>row2</a:t>
@@ -18676,7 +18878,7 @@
           <a:lstStyle/>
           <a:p>
             <a:r>
-              <a:rPr lang="en-US" altLang="ko-KR" sz="1200" dirty="0" smtClean="0">
+              <a:rPr lang="en-US" altLang="ko-KR" sz="1200" dirty="0">
                 <a:latin typeface="+mn-lt"/>
               </a:rPr>
               <a:t>row3</a:t>
@@ -18710,7 +18912,7 @@
           <a:lstStyle/>
           <a:p>
             <a:r>
-              <a:rPr lang="en-US" altLang="ko-KR" sz="1200" dirty="0" smtClean="0">
+              <a:rPr lang="en-US" altLang="ko-KR" sz="1200" dirty="0">
                 <a:latin typeface="+mn-lt"/>
               </a:rPr>
               <a:t>row4</a:t>
@@ -18818,7 +19020,7 @@
           <a:lstStyle/>
           <a:p>
             <a:r>
-              <a:rPr lang="en-US" altLang="ko-KR" b="1" dirty="0" smtClean="0">
+              <a:rPr lang="en-US" altLang="ko-KR" b="1" dirty="0">
                 <a:latin typeface="+mn-lt"/>
               </a:rPr>
               <a:t>data[]</a:t>
@@ -18852,13 +19054,13 @@
           <a:lstStyle/>
           <a:p>
             <a:r>
-              <a:rPr lang="en-US" altLang="ko-KR" b="1" dirty="0" err="1" smtClean="0">
+              <a:rPr lang="en-US" altLang="ko-KR" b="1" dirty="0" err="1">
                 <a:latin typeface="+mn-lt"/>
               </a:rPr>
               <a:t>col_index</a:t>
             </a:r>
             <a:r>
-              <a:rPr lang="en-US" altLang="ko-KR" b="1" dirty="0" smtClean="0">
+              <a:rPr lang="en-US" altLang="ko-KR" b="1" dirty="0">
                 <a:latin typeface="+mn-lt"/>
               </a:rPr>
               <a:t>[]</a:t>
@@ -18892,13 +19094,13 @@
           <a:lstStyle/>
           <a:p>
             <a:r>
-              <a:rPr lang="en-US" altLang="ko-KR" b="1" dirty="0" err="1" smtClean="0">
+              <a:rPr lang="en-US" altLang="ko-KR" b="1" dirty="0" err="1">
                 <a:latin typeface="+mn-lt"/>
               </a:rPr>
               <a:t>row_ptr</a:t>
             </a:r>
             <a:r>
-              <a:rPr lang="en-US" altLang="ko-KR" b="1" dirty="0" smtClean="0">
+              <a:rPr lang="en-US" altLang="ko-KR" b="1" dirty="0">
                 <a:latin typeface="+mn-lt"/>
               </a:rPr>
               <a:t>[]</a:t>
@@ -18919,13 +19121,6 @@
   <p:clrMapOvr>
     <a:masterClrMapping/>
   </p:clrMapOvr>
-  <p:timing>
-    <p:tnLst>
-      <p:par>
-        <p:cTn id="1" dur="indefinite" restart="never" nodeType="tmRoot"/>
-      </p:par>
-    </p:tnLst>
-  </p:timing>
 </p:sld>
 </file>
 
@@ -18962,7 +19157,7 @@
           <a:lstStyle/>
           <a:p>
             <a:r>
-              <a:rPr lang="en-US" altLang="ko-KR" dirty="0" smtClean="0"/>
+              <a:rPr lang="en-US" altLang="ko-KR" dirty="0"/>
               <a:t>Linear System</a:t>
             </a:r>
             <a:endParaRPr lang="ko-KR" altLang="en-US" dirty="0"/>
@@ -18988,11 +19183,11 @@
               <a:buNone/>
             </a:pPr>
             <a:r>
-              <a:rPr lang="ko-KR" altLang="en-US" dirty="0" smtClean="0"/>
+              <a:rPr lang="ko-KR" altLang="en-US" dirty="0"/>
               <a:t> </a:t>
             </a:r>
             <a:r>
-              <a:rPr lang="en-US" altLang="ko-KR" dirty="0" smtClean="0"/>
+              <a:rPr lang="en-US" altLang="ko-KR" dirty="0"/>
               <a:t>A linear system  of N equations of N variables can be expressed in the form of </a:t>
             </a:r>
           </a:p>
@@ -19002,19 +19197,7 @@
             </a:pPr>
             <a:r>
               <a:rPr lang="en-US" altLang="ko-KR" dirty="0"/>
-              <a:t>	</a:t>
-            </a:r>
-            <a:r>
-              <a:rPr lang="en-US" altLang="ko-KR" dirty="0" smtClean="0"/>
-              <a:t>	AX</a:t>
-            </a:r>
-            <a:r>
-              <a:rPr lang="en-US" altLang="ko-KR" dirty="0"/>
-              <a:t> </a:t>
-            </a:r>
-            <a:r>
-              <a:rPr lang="en-US" altLang="ko-KR" dirty="0" smtClean="0"/>
-              <a:t>+ Y = 0,</a:t>
+              <a:t>		AX + Y = 0,</a:t>
             </a:r>
           </a:p>
           <a:p>
@@ -19023,11 +19206,7 @@
             </a:pPr>
             <a:r>
               <a:rPr lang="en-US" altLang="ko-KR" dirty="0"/>
-              <a:t>	</a:t>
-            </a:r>
-            <a:r>
-              <a:rPr lang="en-US" altLang="ko-KR" dirty="0" smtClean="0"/>
-              <a:t>	where A is an N x N matrix,</a:t>
+              <a:t>		where A is an N x N matrix,</a:t>
             </a:r>
           </a:p>
           <a:p>
@@ -19036,11 +19215,7 @@
             </a:pPr>
             <a:r>
               <a:rPr lang="en-US" altLang="ko-KR" dirty="0"/>
-              <a:t>	</a:t>
-            </a:r>
-            <a:r>
-              <a:rPr lang="en-US" altLang="ko-KR" dirty="0" smtClean="0"/>
-              <a:t>	X is a vector of N variables,</a:t>
+              <a:t>		X is a vector of N variables,</a:t>
             </a:r>
           </a:p>
           <a:p>
@@ -19049,11 +19224,7 @@
             </a:pPr>
             <a:r>
               <a:rPr lang="en-US" altLang="ko-KR" dirty="0"/>
-              <a:t>	</a:t>
-            </a:r>
-            <a:r>
-              <a:rPr lang="en-US" altLang="ko-KR" dirty="0" smtClean="0"/>
-              <a:t>	and Y is a vector of N constant values.</a:t>
+              <a:t>		and Y is a vector of N constant values.</a:t>
             </a:r>
             <a:endParaRPr lang="ko-KR" altLang="en-US" dirty="0"/>
           </a:p>
@@ -19069,13 +19240,6 @@
   <p:clrMapOvr>
     <a:masterClrMapping/>
   </p:clrMapOvr>
-  <p:timing>
-    <p:tnLst>
-      <p:par>
-        <p:cTn id="1" dur="indefinite" restart="never" nodeType="tmRoot"/>
-      </p:par>
-    </p:tnLst>
-  </p:timing>
 </p:sld>
 </file>
 
@@ -19112,7 +19276,7 @@
           <a:lstStyle/>
           <a:p>
             <a:r>
-              <a:rPr lang="en-US" altLang="ko-KR" dirty="0" smtClean="0"/>
+              <a:rPr lang="en-US" altLang="ko-KR" dirty="0"/>
               <a:t>AX + Y =0</a:t>
             </a:r>
             <a:endParaRPr lang="ko-KR" altLang="en-US" dirty="0"/>
@@ -19138,7 +19302,7 @@
               <a:buNone/>
             </a:pPr>
             <a:r>
-              <a:rPr lang="en-US" altLang="ko-KR" sz="2400" dirty="0" smtClean="0"/>
+              <a:rPr lang="en-US" altLang="ko-KR" sz="2400" dirty="0"/>
               <a:t>The solutions:</a:t>
             </a:r>
           </a:p>
@@ -19148,18 +19312,14 @@
             </a:pPr>
             <a:r>
               <a:rPr lang="en-US" altLang="ko-KR" sz="2400" dirty="0"/>
-              <a:t>	</a:t>
-            </a:r>
-            <a:r>
-              <a:rPr lang="en-US" altLang="ko-KR" sz="2400" dirty="0" smtClean="0"/>
-              <a:t>1. Calculate directly X= A</a:t>
-            </a:r>
-            <a:r>
-              <a:rPr lang="en-US" altLang="ko-KR" sz="2400" baseline="30000" dirty="0" smtClean="0"/>
+              <a:t>	1. Calculate directly X= A</a:t>
+            </a:r>
+            <a:r>
+              <a:rPr lang="en-US" altLang="ko-KR" sz="2400" baseline="30000" dirty="0"/>
               <a:t>-1 </a:t>
             </a:r>
             <a:r>
-              <a:rPr lang="en-US" altLang="ko-KR" sz="2400" dirty="0" smtClean="0"/>
+              <a:rPr lang="en-US" altLang="ko-KR" sz="2400" dirty="0"/>
               <a:t> x (-Y).</a:t>
             </a:r>
           </a:p>
@@ -19169,19 +19329,7 @@
             </a:pPr>
             <a:r>
               <a:rPr lang="en-US" altLang="ko-KR" sz="2400" dirty="0"/>
-              <a:t>	</a:t>
-            </a:r>
-            <a:r>
-              <a:rPr lang="en-US" altLang="ko-KR" sz="2400" dirty="0" smtClean="0"/>
-              <a:t>2. Iterative method </a:t>
-            </a:r>
-            <a:r>
-              <a:rPr lang="en-US" altLang="ko-KR" sz="2400" dirty="0"/>
-              <a:t>b</a:t>
-            </a:r>
-            <a:r>
-              <a:rPr lang="en-US" altLang="ko-KR" sz="2400" dirty="0" smtClean="0"/>
-              <a:t>y conjugate gradient</a:t>
+              <a:t>	2. Iterative method by conjugate gradient</a:t>
             </a:r>
           </a:p>
           <a:p>
@@ -19190,11 +19338,7 @@
             </a:pPr>
             <a:r>
               <a:rPr lang="en-US" altLang="ko-KR" sz="2400" dirty="0"/>
-              <a:t>	</a:t>
-            </a:r>
-            <a:r>
-              <a:rPr lang="en-US" altLang="ko-KR" sz="2400" dirty="0" smtClean="0"/>
-              <a:t>   method:</a:t>
+              <a:t>	   method:</a:t>
             </a:r>
           </a:p>
           <a:p>
@@ -19203,11 +19347,7 @@
             </a:pPr>
             <a:r>
               <a:rPr lang="en-US" altLang="ko-KR" sz="2400" dirty="0"/>
-              <a:t>	</a:t>
-            </a:r>
-            <a:r>
-              <a:rPr lang="en-US" altLang="ko-KR" sz="2400" dirty="0" smtClean="0"/>
-              <a:t>(1) Guessing a solution X and calculate  AX+Y, and see if 	the result is close to a 0 vector.</a:t>
+              <a:t>	(1) Guessing a solution X and calculate  AX+Y, and see if 	the result is close to a 0 vector.</a:t>
             </a:r>
           </a:p>
           <a:p>
@@ -19216,11 +19356,7 @@
             </a:pPr>
             <a:r>
               <a:rPr lang="en-US" altLang="ko-KR" sz="2400" dirty="0"/>
-              <a:t>	</a:t>
-            </a:r>
-            <a:r>
-              <a:rPr lang="en-US" altLang="ko-KR" sz="2400" dirty="0" smtClean="0"/>
-              <a:t>(2)If not, modify the X using a gradient vector formula.</a:t>
+              <a:t>	(2)If not, modify the X using a gradient vector formula.</a:t>
             </a:r>
           </a:p>
           <a:p>
@@ -19229,11 +19365,7 @@
             </a:pPr>
             <a:r>
               <a:rPr lang="en-US" altLang="ko-KR" sz="2400" dirty="0"/>
-              <a:t>	</a:t>
-            </a:r>
-            <a:r>
-              <a:rPr lang="en-US" altLang="ko-KR" sz="2400" dirty="0" smtClean="0"/>
-              <a:t>(3)The most time-consuming part of this iterative approach 	is in the evaluation of AX+Y, which is a sparse matrix-	vector multiplication.</a:t>
+              <a:t>	(3)The most time-consuming part of this iterative approach 	is in the evaluation of AX+Y, which is a sparse matrix-	vector multiplication.</a:t>
             </a:r>
             <a:endParaRPr lang="ko-KR" altLang="en-US" sz="2400" dirty="0"/>
           </a:p>
@@ -19249,13 +19381,6 @@
   <p:clrMapOvr>
     <a:masterClrMapping/>
   </p:clrMapOvr>
-  <p:timing>
-    <p:tnLst>
-      <p:par>
-        <p:cTn id="1" dur="indefinite" restart="never" nodeType="tmRoot"/>
-      </p:par>
-    </p:tnLst>
-  </p:timing>
 </p:sld>
 </file>
 
@@ -19292,7 +19417,7 @@
           <a:lstStyle/>
           <a:p>
             <a:r>
-              <a:rPr lang="en-US" altLang="ko-KR" dirty="0" smtClean="0"/>
+              <a:rPr lang="en-US" altLang="ko-KR" dirty="0"/>
               <a:t>CSR</a:t>
             </a:r>
             <a:endParaRPr lang="ko-KR" altLang="en-US" dirty="0"/>
@@ -19354,13 +19479,55 @@
                 <a:tableStyleId>{5C22544A-7EE6-4342-B048-85BDC9FD1C3A}</a:tableStyleId>
               </a:tblPr>
               <a:tblGrid>
-                <a:gridCol w="771514"/>
-                <a:gridCol w="771514"/>
-                <a:gridCol w="771514"/>
-                <a:gridCol w="771514"/>
-                <a:gridCol w="771514"/>
-                <a:gridCol w="771514"/>
-                <a:gridCol w="771514"/>
+                <a:gridCol w="771514">
+                  <a:extLst>
+                    <a:ext uri="{9D8B030D-6E8A-4147-A177-3AD203B41FA5}">
+                      <a16:colId xmlns:a16="http://schemas.microsoft.com/office/drawing/2014/main" val="20000"/>
+                    </a:ext>
+                  </a:extLst>
+                </a:gridCol>
+                <a:gridCol w="771514">
+                  <a:extLst>
+                    <a:ext uri="{9D8B030D-6E8A-4147-A177-3AD203B41FA5}">
+                      <a16:colId xmlns:a16="http://schemas.microsoft.com/office/drawing/2014/main" val="20001"/>
+                    </a:ext>
+                  </a:extLst>
+                </a:gridCol>
+                <a:gridCol w="771514">
+                  <a:extLst>
+                    <a:ext uri="{9D8B030D-6E8A-4147-A177-3AD203B41FA5}">
+                      <a16:colId xmlns:a16="http://schemas.microsoft.com/office/drawing/2014/main" val="20002"/>
+                    </a:ext>
+                  </a:extLst>
+                </a:gridCol>
+                <a:gridCol w="771514">
+                  <a:extLst>
+                    <a:ext uri="{9D8B030D-6E8A-4147-A177-3AD203B41FA5}">
+                      <a16:colId xmlns:a16="http://schemas.microsoft.com/office/drawing/2014/main" val="20003"/>
+                    </a:ext>
+                  </a:extLst>
+                </a:gridCol>
+                <a:gridCol w="771514">
+                  <a:extLst>
+                    <a:ext uri="{9D8B030D-6E8A-4147-A177-3AD203B41FA5}">
+                      <a16:colId xmlns:a16="http://schemas.microsoft.com/office/drawing/2014/main" val="20004"/>
+                    </a:ext>
+                  </a:extLst>
+                </a:gridCol>
+                <a:gridCol w="771514">
+                  <a:extLst>
+                    <a:ext uri="{9D8B030D-6E8A-4147-A177-3AD203B41FA5}">
+                      <a16:colId xmlns:a16="http://schemas.microsoft.com/office/drawing/2014/main" val="20005"/>
+                    </a:ext>
+                  </a:extLst>
+                </a:gridCol>
+                <a:gridCol w="771514">
+                  <a:extLst>
+                    <a:ext uri="{9D8B030D-6E8A-4147-A177-3AD203B41FA5}">
+                      <a16:colId xmlns:a16="http://schemas.microsoft.com/office/drawing/2014/main" val="20006"/>
+                    </a:ext>
+                  </a:extLst>
+                </a:gridCol>
               </a:tblGrid>
               <a:tr h="360040">
                 <a:tc>
@@ -19370,7 +19537,7 @@
                     <a:p>
                       <a:pPr latinLnBrk="1"/>
                       <a:r>
-                        <a:rPr lang="en-US" altLang="ko-KR" dirty="0" smtClean="0"/>
+                        <a:rPr lang="en-US" altLang="ko-KR" dirty="0"/>
                         <a:t>1</a:t>
                       </a:r>
                       <a:endParaRPr lang="ko-KR" altLang="en-US" dirty="0"/>
@@ -19389,7 +19556,7 @@
                     <a:p>
                       <a:pPr latinLnBrk="1"/>
                       <a:r>
-                        <a:rPr lang="en-US" altLang="ko-KR" dirty="0" smtClean="0"/>
+                        <a:rPr lang="en-US" altLang="ko-KR" dirty="0"/>
                         <a:t>2</a:t>
                       </a:r>
                       <a:endParaRPr lang="ko-KR" altLang="en-US" dirty="0"/>
@@ -19408,7 +19575,7 @@
                     <a:p>
                       <a:pPr latinLnBrk="1"/>
                       <a:r>
-                        <a:rPr lang="en-US" altLang="ko-KR" dirty="0" smtClean="0"/>
+                        <a:rPr lang="en-US" altLang="ko-KR" dirty="0"/>
                         <a:t>3</a:t>
                       </a:r>
                       <a:endParaRPr lang="ko-KR" altLang="en-US" dirty="0"/>
@@ -19427,7 +19594,7 @@
                     <a:p>
                       <a:pPr latinLnBrk="1"/>
                       <a:r>
-                        <a:rPr lang="en-US" altLang="ko-KR" dirty="0" smtClean="0"/>
+                        <a:rPr lang="en-US" altLang="ko-KR" dirty="0"/>
                         <a:t>4</a:t>
                       </a:r>
                       <a:endParaRPr lang="ko-KR" altLang="en-US" dirty="0"/>
@@ -19446,7 +19613,7 @@
                     <a:p>
                       <a:pPr latinLnBrk="1"/>
                       <a:r>
-                        <a:rPr lang="en-US" altLang="ko-KR" dirty="0" smtClean="0"/>
+                        <a:rPr lang="en-US" altLang="ko-KR" dirty="0"/>
                         <a:t>5</a:t>
                       </a:r>
                       <a:endParaRPr lang="ko-KR" altLang="en-US" dirty="0"/>
@@ -19465,7 +19632,7 @@
                     <a:p>
                       <a:pPr latinLnBrk="1"/>
                       <a:r>
-                        <a:rPr lang="en-US" altLang="ko-KR" dirty="0" smtClean="0"/>
+                        <a:rPr lang="en-US" altLang="ko-KR" dirty="0"/>
                         <a:t>6</a:t>
                       </a:r>
                       <a:endParaRPr lang="ko-KR" altLang="en-US" dirty="0"/>
@@ -19484,7 +19651,7 @@
                     <a:p>
                       <a:pPr latinLnBrk="1"/>
                       <a:r>
-                        <a:rPr lang="en-US" altLang="ko-KR" dirty="0" smtClean="0"/>
+                        <a:rPr lang="en-US" altLang="ko-KR" dirty="0"/>
                         <a:t>7</a:t>
                       </a:r>
                       <a:endParaRPr lang="ko-KR" altLang="en-US" dirty="0"/>
@@ -19496,6 +19663,11 @@
                     </a:solidFill>
                   </a:tcPr>
                 </a:tc>
+                <a:extLst>
+                  <a:ext uri="{0D108BD9-81ED-4DB2-BD59-A6C34878D82A}">
+                    <a16:rowId xmlns:a16="http://schemas.microsoft.com/office/drawing/2014/main" val="10000"/>
+                  </a:ext>
+                </a:extLst>
               </a:tr>
               <a:tr h="360040">
                 <a:tc>
@@ -19505,7 +19677,7 @@
                     <a:p>
                       <a:pPr latinLnBrk="1"/>
                       <a:r>
-                        <a:rPr lang="en-US" altLang="ko-KR" dirty="0" smtClean="0"/>
+                        <a:rPr lang="en-US" altLang="ko-KR" dirty="0"/>
                         <a:t>0</a:t>
                       </a:r>
                       <a:endParaRPr lang="ko-KR" altLang="en-US" dirty="0"/>
@@ -19524,7 +19696,7 @@
                     <a:p>
                       <a:pPr latinLnBrk="1"/>
                       <a:r>
-                        <a:rPr lang="en-US" altLang="ko-KR" dirty="0" smtClean="0"/>
+                        <a:rPr lang="en-US" altLang="ko-KR" dirty="0"/>
                         <a:t>2</a:t>
                       </a:r>
                       <a:endParaRPr lang="ko-KR" altLang="en-US" dirty="0"/>
@@ -19543,7 +19715,7 @@
                     <a:p>
                       <a:pPr latinLnBrk="1"/>
                       <a:r>
-                        <a:rPr lang="en-US" altLang="ko-KR" dirty="0" smtClean="0"/>
+                        <a:rPr lang="en-US" altLang="ko-KR" dirty="0"/>
                         <a:t>1</a:t>
                       </a:r>
                       <a:endParaRPr lang="ko-KR" altLang="en-US" dirty="0"/>
@@ -19562,7 +19734,7 @@
                     <a:p>
                       <a:pPr latinLnBrk="1"/>
                       <a:r>
-                        <a:rPr lang="en-US" altLang="ko-KR" dirty="0" smtClean="0"/>
+                        <a:rPr lang="en-US" altLang="ko-KR" dirty="0"/>
                         <a:t>2</a:t>
                       </a:r>
                       <a:endParaRPr lang="ko-KR" altLang="en-US" dirty="0"/>
@@ -19581,7 +19753,7 @@
                     <a:p>
                       <a:pPr latinLnBrk="1"/>
                       <a:r>
-                        <a:rPr lang="en-US" altLang="ko-KR" dirty="0" smtClean="0"/>
+                        <a:rPr lang="en-US" altLang="ko-KR" dirty="0"/>
                         <a:t>3</a:t>
                       </a:r>
                       <a:endParaRPr lang="ko-KR" altLang="en-US" dirty="0"/>
@@ -19600,7 +19772,7 @@
                     <a:p>
                       <a:pPr latinLnBrk="1"/>
                       <a:r>
-                        <a:rPr lang="en-US" altLang="ko-KR" dirty="0" smtClean="0"/>
+                        <a:rPr lang="en-US" altLang="ko-KR" dirty="0"/>
                         <a:t>0</a:t>
                       </a:r>
                       <a:endParaRPr lang="ko-KR" altLang="en-US" dirty="0"/>
@@ -19619,7 +19791,7 @@
                     <a:p>
                       <a:pPr latinLnBrk="1"/>
                       <a:r>
-                        <a:rPr lang="en-US" altLang="ko-KR" dirty="0" smtClean="0"/>
+                        <a:rPr lang="en-US" altLang="ko-KR" dirty="0"/>
                         <a:t>3</a:t>
                       </a:r>
                       <a:endParaRPr lang="ko-KR" altLang="en-US" dirty="0"/>
@@ -19631,6 +19803,11 @@
                     </a:solidFill>
                   </a:tcPr>
                 </a:tc>
+                <a:extLst>
+                  <a:ext uri="{0D108BD9-81ED-4DB2-BD59-A6C34878D82A}">
+                    <a16:rowId xmlns:a16="http://schemas.microsoft.com/office/drawing/2014/main" val="10001"/>
+                  </a:ext>
+                </a:extLst>
               </a:tr>
             </a:tbl>
           </a:graphicData>
@@ -19661,11 +19838,41 @@
                 <a:tableStyleId>{5C22544A-7EE6-4342-B048-85BDC9FD1C3A}</a:tableStyleId>
               </a:tblPr>
               <a:tblGrid>
-                <a:gridCol w="762000"/>
-                <a:gridCol w="762000"/>
-                <a:gridCol w="762000"/>
-                <a:gridCol w="762000"/>
-                <a:gridCol w="762000"/>
+                <a:gridCol w="762000">
+                  <a:extLst>
+                    <a:ext uri="{9D8B030D-6E8A-4147-A177-3AD203B41FA5}">
+                      <a16:colId xmlns:a16="http://schemas.microsoft.com/office/drawing/2014/main" val="20000"/>
+                    </a:ext>
+                  </a:extLst>
+                </a:gridCol>
+                <a:gridCol w="762000">
+                  <a:extLst>
+                    <a:ext uri="{9D8B030D-6E8A-4147-A177-3AD203B41FA5}">
+                      <a16:colId xmlns:a16="http://schemas.microsoft.com/office/drawing/2014/main" val="20001"/>
+                    </a:ext>
+                  </a:extLst>
+                </a:gridCol>
+                <a:gridCol w="762000">
+                  <a:extLst>
+                    <a:ext uri="{9D8B030D-6E8A-4147-A177-3AD203B41FA5}">
+                      <a16:colId xmlns:a16="http://schemas.microsoft.com/office/drawing/2014/main" val="20002"/>
+                    </a:ext>
+                  </a:extLst>
+                </a:gridCol>
+                <a:gridCol w="762000">
+                  <a:extLst>
+                    <a:ext uri="{9D8B030D-6E8A-4147-A177-3AD203B41FA5}">
+                      <a16:colId xmlns:a16="http://schemas.microsoft.com/office/drawing/2014/main" val="20003"/>
+                    </a:ext>
+                  </a:extLst>
+                </a:gridCol>
+                <a:gridCol w="762000">
+                  <a:extLst>
+                    <a:ext uri="{9D8B030D-6E8A-4147-A177-3AD203B41FA5}">
+                      <a16:colId xmlns:a16="http://schemas.microsoft.com/office/drawing/2014/main" val="20004"/>
+                    </a:ext>
+                  </a:extLst>
+                </a:gridCol>
               </a:tblGrid>
               <a:tr h="370840">
                 <a:tc>
@@ -19675,7 +19882,7 @@
                     <a:p>
                       <a:pPr latinLnBrk="1"/>
                       <a:r>
-                        <a:rPr lang="en-US" altLang="ko-KR" dirty="0" smtClean="0"/>
+                        <a:rPr lang="en-US" altLang="ko-KR" dirty="0"/>
                         <a:t>0</a:t>
                       </a:r>
                       <a:endParaRPr lang="ko-KR" altLang="en-US" dirty="0"/>
@@ -19694,7 +19901,7 @@
                     <a:p>
                       <a:pPr latinLnBrk="1"/>
                       <a:r>
-                        <a:rPr lang="en-US" altLang="ko-KR" dirty="0" smtClean="0"/>
+                        <a:rPr lang="en-US" altLang="ko-KR" dirty="0"/>
                         <a:t>2</a:t>
                       </a:r>
                       <a:endParaRPr lang="ko-KR" altLang="en-US" dirty="0"/>
@@ -19713,7 +19920,7 @@
                     <a:p>
                       <a:pPr latinLnBrk="1"/>
                       <a:r>
-                        <a:rPr lang="en-US" altLang="ko-KR" dirty="0" smtClean="0"/>
+                        <a:rPr lang="en-US" altLang="ko-KR" dirty="0"/>
                         <a:t>2</a:t>
                       </a:r>
                       <a:endParaRPr lang="ko-KR" altLang="en-US" dirty="0"/>
@@ -19732,7 +19939,7 @@
                     <a:p>
                       <a:pPr latinLnBrk="1"/>
                       <a:r>
-                        <a:rPr lang="en-US" altLang="ko-KR" dirty="0" smtClean="0"/>
+                        <a:rPr lang="en-US" altLang="ko-KR" dirty="0"/>
                         <a:t>5</a:t>
                       </a:r>
                       <a:endParaRPr lang="ko-KR" altLang="en-US" dirty="0"/>
@@ -19751,7 +19958,7 @@
                     <a:p>
                       <a:pPr latinLnBrk="1"/>
                       <a:r>
-                        <a:rPr lang="en-US" altLang="ko-KR" dirty="0" smtClean="0"/>
+                        <a:rPr lang="en-US" altLang="ko-KR" dirty="0"/>
                         <a:t>7</a:t>
                       </a:r>
                       <a:endParaRPr lang="ko-KR" altLang="en-US" dirty="0"/>
@@ -19759,6 +19966,11 @@
                   </a:txBody>
                   <a:tcPr/>
                 </a:tc>
+                <a:extLst>
+                  <a:ext uri="{0D108BD9-81ED-4DB2-BD59-A6C34878D82A}">
+                    <a16:rowId xmlns:a16="http://schemas.microsoft.com/office/drawing/2014/main" val="10000"/>
+                  </a:ext>
+                </a:extLst>
               </a:tr>
             </a:tbl>
           </a:graphicData>
@@ -19787,7 +19999,7 @@
           <a:lstStyle/>
           <a:p>
             <a:r>
-              <a:rPr lang="en-US" altLang="ko-KR" dirty="0" smtClean="0"/>
+              <a:rPr lang="en-US" altLang="ko-KR" dirty="0"/>
               <a:t>row 0</a:t>
             </a:r>
             <a:endParaRPr lang="ko-KR" altLang="en-US" dirty="0"/>
@@ -19817,7 +20029,7 @@
           <a:lstStyle/>
           <a:p>
             <a:r>
-              <a:rPr lang="en-US" altLang="ko-KR" dirty="0" smtClean="0"/>
+              <a:rPr lang="en-US" altLang="ko-KR" dirty="0"/>
               <a:t>row2</a:t>
             </a:r>
             <a:endParaRPr lang="ko-KR" altLang="en-US" dirty="0"/>
@@ -19847,7 +20059,7 @@
           <a:lstStyle/>
           <a:p>
             <a:r>
-              <a:rPr lang="en-US" altLang="ko-KR" dirty="0" smtClean="0"/>
+              <a:rPr lang="en-US" altLang="ko-KR" dirty="0"/>
               <a:t>row3</a:t>
             </a:r>
             <a:endParaRPr lang="ko-KR" altLang="en-US" dirty="0"/>
@@ -19913,7 +20125,7 @@
           <a:lstStyle/>
           <a:p>
             <a:r>
-              <a:rPr lang="en-US" altLang="ko-KR" sz="1200" dirty="0" smtClean="0">
+              <a:rPr lang="en-US" altLang="ko-KR" sz="1200" dirty="0">
                 <a:latin typeface="+mn-lt"/>
               </a:rPr>
               <a:t>row0</a:t>
@@ -19947,7 +20159,7 @@
           <a:lstStyle/>
           <a:p>
             <a:r>
-              <a:rPr lang="en-US" altLang="ko-KR" sz="1200" dirty="0" smtClean="0">
+              <a:rPr lang="en-US" altLang="ko-KR" sz="1200" dirty="0">
                 <a:latin typeface="+mn-lt"/>
               </a:rPr>
               <a:t>row1</a:t>
@@ -19981,7 +20193,7 @@
           <a:lstStyle/>
           <a:p>
             <a:r>
-              <a:rPr lang="en-US" altLang="ko-KR" sz="1200" dirty="0" smtClean="0">
+              <a:rPr lang="en-US" altLang="ko-KR" sz="1200" dirty="0">
                 <a:latin typeface="+mn-lt"/>
               </a:rPr>
               <a:t>row2</a:t>
@@ -20015,7 +20227,7 @@
           <a:lstStyle/>
           <a:p>
             <a:r>
-              <a:rPr lang="en-US" altLang="ko-KR" sz="1200" dirty="0" smtClean="0">
+              <a:rPr lang="en-US" altLang="ko-KR" sz="1200" dirty="0">
                 <a:latin typeface="+mn-lt"/>
               </a:rPr>
               <a:t>row3</a:t>
@@ -20049,7 +20261,7 @@
           <a:lstStyle/>
           <a:p>
             <a:r>
-              <a:rPr lang="en-US" altLang="ko-KR" sz="1200" dirty="0" smtClean="0">
+              <a:rPr lang="en-US" altLang="ko-KR" sz="1200" dirty="0">
                 <a:latin typeface="+mn-lt"/>
               </a:rPr>
               <a:t>row4</a:t>
@@ -20157,7 +20369,7 @@
           <a:lstStyle/>
           <a:p>
             <a:r>
-              <a:rPr lang="en-US" altLang="ko-KR" dirty="0" smtClean="0"/>
+              <a:rPr lang="en-US" altLang="ko-KR" dirty="0"/>
               <a:t>data[]</a:t>
             </a:r>
             <a:endParaRPr lang="ko-KR" altLang="en-US" dirty="0"/>
@@ -20187,11 +20399,11 @@
           <a:lstStyle/>
           <a:p>
             <a:r>
-              <a:rPr lang="en-US" altLang="ko-KR" dirty="0" err="1" smtClean="0"/>
+              <a:rPr lang="en-US" altLang="ko-KR" dirty="0" err="1"/>
               <a:t>col_index</a:t>
             </a:r>
             <a:r>
-              <a:rPr lang="en-US" altLang="ko-KR" dirty="0" smtClean="0"/>
+              <a:rPr lang="en-US" altLang="ko-KR" dirty="0"/>
               <a:t>[]</a:t>
             </a:r>
             <a:endParaRPr lang="ko-KR" altLang="en-US" dirty="0"/>
@@ -20221,11 +20433,11 @@
           <a:lstStyle/>
           <a:p>
             <a:r>
-              <a:rPr lang="en-US" altLang="ko-KR" dirty="0" err="1" smtClean="0"/>
+              <a:rPr lang="en-US" altLang="ko-KR" dirty="0" err="1"/>
               <a:t>row_ptr</a:t>
             </a:r>
             <a:r>
-              <a:rPr lang="en-US" altLang="ko-KR" dirty="0" smtClean="0"/>
+              <a:rPr lang="en-US" altLang="ko-KR" dirty="0"/>
               <a:t>[]</a:t>
             </a:r>
             <a:endParaRPr lang="ko-KR" altLang="en-US" dirty="0"/>
@@ -20242,13 +20454,6 @@
   <p:clrMapOvr>
     <a:masterClrMapping/>
   </p:clrMapOvr>
-  <p:timing>
-    <p:tnLst>
-      <p:par>
-        <p:cTn id="1" dur="indefinite" restart="never" nodeType="tmRoot"/>
-      </p:par>
-    </p:tnLst>
-  </p:timing>
 </p:sld>
 </file>
 
@@ -20290,11 +20495,11 @@
           <a:lstStyle/>
           <a:p>
             <a:r>
-              <a:rPr lang="en-US" altLang="ko-KR" smtClean="0"/>
+              <a:rPr lang="en-US" altLang="ko-KR"/>
               <a:t>SpMV(Sparse Matrix Vector Multiplication) </a:t>
             </a:r>
             <a:r>
-              <a:rPr lang="en-US" altLang="ko-KR" dirty="0" smtClean="0"/>
+              <a:rPr lang="en-US" altLang="ko-KR" dirty="0"/>
               <a:t>[1]</a:t>
             </a:r>
             <a:endParaRPr lang="ko-KR" altLang="en-US" dirty="0"/>
@@ -20317,15 +20522,15 @@
           <a:lstStyle/>
           <a:p>
             <a:r>
-              <a:rPr lang="en-US" altLang="ko-KR" dirty="0" smtClean="0"/>
+              <a:rPr lang="en-US" altLang="ko-KR" sz="2800" dirty="0"/>
               <a:t>A sequential loop that implements </a:t>
             </a:r>
             <a:r>
-              <a:rPr lang="en-US" altLang="ko-KR" dirty="0" err="1" smtClean="0"/>
+              <a:rPr lang="en-US" altLang="ko-KR" sz="2800" dirty="0" err="1"/>
               <a:t>SpMV</a:t>
             </a:r>
             <a:r>
-              <a:rPr lang="en-US" altLang="ko-KR" dirty="0" smtClean="0"/>
+              <a:rPr lang="en-US" altLang="ko-KR" sz="2800" dirty="0"/>
               <a:t>.</a:t>
             </a:r>
           </a:p>
@@ -20334,28 +20539,8 @@
               <a:buNone/>
             </a:pPr>
             <a:r>
-              <a:rPr lang="en-US" altLang="ko-KR" sz="2400" dirty="0"/>
-              <a:t>	</a:t>
-            </a:r>
-            <a:r>
-              <a:rPr lang="en-US" altLang="ko-KR" sz="2400" dirty="0" smtClean="0"/>
-              <a:t>1. for(</a:t>
-            </a:r>
-            <a:r>
-              <a:rPr lang="en-US" altLang="ko-KR" sz="2400" dirty="0" err="1" smtClean="0"/>
-              <a:t>int</a:t>
-            </a:r>
-            <a:r>
-              <a:rPr lang="en-US" altLang="ko-KR" sz="2400" dirty="0" smtClean="0"/>
-              <a:t> row=0;row&lt;</a:t>
-            </a:r>
-            <a:r>
-              <a:rPr lang="en-US" altLang="ko-KR" sz="2400" dirty="0" err="1" smtClean="0"/>
-              <a:t>num_rows;row</a:t>
-            </a:r>
-            <a:r>
-              <a:rPr lang="en-US" altLang="ko-KR" sz="2400" dirty="0" smtClean="0"/>
-              <a:t>++){</a:t>
+              <a:rPr lang="en-US" altLang="ko-KR" sz="2800" dirty="0"/>
+              <a:t> AX (A = n x n matrix, X = n vector)</a:t>
             </a:r>
           </a:p>
           <a:p>
@@ -20363,20 +20548,24 @@
               <a:buNone/>
             </a:pPr>
             <a:r>
-              <a:rPr lang="en-US" altLang="ko-KR" sz="2400" dirty="0"/>
-              <a:t>	</a:t>
-            </a:r>
-            <a:r>
-              <a:rPr lang="en-US" altLang="ko-KR" sz="2400" dirty="0" smtClean="0"/>
-              <a:t>2. 	</a:t>
-            </a:r>
-            <a:r>
-              <a:rPr lang="en-US" altLang="ko-KR" sz="2400" smtClean="0"/>
-              <a:t>float dp=0</a:t>
-            </a:r>
-            <a:r>
-              <a:rPr lang="en-US" altLang="ko-KR" sz="2400" dirty="0" smtClean="0"/>
-              <a:t>;</a:t>
+              <a:rPr lang="en-US" altLang="ko-KR" sz="2000" dirty="0"/>
+              <a:t>	1. for(</a:t>
+            </a:r>
+            <a:r>
+              <a:rPr lang="en-US" altLang="ko-KR" sz="2000" dirty="0" err="1"/>
+              <a:t>int</a:t>
+            </a:r>
+            <a:r>
+              <a:rPr lang="en-US" altLang="ko-KR" sz="2000" dirty="0"/>
+              <a:t> row=0;row&lt;</a:t>
+            </a:r>
+            <a:r>
+              <a:rPr lang="en-US" altLang="ko-KR" sz="2000" dirty="0" err="1"/>
+              <a:t>num_rows;row</a:t>
+            </a:r>
+            <a:r>
+              <a:rPr lang="en-US" altLang="ko-KR" sz="2000" dirty="0"/>
+              <a:t>++){</a:t>
             </a:r>
           </a:p>
           <a:p>
@@ -20384,36 +20573,16 @@
               <a:buNone/>
             </a:pPr>
             <a:r>
-              <a:rPr lang="en-US" altLang="ko-KR" sz="2400" dirty="0"/>
-              <a:t>	</a:t>
-            </a:r>
-            <a:r>
-              <a:rPr lang="en-US" altLang="ko-KR" sz="2400" dirty="0" smtClean="0"/>
-              <a:t>3. 	</a:t>
-            </a:r>
-            <a:r>
-              <a:rPr lang="en-US" altLang="ko-KR" sz="2400" dirty="0" err="1" smtClean="0"/>
-              <a:t>int</a:t>
-            </a:r>
-            <a:r>
-              <a:rPr lang="en-US" altLang="ko-KR" sz="2400" dirty="0" smtClean="0"/>
-              <a:t> </a:t>
-            </a:r>
-            <a:r>
-              <a:rPr lang="en-US" altLang="ko-KR" sz="2400" dirty="0" err="1" smtClean="0"/>
-              <a:t>r_start</a:t>
-            </a:r>
-            <a:r>
-              <a:rPr lang="en-US" altLang="ko-KR" sz="2400" dirty="0" smtClean="0"/>
-              <a:t>=</a:t>
-            </a:r>
-            <a:r>
-              <a:rPr lang="en-US" altLang="ko-KR" sz="2400" dirty="0" err="1" smtClean="0"/>
-              <a:t>row_ptr</a:t>
-            </a:r>
-            <a:r>
-              <a:rPr lang="en-US" altLang="ko-KR" sz="2400" dirty="0" smtClean="0"/>
-              <a:t>[row];</a:t>
+              <a:rPr lang="en-US" altLang="ko-KR" sz="2000" dirty="0"/>
+              <a:t>	2. 	float </a:t>
+            </a:r>
+            <a:r>
+              <a:rPr lang="en-US" altLang="ko-KR" sz="2000" dirty="0" err="1"/>
+              <a:t>dp</a:t>
+            </a:r>
+            <a:r>
+              <a:rPr lang="en-US" altLang="ko-KR" sz="2000" dirty="0"/>
+              <a:t>=0;</a:t>
             </a:r>
           </a:p>
           <a:p>
@@ -20421,36 +20590,32 @@
               <a:buNone/>
             </a:pPr>
             <a:r>
-              <a:rPr lang="en-US" altLang="ko-KR" sz="2400" dirty="0"/>
-              <a:t>	</a:t>
-            </a:r>
-            <a:r>
-              <a:rPr lang="en-US" altLang="ko-KR" sz="2400" dirty="0" smtClean="0"/>
-              <a:t>4. 	</a:t>
-            </a:r>
-            <a:r>
-              <a:rPr lang="en-US" altLang="ko-KR" sz="2400" dirty="0" err="1" smtClean="0"/>
+              <a:rPr lang="en-US" altLang="ko-KR" sz="2000" dirty="0"/>
+              <a:t>	3. 	</a:t>
+            </a:r>
+            <a:r>
+              <a:rPr lang="en-US" altLang="ko-KR" sz="2000" dirty="0" err="1"/>
               <a:t>int</a:t>
             </a:r>
             <a:r>
-              <a:rPr lang="en-US" altLang="ko-KR" sz="2400" dirty="0" smtClean="0"/>
+              <a:rPr lang="en-US" altLang="ko-KR" sz="2000" dirty="0"/>
               <a:t> </a:t>
             </a:r>
             <a:r>
-              <a:rPr lang="en-US" altLang="ko-KR" sz="2400" dirty="0" err="1" smtClean="0"/>
-              <a:t>r_end</a:t>
-            </a:r>
-            <a:r>
-              <a:rPr lang="en-US" altLang="ko-KR" sz="2400" dirty="0" smtClean="0"/>
+              <a:rPr lang="en-US" altLang="ko-KR" sz="2000" dirty="0" err="1"/>
+              <a:t>r_start</a:t>
+            </a:r>
+            <a:r>
+              <a:rPr lang="en-US" altLang="ko-KR" sz="2000" dirty="0"/>
               <a:t>=</a:t>
             </a:r>
             <a:r>
-              <a:rPr lang="en-US" altLang="ko-KR" sz="2400" dirty="0" err="1" smtClean="0"/>
+              <a:rPr lang="en-US" altLang="ko-KR" sz="2000" dirty="0" err="1"/>
               <a:t>row_ptr</a:t>
             </a:r>
             <a:r>
-              <a:rPr lang="en-US" altLang="ko-KR" sz="2400" dirty="0" smtClean="0"/>
-              <a:t>[row+1];</a:t>
+              <a:rPr lang="en-US" altLang="ko-KR" sz="2000" dirty="0"/>
+              <a:t>[row];</a:t>
             </a:r>
           </a:p>
           <a:p>
@@ -20458,60 +20623,32 @@
               <a:buNone/>
             </a:pPr>
             <a:r>
-              <a:rPr lang="en-US" altLang="ko-KR" sz="2400" dirty="0"/>
-              <a:t>	</a:t>
-            </a:r>
-            <a:r>
-              <a:rPr lang="en-US" altLang="ko-KR" sz="2400" dirty="0" smtClean="0"/>
-              <a:t>5. 	for(</a:t>
-            </a:r>
-            <a:r>
-              <a:rPr lang="en-US" altLang="ko-KR" sz="2400" dirty="0" err="1" smtClean="0"/>
+              <a:rPr lang="en-US" altLang="ko-KR" sz="2000" dirty="0"/>
+              <a:t>	4. 	</a:t>
+            </a:r>
+            <a:r>
+              <a:rPr lang="en-US" altLang="ko-KR" sz="2000" dirty="0" err="1"/>
               <a:t>int</a:t>
             </a:r>
             <a:r>
-              <a:rPr lang="en-US" altLang="ko-KR" sz="2400" dirty="0" smtClean="0"/>
+              <a:rPr lang="en-US" altLang="ko-KR" sz="2000" dirty="0"/>
               <a:t> </a:t>
             </a:r>
             <a:r>
-              <a:rPr lang="en-US" altLang="ko-KR" sz="2400" dirty="0" err="1" smtClean="0"/>
-              <a:t>i</a:t>
-            </a:r>
-            <a:r>
-              <a:rPr lang="en-US" altLang="ko-KR" sz="2400" dirty="0" smtClean="0"/>
+              <a:rPr lang="en-US" altLang="ko-KR" sz="2000" dirty="0" err="1"/>
+              <a:t>r_end</a:t>
+            </a:r>
+            <a:r>
+              <a:rPr lang="en-US" altLang="ko-KR" sz="2000" dirty="0"/>
               <a:t>=</a:t>
             </a:r>
             <a:r>
-              <a:rPr lang="en-US" altLang="ko-KR" sz="2400" dirty="0" err="1" smtClean="0"/>
-              <a:t>r_start</a:t>
-            </a:r>
-            <a:r>
-              <a:rPr lang="en-US" altLang="ko-KR" sz="2400" dirty="0" smtClean="0"/>
-              <a:t>; </a:t>
-            </a:r>
-            <a:r>
-              <a:rPr lang="en-US" altLang="ko-KR" sz="2400" dirty="0" err="1" smtClean="0"/>
-              <a:t>i</a:t>
-            </a:r>
-            <a:r>
-              <a:rPr lang="en-US" altLang="ko-KR" sz="2400" dirty="0" smtClean="0"/>
-              <a:t>&lt;</a:t>
-            </a:r>
-            <a:r>
-              <a:rPr lang="en-US" altLang="ko-KR" sz="2400" dirty="0" err="1" smtClean="0"/>
-              <a:t>r_end</a:t>
-            </a:r>
-            <a:r>
-              <a:rPr lang="en-US" altLang="ko-KR" sz="2400" dirty="0" smtClean="0"/>
-              <a:t>; </a:t>
-            </a:r>
-            <a:r>
-              <a:rPr lang="en-US" altLang="ko-KR" sz="2400" dirty="0" err="1" smtClean="0"/>
-              <a:t>i</a:t>
-            </a:r>
-            <a:r>
-              <a:rPr lang="en-US" altLang="ko-KR" sz="2400" dirty="0" smtClean="0"/>
-              <a:t>++){</a:t>
+              <a:rPr lang="en-US" altLang="ko-KR" sz="2000" dirty="0" err="1"/>
+              <a:t>row_ptr</a:t>
+            </a:r>
+            <a:r>
+              <a:rPr lang="en-US" altLang="ko-KR" sz="2000" dirty="0"/>
+              <a:t>[row+1];</a:t>
             </a:r>
           </a:p>
           <a:p>
@@ -20519,44 +20656,56 @@
               <a:buNone/>
             </a:pPr>
             <a:r>
-              <a:rPr lang="en-US" altLang="ko-KR" sz="2400" dirty="0"/>
-              <a:t>	</a:t>
-            </a:r>
-            <a:r>
-              <a:rPr lang="en-US" altLang="ko-KR" sz="2400" dirty="0" smtClean="0"/>
-              <a:t>6.	</a:t>
-            </a:r>
-            <a:r>
-              <a:rPr lang="en-US" altLang="ko-KR" sz="2400" smtClean="0"/>
-              <a:t>	dp </a:t>
-            </a:r>
-            <a:r>
-              <a:rPr lang="en-US" altLang="ko-KR" sz="2400" dirty="0" smtClean="0"/>
-              <a:t>+=data[</a:t>
-            </a:r>
-            <a:r>
-              <a:rPr lang="en-US" altLang="ko-KR" sz="2400" dirty="0" err="1" smtClean="0"/>
+              <a:rPr lang="en-US" altLang="ko-KR" sz="2000" dirty="0"/>
+              <a:t>	5. 	for(</a:t>
+            </a:r>
+            <a:r>
+              <a:rPr lang="en-US" altLang="ko-KR" sz="2000" dirty="0" err="1"/>
+              <a:t>int</a:t>
+            </a:r>
+            <a:r>
+              <a:rPr lang="en-US" altLang="ko-KR" sz="2000" dirty="0"/>
+              <a:t> </a:t>
+            </a:r>
+            <a:r>
+              <a:rPr lang="en-US" altLang="ko-KR" sz="2000" dirty="0" err="1"/>
               <a:t>i</a:t>
             </a:r>
             <a:r>
-              <a:rPr lang="en-US" altLang="ko-KR" sz="2400" dirty="0" smtClean="0"/>
-              <a:t>]*x[</a:t>
-            </a:r>
-            <a:r>
-              <a:rPr lang="en-US" altLang="ko-KR" sz="2400" dirty="0" err="1" smtClean="0"/>
-              <a:t>col_index</a:t>
-            </a:r>
-            <a:r>
-              <a:rPr lang="en-US" altLang="ko-KR" sz="2400" dirty="0" smtClean="0"/>
-              <a:t>[</a:t>
-            </a:r>
-            <a:r>
-              <a:rPr lang="en-US" altLang="ko-KR" sz="2400" dirty="0" err="1" smtClean="0"/>
+              <a:rPr lang="en-US" altLang="ko-KR" sz="2000" dirty="0"/>
+              <a:t>=</a:t>
+            </a:r>
+            <a:r>
+              <a:rPr lang="en-US" altLang="ko-KR" sz="2000" dirty="0" err="1"/>
+              <a:t>r_start</a:t>
+            </a:r>
+            <a:r>
+              <a:rPr lang="en-US" altLang="ko-KR" sz="2000" dirty="0"/>
+              <a:t>; </a:t>
+            </a:r>
+            <a:r>
+              <a:rPr lang="en-US" altLang="ko-KR" sz="2000" dirty="0" err="1"/>
               <a:t>i</a:t>
             </a:r>
             <a:r>
-              <a:rPr lang="en-US" altLang="ko-KR" sz="2400" dirty="0" smtClean="0"/>
-              <a:t>]];</a:t>
+              <a:rPr lang="en-US" altLang="ko-KR" sz="2000" dirty="0"/>
+              <a:t>&lt;</a:t>
+            </a:r>
+            <a:r>
+              <a:rPr lang="en-US" altLang="ko-KR" sz="2000" dirty="0" err="1"/>
+              <a:t>r_end</a:t>
+            </a:r>
+            <a:r>
+              <a:rPr lang="en-US" altLang="ko-KR" sz="2000" dirty="0"/>
+              <a:t>; </a:t>
+            </a:r>
+            <a:r>
+              <a:rPr lang="en-US" altLang="ko-KR" sz="2000" dirty="0" err="1"/>
+              <a:t>i</a:t>
+            </a:r>
+            <a:r>
+              <a:rPr lang="en-US" altLang="ko-KR" sz="2000" dirty="0"/>
+              <a:t>++){</a:t>
             </a:r>
           </a:p>
           <a:p>
@@ -20564,12 +20713,40 @@
               <a:buNone/>
             </a:pPr>
             <a:r>
-              <a:rPr lang="en-US" altLang="ko-KR" sz="2400" dirty="0"/>
-              <a:t>	</a:t>
-            </a:r>
-            <a:r>
-              <a:rPr lang="en-US" altLang="ko-KR" sz="2400" dirty="0" smtClean="0"/>
-              <a:t>7.	}</a:t>
+              <a:rPr lang="en-US" altLang="ko-KR" sz="2000" dirty="0"/>
+              <a:t>	6.		</a:t>
+            </a:r>
+            <a:r>
+              <a:rPr lang="en-US" altLang="ko-KR" sz="2000" dirty="0" err="1"/>
+              <a:t>dp</a:t>
+            </a:r>
+            <a:r>
+              <a:rPr lang="en-US" altLang="ko-KR" sz="2000" dirty="0"/>
+              <a:t> +=data[</a:t>
+            </a:r>
+            <a:r>
+              <a:rPr lang="en-US" altLang="ko-KR" sz="2000" dirty="0" err="1"/>
+              <a:t>i</a:t>
+            </a:r>
+            <a:r>
+              <a:rPr lang="en-US" altLang="ko-KR" sz="2000" dirty="0"/>
+              <a:t>]*x[</a:t>
+            </a:r>
+            <a:r>
+              <a:rPr lang="en-US" altLang="ko-KR" sz="2000" dirty="0" err="1"/>
+              <a:t>col_index</a:t>
+            </a:r>
+            <a:r>
+              <a:rPr lang="en-US" altLang="ko-KR" sz="2000" dirty="0"/>
+              <a:t>[</a:t>
+            </a:r>
+            <a:r>
+              <a:rPr lang="en-US" altLang="ko-KR" sz="2000" dirty="0" err="1"/>
+              <a:t>i</a:t>
+            </a:r>
+            <a:r>
+              <a:rPr lang="en-US" altLang="ko-KR" sz="2000" dirty="0"/>
+              <a:t>]];</a:t>
             </a:r>
           </a:p>
           <a:p>
@@ -20577,20 +20754,8 @@
               <a:buNone/>
             </a:pPr>
             <a:r>
-              <a:rPr lang="en-US" altLang="ko-KR" sz="2400" dirty="0"/>
-              <a:t>	</a:t>
-            </a:r>
-            <a:r>
-              <a:rPr lang="en-US" altLang="ko-KR" sz="2400" dirty="0" smtClean="0"/>
-              <a:t>8.	y[row</a:t>
-            </a:r>
-            <a:r>
-              <a:rPr lang="en-US" altLang="ko-KR" sz="2400" smtClean="0"/>
-              <a:t>]+=dp</a:t>
-            </a:r>
-            <a:r>
-              <a:rPr lang="en-US" altLang="ko-KR" sz="2400" dirty="0" smtClean="0"/>
-              <a:t>;</a:t>
+              <a:rPr lang="en-US" altLang="ko-KR" sz="2000" dirty="0"/>
+              <a:t>	7.	}</a:t>
             </a:r>
           </a:p>
           <a:p>
@@ -20598,12 +20763,16 @@
               <a:buNone/>
             </a:pPr>
             <a:r>
-              <a:rPr lang="en-US" altLang="ko-KR" sz="2400" dirty="0"/>
-              <a:t>	</a:t>
-            </a:r>
-            <a:r>
-              <a:rPr lang="en-US" altLang="ko-KR" sz="2400" dirty="0" smtClean="0"/>
-              <a:t>9. }</a:t>
+              <a:rPr lang="en-US" altLang="ko-KR" sz="2000" dirty="0"/>
+              <a:t>	8.	y[row]+=</a:t>
+            </a:r>
+            <a:r>
+              <a:rPr lang="en-US" altLang="ko-KR" sz="2000" dirty="0" err="1"/>
+              <a:t>dp</a:t>
+            </a:r>
+            <a:r>
+              <a:rPr lang="en-US" altLang="ko-KR" sz="2000" dirty="0"/>
+              <a:t>;</a:t>
             </a:r>
           </a:p>
           <a:p>
@@ -20611,26 +20780,35 @@
               <a:buNone/>
             </a:pPr>
             <a:r>
-              <a:rPr lang="en-US" altLang="ko-KR" sz="2400" dirty="0"/>
-              <a:t>	</a:t>
-            </a:r>
-            <a:r>
-              <a:rPr lang="en-US" altLang="ko-KR" sz="2400" dirty="0" smtClean="0"/>
-              <a:t>	</a:t>
-            </a:r>
-            <a:r>
-              <a:rPr lang="en-US" altLang="ko-KR" sz="2400" smtClean="0"/>
-              <a:t>	</a:t>
-            </a:r>
-            <a:r>
-              <a:rPr lang="en-US" altLang="ko-KR" sz="2400" b="1" smtClean="0">
+              <a:rPr lang="en-US" altLang="ko-KR" sz="2000" dirty="0"/>
+              <a:t>	9. }</a:t>
+            </a:r>
+          </a:p>
+          <a:p>
+            <a:pPr marL="0" indent="0">
+              <a:buNone/>
+            </a:pPr>
+            <a:r>
+              <a:rPr lang="en-US" altLang="ko-KR" sz="2000" dirty="0"/>
+              <a:t>			</a:t>
+            </a:r>
+            <a:r>
+              <a:rPr lang="en-US" altLang="ko-KR" sz="2000" b="1" dirty="0" err="1">
                 <a:solidFill>
                   <a:srgbClr val="FF0000"/>
                 </a:solidFill>
               </a:rPr>
-              <a:t>dp: dot product</a:t>
-            </a:r>
-            <a:endParaRPr lang="ko-KR" altLang="en-US" sz="2400" b="1" dirty="0">
+              <a:t>dp</a:t>
+            </a:r>
+            <a:r>
+              <a:rPr lang="en-US" altLang="ko-KR" sz="2000" b="1" dirty="0">
+                <a:solidFill>
+                  <a:srgbClr val="FF0000"/>
+                </a:solidFill>
+              </a:rPr>
+              <a:t>: dot product</a:t>
+            </a:r>
+            <a:endParaRPr lang="ko-KR" altLang="en-US" sz="2000" b="1" dirty="0">
               <a:solidFill>
                 <a:srgbClr val="FF0000"/>
               </a:solidFill>
@@ -20648,13 +20826,6 @@
   <p:clrMapOvr>
     <a:masterClrMapping/>
   </p:clrMapOvr>
-  <p:timing>
-    <p:tnLst>
-      <p:par>
-        <p:cTn id="1" dur="indefinite" restart="never" nodeType="tmRoot"/>
-      </p:par>
-    </p:tnLst>
-  </p:timing>
 </p:sld>
 </file>
 

--- a/gpu/EE817 Lecture 13 Sparse Matrix-Vector Multiplication.pptx
+++ b/gpu/EE817 Lecture 13 Sparse Matrix-Vector Multiplication.pptx
@@ -288,7 +288,7 @@
           <a:p>
             <a:fld id="{0958D145-3F61-4970-8B92-DDA610F3EB4F}" type="datetimeFigureOut">
               <a:rPr lang="ko-KR" altLang="en-US" smtClean="0"/>
-              <a:t>2017-05-28</a:t>
+              <a:t>2017-06-14</a:t>
             </a:fld>
             <a:endParaRPr lang="ko-KR" altLang="en-US"/>
           </a:p>
@@ -483,7 +483,7 @@
               <a:pPr>
                 <a:defRPr/>
               </a:pPr>
-              <a:t>2017-05-28</a:t>
+              <a:t>2017-06-14</a:t>
             </a:fld>
             <a:endParaRPr lang="ko-KR" altLang="en-US"/>
           </a:p>
@@ -1615,7 +1615,7 @@
               <a:pPr>
                 <a:defRPr/>
               </a:pPr>
-              <a:t>5/28/2017</a:t>
+              <a:t>6/14/2017</a:t>
             </a:fld>
             <a:endParaRPr lang="en-US" altLang="ko-KR"/>
           </a:p>
@@ -1817,7 +1817,7 @@
               <a:pPr>
                 <a:defRPr/>
               </a:pPr>
-              <a:t>5/28/2017</a:t>
+              <a:t>6/14/2017</a:t>
             </a:fld>
             <a:endParaRPr lang="en-US" altLang="ko-KR"/>
           </a:p>
@@ -2250,7 +2250,7 @@
               <a:pPr>
                 <a:defRPr/>
               </a:pPr>
-              <a:t>5/28/2017</a:t>
+              <a:t>6/14/2017</a:t>
             </a:fld>
             <a:endParaRPr lang="en-US" altLang="ko-KR"/>
           </a:p>
@@ -2447,7 +2447,7 @@
               <a:pPr>
                 <a:defRPr/>
               </a:pPr>
-              <a:t>5/28/2017</a:t>
+              <a:t>6/14/2017</a:t>
             </a:fld>
             <a:endParaRPr lang="en-US" altLang="ko-KR"/>
           </a:p>
@@ -2962,7 +2962,7 @@
               <a:pPr>
                 <a:defRPr/>
               </a:pPr>
-              <a:t>5/28/2017</a:t>
+              <a:t>6/14/2017</a:t>
             </a:fld>
             <a:endParaRPr lang="en-US" altLang="ko-KR"/>
           </a:p>
@@ -3277,7 +3277,7 @@
               <a:pPr>
                 <a:defRPr/>
               </a:pPr>
-              <a:t>5/28/2017</a:t>
+              <a:t>6/14/2017</a:t>
             </a:fld>
             <a:endParaRPr lang="en-US" altLang="ko-KR"/>
           </a:p>
@@ -3780,7 +3780,7 @@
               <a:pPr>
                 <a:defRPr/>
               </a:pPr>
-              <a:t>5/28/2017</a:t>
+              <a:t>6/14/2017</a:t>
             </a:fld>
             <a:endParaRPr lang="en-US" altLang="ko-KR"/>
           </a:p>
@@ -4168,7 +4168,7 @@
               <a:pPr>
                 <a:defRPr/>
               </a:pPr>
-              <a:t>5/28/2017</a:t>
+              <a:t>6/14/2017</a:t>
             </a:fld>
             <a:endParaRPr lang="en-US" altLang="ko-KR"/>
           </a:p>
@@ -4626,7 +4626,7 @@
               <a:pPr>
                 <a:defRPr/>
               </a:pPr>
-              <a:t>5/28/2017</a:t>
+              <a:t>6/14/2017</a:t>
             </a:fld>
             <a:endParaRPr lang="en-US" altLang="ko-KR"/>
           </a:p>
@@ -4924,7 +4924,7 @@
               <a:pPr>
                 <a:defRPr/>
               </a:pPr>
-              <a:t>5/28/2017</a:t>
+              <a:t>6/14/2017</a:t>
             </a:fld>
             <a:endParaRPr lang="en-US" altLang="ko-KR"/>
           </a:p>
@@ -5254,7 +5254,7 @@
               <a:pPr>
                 <a:defRPr/>
               </a:pPr>
-              <a:t>5/28/2017</a:t>
+              <a:t>6/14/2017</a:t>
             </a:fld>
             <a:endParaRPr lang="en-US" altLang="ko-KR"/>
           </a:p>
@@ -5772,7 +5772,7 @@
               <a:pPr>
                 <a:defRPr/>
               </a:pPr>
-              <a:t>5/28/2017</a:t>
+              <a:t>6/14/2017</a:t>
             </a:fld>
             <a:endParaRPr lang="en-US" altLang="ko-KR"/>
           </a:p>
@@ -9550,7 +9550,7 @@
             </a:pPr>
             <a:r>
               <a:rPr lang="en-US" altLang="ko-KR" sz="2800" dirty="0"/>
-              <a:t>row0:</a:t>
+              <a:t>Row0 data:</a:t>
             </a:r>
             <a:r>
               <a:rPr lang="en-US" altLang="ko-KR" dirty="0"/>
@@ -9558,7 +9558,15 @@
             </a:r>
             <a:r>
               <a:rPr lang="en-US" altLang="ko-KR" sz="2800" dirty="0"/>
-              <a:t>1 2	    0 2		</a:t>
+              <a:t>1 2	  </a:t>
+            </a:r>
+            <a:r>
+              <a:rPr lang="en-US" altLang="ko-KR" sz="2800" dirty="0" err="1"/>
+              <a:t>col_idx</a:t>
+            </a:r>
+            <a:r>
+              <a:rPr lang="en-US" altLang="ko-KR" sz="2800" dirty="0"/>
+              <a:t> 0 2    </a:t>
             </a:r>
             <a:r>
               <a:rPr lang="en-US" altLang="ko-KR" sz="2800" dirty="0" err="1"/>
@@ -9575,7 +9583,15 @@
             </a:pPr>
             <a:r>
               <a:rPr lang="en-US" altLang="ko-KR" sz="2800" dirty="0"/>
-              <a:t>row2:	3 4 5 	    1 2 3</a:t>
+              <a:t>Row2 data:	3 4 5 	  </a:t>
+            </a:r>
+            <a:r>
+              <a:rPr lang="en-US" altLang="ko-KR" sz="2800" dirty="0" err="1"/>
+              <a:t>col_idx</a:t>
+            </a:r>
+            <a:r>
+              <a:rPr lang="en-US" altLang="ko-KR" sz="2800" dirty="0"/>
+              <a:t> 1 2 3</a:t>
             </a:r>
           </a:p>
           <a:p>
@@ -9584,7 +9600,15 @@
             </a:pPr>
             <a:r>
               <a:rPr lang="en-US" altLang="ko-KR" sz="2800" dirty="0"/>
-              <a:t>row3: 6 7         0 3</a:t>
+              <a:t>Row3 data:  6 7       </a:t>
+            </a:r>
+            <a:r>
+              <a:rPr lang="en-US" altLang="ko-KR" sz="2800" dirty="0" err="1"/>
+              <a:t>col_idx</a:t>
+            </a:r>
+            <a:r>
+              <a:rPr lang="en-US" altLang="ko-KR" sz="2800" dirty="0"/>
+              <a:t> 0 3</a:t>
             </a:r>
           </a:p>
           <a:p>
@@ -11201,7 +11225,12 @@
             <p:ph idx="1"/>
           </p:nvPr>
         </p:nvSpPr>
-        <p:spPr/>
+        <p:spPr>
+          <a:xfrm>
+            <a:off x="457200" y="1600200"/>
+            <a:ext cx="8229600" cy="5213176"/>
+          </a:xfrm>
+        </p:spPr>
         <p:txBody>
           <a:bodyPr/>
           <a:lstStyle/>
@@ -11386,15 +11415,7 @@
             </a:pPr>
             <a:r>
               <a:rPr lang="en-US" altLang="ko-KR" dirty="0"/>
-              <a:t>These zero elements are waste of </a:t>
-            </a:r>
-            <a:r>
-              <a:rPr lang="en-US" altLang="ko-KR" dirty="0" err="1"/>
-              <a:t>memroy</a:t>
-            </a:r>
-            <a:r>
-              <a:rPr lang="en-US" altLang="ko-KR" dirty="0"/>
-              <a:t>, time and energy.</a:t>
+              <a:t>These zero elements are waste of memory, time and energy.</a:t>
             </a:r>
           </a:p>
           <a:p>
@@ -13453,7 +13474,12 @@
             <p:ph idx="1"/>
           </p:nvPr>
         </p:nvSpPr>
-        <p:spPr/>
+        <p:spPr>
+          <a:xfrm>
+            <a:off x="457200" y="1600200"/>
+            <a:ext cx="8229600" cy="5257800"/>
+          </a:xfrm>
+        </p:spPr>
         <p:txBody>
           <a:bodyPr/>
           <a:lstStyle/>
@@ -20516,7 +20542,12 @@
             <p:ph idx="1"/>
           </p:nvPr>
         </p:nvSpPr>
-        <p:spPr/>
+        <p:spPr>
+          <a:xfrm>
+            <a:off x="457200" y="1672208"/>
+            <a:ext cx="8229600" cy="4853136"/>
+          </a:xfrm>
+        </p:spPr>
         <p:txBody>
           <a:bodyPr/>
           <a:lstStyle/>
